--- a/CSharpCorner/15Jul2020_LightUp/Documentation/gRPC_Service_Client_SQL_Multi_Client.pptx
+++ b/CSharpCorner/15Jul2020_LightUp/Documentation/gRPC_Service_Client_SQL_Multi_Client.pptx
@@ -5,27 +5,28 @@
     <p:sldMasterId id="2147483648" r:id="rId1"/>
   </p:sldMasterIdLst>
   <p:notesMasterIdLst>
-    <p:notesMasterId r:id="rId20"/>
+    <p:notesMasterId r:id="rId21"/>
   </p:notesMasterIdLst>
   <p:sldIdLst>
     <p:sldId id="256" r:id="rId2"/>
-    <p:sldId id="283" r:id="rId3"/>
-    <p:sldId id="290" r:id="rId4"/>
-    <p:sldId id="260" r:id="rId5"/>
-    <p:sldId id="296" r:id="rId6"/>
-    <p:sldId id="298" r:id="rId7"/>
-    <p:sldId id="299" r:id="rId8"/>
-    <p:sldId id="300" r:id="rId9"/>
-    <p:sldId id="301" r:id="rId10"/>
-    <p:sldId id="302" r:id="rId11"/>
-    <p:sldId id="303" r:id="rId12"/>
-    <p:sldId id="304" r:id="rId13"/>
-    <p:sldId id="305" r:id="rId14"/>
-    <p:sldId id="306" r:id="rId15"/>
-    <p:sldId id="307" r:id="rId16"/>
-    <p:sldId id="308" r:id="rId17"/>
-    <p:sldId id="292" r:id="rId18"/>
-    <p:sldId id="258" r:id="rId19"/>
+    <p:sldId id="309" r:id="rId3"/>
+    <p:sldId id="283" r:id="rId4"/>
+    <p:sldId id="290" r:id="rId5"/>
+    <p:sldId id="260" r:id="rId6"/>
+    <p:sldId id="296" r:id="rId7"/>
+    <p:sldId id="298" r:id="rId8"/>
+    <p:sldId id="299" r:id="rId9"/>
+    <p:sldId id="300" r:id="rId10"/>
+    <p:sldId id="301" r:id="rId11"/>
+    <p:sldId id="302" r:id="rId12"/>
+    <p:sldId id="303" r:id="rId13"/>
+    <p:sldId id="304" r:id="rId14"/>
+    <p:sldId id="305" r:id="rId15"/>
+    <p:sldId id="306" r:id="rId16"/>
+    <p:sldId id="307" r:id="rId17"/>
+    <p:sldId id="308" r:id="rId18"/>
+    <p:sldId id="292" r:id="rId19"/>
+    <p:sldId id="258" r:id="rId20"/>
   </p:sldIdLst>
   <p:sldSz cx="12192000" cy="6858000"/>
   <p:notesSz cx="6858000" cy="9144000"/>
@@ -226,7 +227,7 @@
           <a:p>
             <a:fld id="{289D7669-2C4F-4057-B198-13E596C98571}" type="datetimeFigureOut">
               <a:rPr lang="en-IN" smtClean="0"/>
-              <a:t>14-07-2020</a:t>
+              <a:t>15-07-2020</a:t>
             </a:fld>
             <a:endParaRPr lang="en-IN"/>
           </a:p>
@@ -643,7 +644,7 @@
           <a:p>
             <a:fld id="{AAAFDAC1-E73E-4D41-B9D9-D9AB5226AECC}" type="datetimeFigureOut">
               <a:rPr lang="en-IN" smtClean="0"/>
-              <a:t>14-07-2020</a:t>
+              <a:t>15-07-2020</a:t>
             </a:fld>
             <a:endParaRPr lang="en-IN"/>
           </a:p>
@@ -843,7 +844,7 @@
           <a:p>
             <a:fld id="{AAAFDAC1-E73E-4D41-B9D9-D9AB5226AECC}" type="datetimeFigureOut">
               <a:rPr lang="en-IN" smtClean="0"/>
-              <a:t>14-07-2020</a:t>
+              <a:t>15-07-2020</a:t>
             </a:fld>
             <a:endParaRPr lang="en-IN"/>
           </a:p>
@@ -1053,7 +1054,7 @@
           <a:p>
             <a:fld id="{AAAFDAC1-E73E-4D41-B9D9-D9AB5226AECC}" type="datetimeFigureOut">
               <a:rPr lang="en-IN" smtClean="0"/>
-              <a:t>14-07-2020</a:t>
+              <a:t>15-07-2020</a:t>
             </a:fld>
             <a:endParaRPr lang="en-IN"/>
           </a:p>
@@ -1253,7 +1254,7 @@
           <a:p>
             <a:fld id="{AAAFDAC1-E73E-4D41-B9D9-D9AB5226AECC}" type="datetimeFigureOut">
               <a:rPr lang="en-IN" smtClean="0"/>
-              <a:t>14-07-2020</a:t>
+              <a:t>15-07-2020</a:t>
             </a:fld>
             <a:endParaRPr lang="en-IN"/>
           </a:p>
@@ -1529,7 +1530,7 @@
           <a:p>
             <a:fld id="{AAAFDAC1-E73E-4D41-B9D9-D9AB5226AECC}" type="datetimeFigureOut">
               <a:rPr lang="en-IN" smtClean="0"/>
-              <a:t>14-07-2020</a:t>
+              <a:t>15-07-2020</a:t>
             </a:fld>
             <a:endParaRPr lang="en-IN"/>
           </a:p>
@@ -1797,7 +1798,7 @@
           <a:p>
             <a:fld id="{AAAFDAC1-E73E-4D41-B9D9-D9AB5226AECC}" type="datetimeFigureOut">
               <a:rPr lang="en-IN" smtClean="0"/>
-              <a:t>14-07-2020</a:t>
+              <a:t>15-07-2020</a:t>
             </a:fld>
             <a:endParaRPr lang="en-IN"/>
           </a:p>
@@ -2212,7 +2213,7 @@
           <a:p>
             <a:fld id="{AAAFDAC1-E73E-4D41-B9D9-D9AB5226AECC}" type="datetimeFigureOut">
               <a:rPr lang="en-IN" smtClean="0"/>
-              <a:t>14-07-2020</a:t>
+              <a:t>15-07-2020</a:t>
             </a:fld>
             <a:endParaRPr lang="en-IN"/>
           </a:p>
@@ -2354,7 +2355,7 @@
           <a:p>
             <a:fld id="{AAAFDAC1-E73E-4D41-B9D9-D9AB5226AECC}" type="datetimeFigureOut">
               <a:rPr lang="en-IN" smtClean="0"/>
-              <a:t>14-07-2020</a:t>
+              <a:t>15-07-2020</a:t>
             </a:fld>
             <a:endParaRPr lang="en-IN"/>
           </a:p>
@@ -2467,7 +2468,7 @@
           <a:p>
             <a:fld id="{AAAFDAC1-E73E-4D41-B9D9-D9AB5226AECC}" type="datetimeFigureOut">
               <a:rPr lang="en-IN" smtClean="0"/>
-              <a:t>14-07-2020</a:t>
+              <a:t>15-07-2020</a:t>
             </a:fld>
             <a:endParaRPr lang="en-IN"/>
           </a:p>
@@ -2780,7 +2781,7 @@
           <a:p>
             <a:fld id="{AAAFDAC1-E73E-4D41-B9D9-D9AB5226AECC}" type="datetimeFigureOut">
               <a:rPr lang="en-IN" smtClean="0"/>
-              <a:t>14-07-2020</a:t>
+              <a:t>15-07-2020</a:t>
             </a:fld>
             <a:endParaRPr lang="en-IN"/>
           </a:p>
@@ -3069,7 +3070,7 @@
           <a:p>
             <a:fld id="{AAAFDAC1-E73E-4D41-B9D9-D9AB5226AECC}" type="datetimeFigureOut">
               <a:rPr lang="en-IN" smtClean="0"/>
-              <a:t>14-07-2020</a:t>
+              <a:t>15-07-2020</a:t>
             </a:fld>
             <a:endParaRPr lang="en-IN"/>
           </a:p>
@@ -3312,7 +3313,7 @@
           <a:p>
             <a:fld id="{AAAFDAC1-E73E-4D41-B9D9-D9AB5226AECC}" type="datetimeFigureOut">
               <a:rPr lang="en-IN" smtClean="0"/>
-              <a:t>14-07-2020</a:t>
+              <a:t>15-07-2020</a:t>
             </a:fld>
             <a:endParaRPr lang="en-IN"/>
           </a:p>
@@ -3927,93 +3928,6 @@
       </p:sp>
       <p:sp>
         <p:nvSpPr>
-          <p:cNvPr id="10" name="TextBox 9">
-            <a:extLst>
-              <a:ext uri="{FF2B5EF4-FFF2-40B4-BE49-F238E27FC236}">
-                <a16:creationId xmlns:a16="http://schemas.microsoft.com/office/drawing/2014/main" id="{01677BED-4C67-48F6-8772-07696F9A1F04}"/>
-              </a:ext>
-            </a:extLst>
-          </p:cNvPr>
-          <p:cNvSpPr txBox="1"/>
-          <p:nvPr/>
-        </p:nvSpPr>
-        <p:spPr>
-          <a:xfrm>
-            <a:off x="1827219" y="1830029"/>
-            <a:ext cx="8504251" cy="2208746"/>
-          </a:xfrm>
-          <a:prstGeom prst="rect">
-            <a:avLst/>
-          </a:prstGeom>
-          <a:noFill/>
-        </p:spPr>
-        <p:txBody>
-          <a:bodyPr wrap="none" rtlCol="0">
-            <a:spAutoFit/>
-          </a:bodyPr>
-          <a:lstStyle/>
-          <a:p>
-            <a:pPr algn="ctr">
-              <a:lnSpc>
-                <a:spcPct val="150000"/>
-              </a:lnSpc>
-            </a:pPr>
-            <a:r>
-              <a:rPr lang="en-US" sz="3200" b="1" dirty="0">
-                <a:solidFill>
-                  <a:srgbClr val="002060"/>
-                </a:solidFill>
-                <a:latin typeface="Verdana" panose="020B0604030504040204" pitchFamily="34" charset="0"/>
-                <a:ea typeface="Verdana" panose="020B0604030504040204" pitchFamily="34" charset="0"/>
-              </a:rPr>
-              <a:t>Hands-On Developing gRPC Service </a:t>
-            </a:r>
-          </a:p>
-          <a:p>
-            <a:pPr algn="ctr">
-              <a:lnSpc>
-                <a:spcPct val="150000"/>
-              </a:lnSpc>
-            </a:pPr>
-            <a:r>
-              <a:rPr lang="en-US" sz="3200" b="1" dirty="0">
-                <a:solidFill>
-                  <a:srgbClr val="002060"/>
-                </a:solidFill>
-                <a:latin typeface="Verdana" panose="020B0604030504040204" pitchFamily="34" charset="0"/>
-                <a:ea typeface="Verdana" panose="020B0604030504040204" pitchFamily="34" charset="0"/>
-              </a:rPr>
-              <a:t>and </a:t>
-            </a:r>
-          </a:p>
-          <a:p>
-            <a:pPr algn="ctr">
-              <a:lnSpc>
-                <a:spcPct val="150000"/>
-              </a:lnSpc>
-            </a:pPr>
-            <a:r>
-              <a:rPr lang="en-US" sz="3200" b="1" dirty="0">
-                <a:solidFill>
-                  <a:srgbClr val="002060"/>
-                </a:solidFill>
-                <a:latin typeface="Verdana" panose="020B0604030504040204" pitchFamily="34" charset="0"/>
-                <a:ea typeface="Verdana" panose="020B0604030504040204" pitchFamily="34" charset="0"/>
-              </a:rPr>
-              <a:t>Multiple Types of .NET Core Clients</a:t>
-            </a:r>
-            <a:endParaRPr lang="en-IN" sz="3200" b="1" dirty="0">
-              <a:solidFill>
-                <a:srgbClr val="002060"/>
-              </a:solidFill>
-              <a:latin typeface="Verdana" panose="020B0604030504040204" pitchFamily="34" charset="0"/>
-              <a:ea typeface="Verdana" panose="020B0604030504040204" pitchFamily="34" charset="0"/>
-            </a:endParaRPr>
-          </a:p>
-        </p:txBody>
-      </p:sp>
-      <p:sp>
-        <p:nvSpPr>
           <p:cNvPr id="12" name="Footer Placeholder 7">
             <a:extLst>
               <a:ext uri="{FF2B5EF4-FFF2-40B4-BE49-F238E27FC236}">
@@ -4148,172 +4062,12 @@
           </a:p>
         </p:txBody>
       </p:sp>
-      <p:sp>
-        <p:nvSpPr>
-          <p:cNvPr id="13" name="TextBox 12">
-            <a:extLst>
-              <a:ext uri="{FF2B5EF4-FFF2-40B4-BE49-F238E27FC236}">
-                <a16:creationId xmlns:a16="http://schemas.microsoft.com/office/drawing/2014/main" id="{E6D3FFE0-09D7-4D0A-944C-07093B48DCE2}"/>
-              </a:ext>
-            </a:extLst>
-          </p:cNvPr>
-          <p:cNvSpPr txBox="1"/>
-          <p:nvPr/>
-        </p:nvSpPr>
-        <p:spPr>
-          <a:xfrm>
-            <a:off x="6336049" y="5474812"/>
-            <a:ext cx="5766707" cy="738664"/>
-          </a:xfrm>
-          <a:prstGeom prst="rect">
-            <a:avLst/>
-          </a:prstGeom>
-          <a:solidFill>
-            <a:schemeClr val="accent5">
-              <a:lumMod val="20000"/>
-              <a:lumOff val="80000"/>
-            </a:schemeClr>
-          </a:solidFill>
-          <a:ln w="12700">
-            <a:solidFill>
-              <a:srgbClr val="0070C0"/>
-            </a:solidFill>
-          </a:ln>
-        </p:spPr>
-        <p:txBody>
-          <a:bodyPr wrap="none" rtlCol="0">
-            <a:spAutoFit/>
-          </a:bodyPr>
-          <a:lstStyle/>
-          <a:p>
-            <a:r>
-              <a:rPr lang="en-US" dirty="0">
-                <a:solidFill>
-                  <a:srgbClr val="002060"/>
-                </a:solidFill>
-                <a:latin typeface="Verdana" panose="020B0604030504040204" pitchFamily="34" charset="0"/>
-                <a:ea typeface="Verdana" panose="020B0604030504040204" pitchFamily="34" charset="0"/>
-              </a:rPr>
-              <a:t>Viswanatha Swamy</a:t>
-            </a:r>
-          </a:p>
-          <a:p>
-            <a:r>
-              <a:rPr lang="en-US" sz="1200" dirty="0">
-                <a:solidFill>
-                  <a:srgbClr val="0070C0"/>
-                </a:solidFill>
-                <a:latin typeface="Verdana" panose="020B0604030504040204" pitchFamily="34" charset="0"/>
-                <a:ea typeface="Verdana" panose="020B0604030504040204" pitchFamily="34" charset="0"/>
-              </a:rPr>
-              <a:t>LinkedIn:</a:t>
-            </a:r>
-            <a:r>
-              <a:rPr lang="en-US" sz="1200" dirty="0">
-                <a:solidFill>
-                  <a:srgbClr val="00B0F0"/>
-                </a:solidFill>
-                <a:latin typeface="Verdana" panose="020B0604030504040204" pitchFamily="34" charset="0"/>
-                <a:ea typeface="Verdana" panose="020B0604030504040204" pitchFamily="34" charset="0"/>
-              </a:rPr>
-              <a:t> </a:t>
-            </a:r>
-            <a:r>
-              <a:rPr lang="en-IN" sz="1200" dirty="0">
-                <a:solidFill>
-                  <a:srgbClr val="00B0F0"/>
-                </a:solidFill>
-                <a:latin typeface="Verdana" panose="020B0604030504040204" pitchFamily="34" charset="0"/>
-                <a:ea typeface="Verdana" panose="020B0604030504040204" pitchFamily="34" charset="0"/>
-                <a:hlinkClick r:id="rId2">
-                  <a:extLst>
-                    <a:ext uri="{A12FA001-AC4F-418D-AE19-62706E023703}">
-                      <ahyp:hlinkClr xmlns:ahyp="http://schemas.microsoft.com/office/drawing/2018/hyperlinkcolor" val="tx"/>
-                    </a:ext>
-                  </a:extLst>
-                </a:hlinkClick>
-              </a:rPr>
-              <a:t>https://www.linkedin.com/in/viswanatha-swamy-b57326128/</a:t>
-            </a:r>
-            <a:endParaRPr lang="en-US" sz="1200" dirty="0">
-              <a:solidFill>
-                <a:srgbClr val="00B0F0"/>
-              </a:solidFill>
-              <a:latin typeface="Verdana" panose="020B0604030504040204" pitchFamily="34" charset="0"/>
-              <a:ea typeface="Verdana" panose="020B0604030504040204" pitchFamily="34" charset="0"/>
-            </a:endParaRPr>
-          </a:p>
-          <a:p>
-            <a:r>
-              <a:rPr lang="en-US" sz="1200" dirty="0">
-                <a:solidFill>
-                  <a:srgbClr val="0070C0"/>
-                </a:solidFill>
-                <a:latin typeface="Verdana" panose="020B0604030504040204" pitchFamily="34" charset="0"/>
-                <a:ea typeface="Verdana" panose="020B0604030504040204" pitchFamily="34" charset="0"/>
-              </a:rPr>
-              <a:t>Twitter:</a:t>
-            </a:r>
-            <a:r>
-              <a:rPr lang="en-US" sz="1200" dirty="0">
-                <a:solidFill>
-                  <a:srgbClr val="00B0F0"/>
-                </a:solidFill>
-                <a:latin typeface="Verdana" panose="020B0604030504040204" pitchFamily="34" charset="0"/>
-                <a:ea typeface="Verdana" panose="020B0604030504040204" pitchFamily="34" charset="0"/>
-              </a:rPr>
-              <a:t> </a:t>
-            </a:r>
-            <a:r>
-              <a:rPr lang="en-IN" sz="1200" dirty="0">
-                <a:solidFill>
-                  <a:srgbClr val="00B0F0"/>
-                </a:solidFill>
-                <a:latin typeface="Verdana" panose="020B0604030504040204" pitchFamily="34" charset="0"/>
-                <a:ea typeface="Verdana" panose="020B0604030504040204" pitchFamily="34" charset="0"/>
-                <a:hlinkClick r:id="rId3">
-                  <a:extLst>
-                    <a:ext uri="{A12FA001-AC4F-418D-AE19-62706E023703}">
-                      <ahyp:hlinkClr xmlns:ahyp="http://schemas.microsoft.com/office/drawing/2018/hyperlinkcolor" val="tx"/>
-                    </a:ext>
-                  </a:extLst>
-                </a:hlinkClick>
-              </a:rPr>
-              <a:t>https://twitter.com</a:t>
-            </a:r>
-            <a:r>
-              <a:rPr lang="en-IN" sz="1200">
-                <a:solidFill>
-                  <a:srgbClr val="00B0F0"/>
-                </a:solidFill>
-                <a:latin typeface="Verdana" panose="020B0604030504040204" pitchFamily="34" charset="0"/>
-                <a:ea typeface="Verdana" panose="020B0604030504040204" pitchFamily="34" charset="0"/>
-                <a:hlinkClick r:id="rId3">
-                  <a:extLst>
-                    <a:ext uri="{A12FA001-AC4F-418D-AE19-62706E023703}">
-                      <ahyp:hlinkClr xmlns:ahyp="http://schemas.microsoft.com/office/drawing/2018/hyperlinkcolor" val="tx"/>
-                    </a:ext>
-                  </a:extLst>
-                </a:hlinkClick>
-              </a:rPr>
-              <a:t>/vishipayyallore</a:t>
-            </a:r>
-            <a:endParaRPr lang="en-US" sz="1200" dirty="0">
-              <a:solidFill>
-                <a:srgbClr val="00B0F0"/>
-              </a:solidFill>
-              <a:latin typeface="Verdana" panose="020B0604030504040204" pitchFamily="34" charset="0"/>
-              <a:ea typeface="Verdana" panose="020B0604030504040204" pitchFamily="34" charset="0"/>
-            </a:endParaRPr>
-          </a:p>
-        </p:txBody>
-      </p:sp>
       <p:pic>
         <p:nvPicPr>
-          <p:cNvPr id="3" name="Picture 2" descr="A picture containing light&#10;&#10;Description automatically generated">
-            <a:extLst>
-              <a:ext uri="{FF2B5EF4-FFF2-40B4-BE49-F238E27FC236}">
-                <a16:creationId xmlns:a16="http://schemas.microsoft.com/office/drawing/2014/main" id="{696FDE94-B353-494E-A758-0022ABBF850B}"/>
+          <p:cNvPr id="5" name="Picture 4" descr="A screenshot of a cell phone&#10;&#10;Description automatically generated">
+            <a:extLst>
+              <a:ext uri="{FF2B5EF4-FFF2-40B4-BE49-F238E27FC236}">
+                <a16:creationId xmlns:a16="http://schemas.microsoft.com/office/drawing/2014/main" id="{EE247D50-043D-4D99-9ECB-AC14A6A696E5}"/>
               </a:ext>
             </a:extLst>
           </p:cNvPr>
@@ -4323,7 +4077,7 @@
           <p:nvPr/>
         </p:nvPicPr>
         <p:blipFill>
-          <a:blip r:embed="rId4">
+          <a:blip r:embed="rId2">
             <a:extLst>
               <a:ext uri="{28A0092B-C50C-407E-A947-70E740481C1C}">
                 <a14:useLocalDpi xmlns:a14="http://schemas.microsoft.com/office/drawing/2010/main" val="0"/>
@@ -4336,8 +4090,8 @@
         </p:blipFill>
         <p:spPr>
           <a:xfrm>
-            <a:off x="133897" y="551830"/>
-            <a:ext cx="1307648" cy="1760916"/>
+            <a:off x="35512" y="532600"/>
+            <a:ext cx="12118019" cy="5831216"/>
           </a:xfrm>
           <a:prstGeom prst="rect">
             <a:avLst/>
@@ -4706,123 +4460,80 @@
           </a:p>
         </p:txBody>
       </p:sp>
-      <p:sp>
-        <p:nvSpPr>
-          <p:cNvPr id="11" name="Rectangle 10">
-            <a:extLst>
-              <a:ext uri="{FF2B5EF4-FFF2-40B4-BE49-F238E27FC236}">
-                <a16:creationId xmlns:a16="http://schemas.microsoft.com/office/drawing/2014/main" id="{F60D9B38-5067-4841-9B4A-CE7786A2CB4A}"/>
-              </a:ext>
-            </a:extLst>
-          </p:cNvPr>
-          <p:cNvSpPr/>
+      <p:pic>
+        <p:nvPicPr>
+          <p:cNvPr id="2" name="Picture 1">
+            <a:extLst>
+              <a:ext uri="{FF2B5EF4-FFF2-40B4-BE49-F238E27FC236}">
+                <a16:creationId xmlns:a16="http://schemas.microsoft.com/office/drawing/2014/main" id="{A9FCA72C-1142-4E4D-A0E5-881CCDEC44B0}"/>
+              </a:ext>
+            </a:extLst>
+          </p:cNvPr>
+          <p:cNvPicPr>
+            <a:picLocks noChangeAspect="1"/>
+          </p:cNvPicPr>
           <p:nvPr/>
-        </p:nvSpPr>
-        <p:spPr>
-          <a:xfrm>
-            <a:off x="1103178" y="588106"/>
-            <a:ext cx="9950160" cy="3020699"/>
+        </p:nvPicPr>
+        <p:blipFill>
+          <a:blip r:embed="rId2"/>
+          <a:stretch>
+            <a:fillRect/>
+          </a:stretch>
+        </p:blipFill>
+        <p:spPr>
+          <a:xfrm>
+            <a:off x="155450" y="667282"/>
+            <a:ext cx="5277684" cy="5523436"/>
           </a:xfrm>
           <a:prstGeom prst="rect">
             <a:avLst/>
           </a:prstGeom>
-          <a:noFill/>
-        </p:spPr>
-        <p:txBody>
-          <a:bodyPr wrap="none" lIns="91440" tIns="45720" rIns="91440" bIns="45720">
-            <a:spAutoFit/>
-          </a:bodyPr>
-          <a:lstStyle/>
-          <a:p>
-            <a:pPr algn="ctr"/>
-            <a:r>
-              <a:rPr lang="en-US" sz="8800" b="1" cap="none" spc="0" dirty="0">
-                <a:ln w="9525">
-                  <a:solidFill>
-                    <a:schemeClr val="bg1"/>
-                  </a:solidFill>
-                  <a:prstDash val="solid"/>
-                </a:ln>
-                <a:solidFill>
-                  <a:schemeClr val="accent5"/>
-                </a:solidFill>
-                <a:effectLst>
-                  <a:outerShdw blurRad="12700" dist="38100" dir="2700000" algn="tl" rotWithShape="0">
-                    <a:schemeClr val="accent5">
-                      <a:lumMod val="60000"/>
-                      <a:lumOff val="40000"/>
-                    </a:schemeClr>
-                  </a:outerShdw>
-                </a:effectLst>
-                <a:latin typeface="Verdana" panose="020B0604030504040204" pitchFamily="34" charset="0"/>
-                <a:ea typeface="Verdana" panose="020B0604030504040204" pitchFamily="34" charset="0"/>
-              </a:rPr>
-              <a:t>Demo</a:t>
-            </a:r>
-          </a:p>
-          <a:p>
-            <a:pPr marL="1371600" indent="-1371600" algn="ctr">
-              <a:buAutoNum type="arabicPeriod"/>
-            </a:pPr>
-            <a:endParaRPr lang="en-US" sz="4000" b="1" cap="none" spc="0" dirty="0">
-              <a:ln w="9525">
-                <a:solidFill>
-                  <a:schemeClr val="bg1"/>
-                </a:solidFill>
-                <a:prstDash val="solid"/>
-              </a:ln>
-              <a:solidFill>
-                <a:schemeClr val="accent5"/>
-              </a:solidFill>
-              <a:effectLst>
-                <a:outerShdw blurRad="12700" dist="38100" dir="2700000" algn="tl" rotWithShape="0">
-                  <a:schemeClr val="accent5">
-                    <a:lumMod val="60000"/>
-                    <a:lumOff val="40000"/>
-                  </a:schemeClr>
-                </a:outerShdw>
-              </a:effectLst>
-              <a:latin typeface="Verdana" panose="020B0604030504040204" pitchFamily="34" charset="0"/>
-              <a:ea typeface="Verdana" panose="020B0604030504040204" pitchFamily="34" charset="0"/>
-            </a:endParaRPr>
-          </a:p>
-          <a:p>
-            <a:pPr algn="ctr">
-              <a:lnSpc>
-                <a:spcPct val="150000"/>
-              </a:lnSpc>
-            </a:pPr>
-            <a:r>
-              <a:rPr lang="en-US" sz="4800" b="1" dirty="0">
-                <a:ln w="9525">
-                  <a:solidFill>
-                    <a:schemeClr val="bg1"/>
-                  </a:solidFill>
-                  <a:prstDash val="solid"/>
-                </a:ln>
-                <a:solidFill>
-                  <a:schemeClr val="accent5"/>
-                </a:solidFill>
-                <a:effectLst>
-                  <a:outerShdw blurRad="12700" dist="38100" dir="2700000" algn="tl" rotWithShape="0">
-                    <a:schemeClr val="accent5">
-                      <a:lumMod val="60000"/>
-                      <a:lumOff val="40000"/>
-                    </a:schemeClr>
-                  </a:outerShdw>
-                </a:effectLst>
-                <a:latin typeface="Verdana" panose="020B0604030504040204" pitchFamily="34" charset="0"/>
-                <a:ea typeface="Verdana" panose="020B0604030504040204" pitchFamily="34" charset="0"/>
-              </a:rPr>
-              <a:t>Improvising the gRPC Client</a:t>
-            </a:r>
-          </a:p>
-        </p:txBody>
-      </p:sp>
+          <a:ln>
+            <a:solidFill>
+              <a:schemeClr val="accent1"/>
+            </a:solidFill>
+          </a:ln>
+        </p:spPr>
+      </p:pic>
+      <p:pic>
+        <p:nvPicPr>
+          <p:cNvPr id="3" name="Picture 2">
+            <a:extLst>
+              <a:ext uri="{FF2B5EF4-FFF2-40B4-BE49-F238E27FC236}">
+                <a16:creationId xmlns:a16="http://schemas.microsoft.com/office/drawing/2014/main" id="{890E9694-B484-44DE-9941-E50255FF36F1}"/>
+              </a:ext>
+            </a:extLst>
+          </p:cNvPr>
+          <p:cNvPicPr>
+            <a:picLocks noChangeAspect="1"/>
+          </p:cNvPicPr>
+          <p:nvPr/>
+        </p:nvPicPr>
+        <p:blipFill>
+          <a:blip r:embed="rId3"/>
+          <a:stretch>
+            <a:fillRect/>
+          </a:stretch>
+        </p:blipFill>
+        <p:spPr>
+          <a:xfrm>
+            <a:off x="5592932" y="667282"/>
+            <a:ext cx="6466596" cy="5523436"/>
+          </a:xfrm>
+          <a:prstGeom prst="rect">
+            <a:avLst/>
+          </a:prstGeom>
+          <a:ln>
+            <a:solidFill>
+              <a:schemeClr val="accent1"/>
+            </a:solidFill>
+          </a:ln>
+        </p:spPr>
+      </p:pic>
     </p:spTree>
     <p:extLst>
       <p:ext uri="{BB962C8B-B14F-4D97-AF65-F5344CB8AC3E}">
-        <p14:creationId xmlns:p14="http://schemas.microsoft.com/office/powerpoint/2010/main" val="2920076046"/>
+        <p14:creationId xmlns:p14="http://schemas.microsoft.com/office/powerpoint/2010/main" val="3574250095"/>
       </p:ext>
     </p:extLst>
   </p:cSld>
@@ -4899,7 +4610,7 @@
                 <a:latin typeface="Verdana" panose="020B0604030504040204" pitchFamily="34" charset="0"/>
                 <a:ea typeface="Verdana" panose="020B0604030504040204" pitchFamily="34" charset="0"/>
               </a:rPr>
-              <a:t>Windows Forms as gRPC Client</a:t>
+              <a:t>Improvising the gRPC Client</a:t>
             </a:r>
             <a:endParaRPr lang="en-IN" b="1" dirty="0">
               <a:latin typeface="Verdana" panose="020B0604030504040204" pitchFamily="34" charset="0"/>
@@ -5181,80 +4892,123 @@
           </a:p>
         </p:txBody>
       </p:sp>
-      <p:pic>
-        <p:nvPicPr>
-          <p:cNvPr id="5" name="Picture 4">
-            <a:extLst>
-              <a:ext uri="{FF2B5EF4-FFF2-40B4-BE49-F238E27FC236}">
-                <a16:creationId xmlns:a16="http://schemas.microsoft.com/office/drawing/2014/main" id="{A7F5CE1B-E52C-4DD2-8DE8-96FFBF4A5DA9}"/>
-              </a:ext>
-            </a:extLst>
-          </p:cNvPr>
-          <p:cNvPicPr>
-            <a:picLocks noChangeAspect="1"/>
-          </p:cNvPicPr>
+      <p:sp>
+        <p:nvSpPr>
+          <p:cNvPr id="11" name="Rectangle 10">
+            <a:extLst>
+              <a:ext uri="{FF2B5EF4-FFF2-40B4-BE49-F238E27FC236}">
+                <a16:creationId xmlns:a16="http://schemas.microsoft.com/office/drawing/2014/main" id="{F60D9B38-5067-4841-9B4A-CE7786A2CB4A}"/>
+              </a:ext>
+            </a:extLst>
+          </p:cNvPr>
+          <p:cNvSpPr/>
           <p:nvPr/>
-        </p:nvPicPr>
-        <p:blipFill>
-          <a:blip r:embed="rId2"/>
-          <a:stretch>
-            <a:fillRect/>
-          </a:stretch>
-        </p:blipFill>
-        <p:spPr>
-          <a:xfrm>
-            <a:off x="267247" y="804816"/>
-            <a:ext cx="3981450" cy="3028950"/>
+        </p:nvSpPr>
+        <p:spPr>
+          <a:xfrm>
+            <a:off x="1103178" y="588106"/>
+            <a:ext cx="9950160" cy="3020699"/>
           </a:xfrm>
           <a:prstGeom prst="rect">
             <a:avLst/>
           </a:prstGeom>
-          <a:ln>
-            <a:solidFill>
-              <a:schemeClr val="accent1"/>
-            </a:solidFill>
-          </a:ln>
-        </p:spPr>
-      </p:pic>
-      <p:pic>
-        <p:nvPicPr>
-          <p:cNvPr id="6" name="Picture 5">
-            <a:extLst>
-              <a:ext uri="{FF2B5EF4-FFF2-40B4-BE49-F238E27FC236}">
-                <a16:creationId xmlns:a16="http://schemas.microsoft.com/office/drawing/2014/main" id="{5A64AB9D-E5ED-42A4-8B10-E37A276F71C8}"/>
-              </a:ext>
-            </a:extLst>
-          </p:cNvPr>
-          <p:cNvPicPr>
-            <a:picLocks noChangeAspect="1"/>
-          </p:cNvPicPr>
-          <p:nvPr/>
-        </p:nvPicPr>
-        <p:blipFill>
-          <a:blip r:embed="rId3"/>
-          <a:stretch>
-            <a:fillRect/>
-          </a:stretch>
-        </p:blipFill>
-        <p:spPr>
-          <a:xfrm>
-            <a:off x="4506388" y="804816"/>
-            <a:ext cx="3581169" cy="3028950"/>
-          </a:xfrm>
-          <a:prstGeom prst="rect">
-            <a:avLst/>
-          </a:prstGeom>
-          <a:ln>
-            <a:solidFill>
-              <a:schemeClr val="accent1"/>
-            </a:solidFill>
-          </a:ln>
-        </p:spPr>
-      </p:pic>
+          <a:noFill/>
+        </p:spPr>
+        <p:txBody>
+          <a:bodyPr wrap="none" lIns="91440" tIns="45720" rIns="91440" bIns="45720">
+            <a:spAutoFit/>
+          </a:bodyPr>
+          <a:lstStyle/>
+          <a:p>
+            <a:pPr algn="ctr"/>
+            <a:r>
+              <a:rPr lang="en-US" sz="8800" b="1" cap="none" spc="0" dirty="0">
+                <a:ln w="9525">
+                  <a:solidFill>
+                    <a:schemeClr val="bg1"/>
+                  </a:solidFill>
+                  <a:prstDash val="solid"/>
+                </a:ln>
+                <a:solidFill>
+                  <a:schemeClr val="accent5"/>
+                </a:solidFill>
+                <a:effectLst>
+                  <a:outerShdw blurRad="12700" dist="38100" dir="2700000" algn="tl" rotWithShape="0">
+                    <a:schemeClr val="accent5">
+                      <a:lumMod val="60000"/>
+                      <a:lumOff val="40000"/>
+                    </a:schemeClr>
+                  </a:outerShdw>
+                </a:effectLst>
+                <a:latin typeface="Verdana" panose="020B0604030504040204" pitchFamily="34" charset="0"/>
+                <a:ea typeface="Verdana" panose="020B0604030504040204" pitchFamily="34" charset="0"/>
+              </a:rPr>
+              <a:t>Demo</a:t>
+            </a:r>
+          </a:p>
+          <a:p>
+            <a:pPr marL="1371600" indent="-1371600" algn="ctr">
+              <a:buAutoNum type="arabicPeriod"/>
+            </a:pPr>
+            <a:endParaRPr lang="en-US" sz="4000" b="1" cap="none" spc="0" dirty="0">
+              <a:ln w="9525">
+                <a:solidFill>
+                  <a:schemeClr val="bg1"/>
+                </a:solidFill>
+                <a:prstDash val="solid"/>
+              </a:ln>
+              <a:solidFill>
+                <a:schemeClr val="accent5"/>
+              </a:solidFill>
+              <a:effectLst>
+                <a:outerShdw blurRad="12700" dist="38100" dir="2700000" algn="tl" rotWithShape="0">
+                  <a:schemeClr val="accent5">
+                    <a:lumMod val="60000"/>
+                    <a:lumOff val="40000"/>
+                  </a:schemeClr>
+                </a:outerShdw>
+              </a:effectLst>
+              <a:latin typeface="Verdana" panose="020B0604030504040204" pitchFamily="34" charset="0"/>
+              <a:ea typeface="Verdana" panose="020B0604030504040204" pitchFamily="34" charset="0"/>
+            </a:endParaRPr>
+          </a:p>
+          <a:p>
+            <a:pPr algn="ctr">
+              <a:lnSpc>
+                <a:spcPct val="150000"/>
+              </a:lnSpc>
+            </a:pPr>
+            <a:r>
+              <a:rPr lang="en-US" sz="4800" b="1" dirty="0">
+                <a:ln w="9525">
+                  <a:solidFill>
+                    <a:schemeClr val="bg1"/>
+                  </a:solidFill>
+                  <a:prstDash val="solid"/>
+                </a:ln>
+                <a:solidFill>
+                  <a:schemeClr val="accent5"/>
+                </a:solidFill>
+                <a:effectLst>
+                  <a:outerShdw blurRad="12700" dist="38100" dir="2700000" algn="tl" rotWithShape="0">
+                    <a:schemeClr val="accent5">
+                      <a:lumMod val="60000"/>
+                      <a:lumOff val="40000"/>
+                    </a:schemeClr>
+                  </a:outerShdw>
+                </a:effectLst>
+                <a:latin typeface="Verdana" panose="020B0604030504040204" pitchFamily="34" charset="0"/>
+                <a:ea typeface="Verdana" panose="020B0604030504040204" pitchFamily="34" charset="0"/>
+              </a:rPr>
+              <a:t>Improvising the gRPC Client</a:t>
+            </a:r>
+          </a:p>
+        </p:txBody>
+      </p:sp>
     </p:spTree>
     <p:extLst>
       <p:ext uri="{BB962C8B-B14F-4D97-AF65-F5344CB8AC3E}">
-        <p14:creationId xmlns:p14="http://schemas.microsoft.com/office/powerpoint/2010/main" val="2798458758"/>
+        <p14:creationId xmlns:p14="http://schemas.microsoft.com/office/powerpoint/2010/main" val="2920076046"/>
       </p:ext>
     </p:extLst>
   </p:cSld>
@@ -5613,123 +5367,80 @@
           </a:p>
         </p:txBody>
       </p:sp>
-      <p:sp>
-        <p:nvSpPr>
-          <p:cNvPr id="11" name="Rectangle 10">
-            <a:extLst>
-              <a:ext uri="{FF2B5EF4-FFF2-40B4-BE49-F238E27FC236}">
-                <a16:creationId xmlns:a16="http://schemas.microsoft.com/office/drawing/2014/main" id="{F60D9B38-5067-4841-9B4A-CE7786A2CB4A}"/>
-              </a:ext>
-            </a:extLst>
-          </p:cNvPr>
-          <p:cNvSpPr/>
+      <p:pic>
+        <p:nvPicPr>
+          <p:cNvPr id="5" name="Picture 4">
+            <a:extLst>
+              <a:ext uri="{FF2B5EF4-FFF2-40B4-BE49-F238E27FC236}">
+                <a16:creationId xmlns:a16="http://schemas.microsoft.com/office/drawing/2014/main" id="{A7F5CE1B-E52C-4DD2-8DE8-96FFBF4A5DA9}"/>
+              </a:ext>
+            </a:extLst>
+          </p:cNvPr>
+          <p:cNvPicPr>
+            <a:picLocks noChangeAspect="1"/>
+          </p:cNvPicPr>
           <p:nvPr/>
-        </p:nvSpPr>
-        <p:spPr>
-          <a:xfrm>
-            <a:off x="619873" y="588106"/>
-            <a:ext cx="10916771" cy="3020699"/>
+        </p:nvPicPr>
+        <p:blipFill>
+          <a:blip r:embed="rId2"/>
+          <a:stretch>
+            <a:fillRect/>
+          </a:stretch>
+        </p:blipFill>
+        <p:spPr>
+          <a:xfrm>
+            <a:off x="267247" y="804816"/>
+            <a:ext cx="3981450" cy="3028950"/>
           </a:xfrm>
           <a:prstGeom prst="rect">
             <a:avLst/>
           </a:prstGeom>
-          <a:noFill/>
-        </p:spPr>
-        <p:txBody>
-          <a:bodyPr wrap="none" lIns="91440" tIns="45720" rIns="91440" bIns="45720">
-            <a:spAutoFit/>
-          </a:bodyPr>
-          <a:lstStyle/>
-          <a:p>
-            <a:pPr algn="ctr"/>
-            <a:r>
-              <a:rPr lang="en-US" sz="8800" b="1" cap="none" spc="0" dirty="0">
-                <a:ln w="9525">
-                  <a:solidFill>
-                    <a:schemeClr val="bg1"/>
-                  </a:solidFill>
-                  <a:prstDash val="solid"/>
-                </a:ln>
-                <a:solidFill>
-                  <a:schemeClr val="accent5"/>
-                </a:solidFill>
-                <a:effectLst>
-                  <a:outerShdw blurRad="12700" dist="38100" dir="2700000" algn="tl" rotWithShape="0">
-                    <a:schemeClr val="accent5">
-                      <a:lumMod val="60000"/>
-                      <a:lumOff val="40000"/>
-                    </a:schemeClr>
-                  </a:outerShdw>
-                </a:effectLst>
-                <a:latin typeface="Verdana" panose="020B0604030504040204" pitchFamily="34" charset="0"/>
-                <a:ea typeface="Verdana" panose="020B0604030504040204" pitchFamily="34" charset="0"/>
-              </a:rPr>
-              <a:t>Demo</a:t>
-            </a:r>
-          </a:p>
-          <a:p>
-            <a:pPr marL="1371600" indent="-1371600" algn="ctr">
-              <a:buAutoNum type="arabicPeriod"/>
-            </a:pPr>
-            <a:endParaRPr lang="en-US" sz="4000" b="1" cap="none" spc="0" dirty="0">
-              <a:ln w="9525">
-                <a:solidFill>
-                  <a:schemeClr val="bg1"/>
-                </a:solidFill>
-                <a:prstDash val="solid"/>
-              </a:ln>
-              <a:solidFill>
-                <a:schemeClr val="accent5"/>
-              </a:solidFill>
-              <a:effectLst>
-                <a:outerShdw blurRad="12700" dist="38100" dir="2700000" algn="tl" rotWithShape="0">
-                  <a:schemeClr val="accent5">
-                    <a:lumMod val="60000"/>
-                    <a:lumOff val="40000"/>
-                  </a:schemeClr>
-                </a:outerShdw>
-              </a:effectLst>
-              <a:latin typeface="Verdana" panose="020B0604030504040204" pitchFamily="34" charset="0"/>
-              <a:ea typeface="Verdana" panose="020B0604030504040204" pitchFamily="34" charset="0"/>
-            </a:endParaRPr>
-          </a:p>
-          <a:p>
-            <a:pPr algn="ctr">
-              <a:lnSpc>
-                <a:spcPct val="150000"/>
-              </a:lnSpc>
-            </a:pPr>
-            <a:r>
-              <a:rPr lang="en-US" sz="4800" b="1" dirty="0">
-                <a:ln w="9525">
-                  <a:solidFill>
-                    <a:schemeClr val="bg1"/>
-                  </a:solidFill>
-                  <a:prstDash val="solid"/>
-                </a:ln>
-                <a:solidFill>
-                  <a:schemeClr val="accent5"/>
-                </a:solidFill>
-                <a:effectLst>
-                  <a:outerShdw blurRad="12700" dist="38100" dir="2700000" algn="tl" rotWithShape="0">
-                    <a:schemeClr val="accent5">
-                      <a:lumMod val="60000"/>
-                      <a:lumOff val="40000"/>
-                    </a:schemeClr>
-                  </a:outerShdw>
-                </a:effectLst>
-                <a:latin typeface="Verdana" panose="020B0604030504040204" pitchFamily="34" charset="0"/>
-                <a:ea typeface="Verdana" panose="020B0604030504040204" pitchFamily="34" charset="0"/>
-              </a:rPr>
-              <a:t>Windows Forms as gRPC Client</a:t>
-            </a:r>
-          </a:p>
-        </p:txBody>
-      </p:sp>
+          <a:ln>
+            <a:solidFill>
+              <a:schemeClr val="accent1"/>
+            </a:solidFill>
+          </a:ln>
+        </p:spPr>
+      </p:pic>
+      <p:pic>
+        <p:nvPicPr>
+          <p:cNvPr id="6" name="Picture 5">
+            <a:extLst>
+              <a:ext uri="{FF2B5EF4-FFF2-40B4-BE49-F238E27FC236}">
+                <a16:creationId xmlns:a16="http://schemas.microsoft.com/office/drawing/2014/main" id="{5A64AB9D-E5ED-42A4-8B10-E37A276F71C8}"/>
+              </a:ext>
+            </a:extLst>
+          </p:cNvPr>
+          <p:cNvPicPr>
+            <a:picLocks noChangeAspect="1"/>
+          </p:cNvPicPr>
+          <p:nvPr/>
+        </p:nvPicPr>
+        <p:blipFill>
+          <a:blip r:embed="rId3"/>
+          <a:stretch>
+            <a:fillRect/>
+          </a:stretch>
+        </p:blipFill>
+        <p:spPr>
+          <a:xfrm>
+            <a:off x="4506388" y="804816"/>
+            <a:ext cx="3581169" cy="3028950"/>
+          </a:xfrm>
+          <a:prstGeom prst="rect">
+            <a:avLst/>
+          </a:prstGeom>
+          <a:ln>
+            <a:solidFill>
+              <a:schemeClr val="accent1"/>
+            </a:solidFill>
+          </a:ln>
+        </p:spPr>
+      </p:pic>
     </p:spTree>
     <p:extLst>
       <p:ext uri="{BB962C8B-B14F-4D97-AF65-F5344CB8AC3E}">
-        <p14:creationId xmlns:p14="http://schemas.microsoft.com/office/powerpoint/2010/main" val="2276439419"/>
+        <p14:creationId xmlns:p14="http://schemas.microsoft.com/office/powerpoint/2010/main" val="2798458758"/>
       </p:ext>
     </p:extLst>
   </p:cSld>
@@ -5806,7 +5517,7 @@
                 <a:latin typeface="Verdana" panose="020B0604030504040204" pitchFamily="34" charset="0"/>
                 <a:ea typeface="Verdana" panose="020B0604030504040204" pitchFamily="34" charset="0"/>
               </a:rPr>
-              <a:t>.NET Core Worker Process as gRPC Client</a:t>
+              <a:t>Windows Forms as gRPC Client</a:t>
             </a:r>
             <a:endParaRPr lang="en-IN" b="1" dirty="0">
               <a:latin typeface="Verdana" panose="020B0604030504040204" pitchFamily="34" charset="0"/>
@@ -6088,80 +5799,123 @@
           </a:p>
         </p:txBody>
       </p:sp>
-      <p:pic>
-        <p:nvPicPr>
-          <p:cNvPr id="2" name="Picture 1">
-            <a:extLst>
-              <a:ext uri="{FF2B5EF4-FFF2-40B4-BE49-F238E27FC236}">
-                <a16:creationId xmlns:a16="http://schemas.microsoft.com/office/drawing/2014/main" id="{3D42A7A9-A237-4723-A0EB-A2A3289F855B}"/>
-              </a:ext>
-            </a:extLst>
-          </p:cNvPr>
-          <p:cNvPicPr>
-            <a:picLocks noChangeAspect="1"/>
-          </p:cNvPicPr>
+      <p:sp>
+        <p:nvSpPr>
+          <p:cNvPr id="11" name="Rectangle 10">
+            <a:extLst>
+              <a:ext uri="{FF2B5EF4-FFF2-40B4-BE49-F238E27FC236}">
+                <a16:creationId xmlns:a16="http://schemas.microsoft.com/office/drawing/2014/main" id="{F60D9B38-5067-4841-9B4A-CE7786A2CB4A}"/>
+              </a:ext>
+            </a:extLst>
+          </p:cNvPr>
+          <p:cNvSpPr/>
           <p:nvPr/>
-        </p:nvPicPr>
-        <p:blipFill>
-          <a:blip r:embed="rId2"/>
-          <a:stretch>
-            <a:fillRect/>
-          </a:stretch>
-        </p:blipFill>
-        <p:spPr>
-          <a:xfrm>
-            <a:off x="234373" y="723178"/>
-            <a:ext cx="2819400" cy="3324225"/>
+        </p:nvSpPr>
+        <p:spPr>
+          <a:xfrm>
+            <a:off x="619873" y="588106"/>
+            <a:ext cx="10916771" cy="3020699"/>
           </a:xfrm>
           <a:prstGeom prst="rect">
             <a:avLst/>
           </a:prstGeom>
-          <a:ln>
-            <a:solidFill>
-              <a:schemeClr val="accent1"/>
-            </a:solidFill>
-          </a:ln>
-        </p:spPr>
-      </p:pic>
-      <p:pic>
-        <p:nvPicPr>
-          <p:cNvPr id="3" name="Picture 2">
-            <a:extLst>
-              <a:ext uri="{FF2B5EF4-FFF2-40B4-BE49-F238E27FC236}">
-                <a16:creationId xmlns:a16="http://schemas.microsoft.com/office/drawing/2014/main" id="{44BD4561-A68A-4052-85BC-36C0996073E5}"/>
-              </a:ext>
-            </a:extLst>
-          </p:cNvPr>
-          <p:cNvPicPr>
-            <a:picLocks noChangeAspect="1"/>
-          </p:cNvPicPr>
-          <p:nvPr/>
-        </p:nvPicPr>
-        <p:blipFill>
-          <a:blip r:embed="rId3"/>
-          <a:stretch>
-            <a:fillRect/>
-          </a:stretch>
-        </p:blipFill>
-        <p:spPr>
-          <a:xfrm>
-            <a:off x="3239702" y="723178"/>
-            <a:ext cx="3067050" cy="3324224"/>
-          </a:xfrm>
-          <a:prstGeom prst="rect">
-            <a:avLst/>
-          </a:prstGeom>
-          <a:ln>
-            <a:solidFill>
-              <a:schemeClr val="accent1"/>
-            </a:solidFill>
-          </a:ln>
-        </p:spPr>
-      </p:pic>
+          <a:noFill/>
+        </p:spPr>
+        <p:txBody>
+          <a:bodyPr wrap="none" lIns="91440" tIns="45720" rIns="91440" bIns="45720">
+            <a:spAutoFit/>
+          </a:bodyPr>
+          <a:lstStyle/>
+          <a:p>
+            <a:pPr algn="ctr"/>
+            <a:r>
+              <a:rPr lang="en-US" sz="8800" b="1" cap="none" spc="0" dirty="0">
+                <a:ln w="9525">
+                  <a:solidFill>
+                    <a:schemeClr val="bg1"/>
+                  </a:solidFill>
+                  <a:prstDash val="solid"/>
+                </a:ln>
+                <a:solidFill>
+                  <a:schemeClr val="accent5"/>
+                </a:solidFill>
+                <a:effectLst>
+                  <a:outerShdw blurRad="12700" dist="38100" dir="2700000" algn="tl" rotWithShape="0">
+                    <a:schemeClr val="accent5">
+                      <a:lumMod val="60000"/>
+                      <a:lumOff val="40000"/>
+                    </a:schemeClr>
+                  </a:outerShdw>
+                </a:effectLst>
+                <a:latin typeface="Verdana" panose="020B0604030504040204" pitchFamily="34" charset="0"/>
+                <a:ea typeface="Verdana" panose="020B0604030504040204" pitchFamily="34" charset="0"/>
+              </a:rPr>
+              <a:t>Demo</a:t>
+            </a:r>
+          </a:p>
+          <a:p>
+            <a:pPr marL="1371600" indent="-1371600" algn="ctr">
+              <a:buAutoNum type="arabicPeriod"/>
+            </a:pPr>
+            <a:endParaRPr lang="en-US" sz="4000" b="1" cap="none" spc="0" dirty="0">
+              <a:ln w="9525">
+                <a:solidFill>
+                  <a:schemeClr val="bg1"/>
+                </a:solidFill>
+                <a:prstDash val="solid"/>
+              </a:ln>
+              <a:solidFill>
+                <a:schemeClr val="accent5"/>
+              </a:solidFill>
+              <a:effectLst>
+                <a:outerShdw blurRad="12700" dist="38100" dir="2700000" algn="tl" rotWithShape="0">
+                  <a:schemeClr val="accent5">
+                    <a:lumMod val="60000"/>
+                    <a:lumOff val="40000"/>
+                  </a:schemeClr>
+                </a:outerShdw>
+              </a:effectLst>
+              <a:latin typeface="Verdana" panose="020B0604030504040204" pitchFamily="34" charset="0"/>
+              <a:ea typeface="Verdana" panose="020B0604030504040204" pitchFamily="34" charset="0"/>
+            </a:endParaRPr>
+          </a:p>
+          <a:p>
+            <a:pPr algn="ctr">
+              <a:lnSpc>
+                <a:spcPct val="150000"/>
+              </a:lnSpc>
+            </a:pPr>
+            <a:r>
+              <a:rPr lang="en-US" sz="4800" b="1" dirty="0">
+                <a:ln w="9525">
+                  <a:solidFill>
+                    <a:schemeClr val="bg1"/>
+                  </a:solidFill>
+                  <a:prstDash val="solid"/>
+                </a:ln>
+                <a:solidFill>
+                  <a:schemeClr val="accent5"/>
+                </a:solidFill>
+                <a:effectLst>
+                  <a:outerShdw blurRad="12700" dist="38100" dir="2700000" algn="tl" rotWithShape="0">
+                    <a:schemeClr val="accent5">
+                      <a:lumMod val="60000"/>
+                      <a:lumOff val="40000"/>
+                    </a:schemeClr>
+                  </a:outerShdw>
+                </a:effectLst>
+                <a:latin typeface="Verdana" panose="020B0604030504040204" pitchFamily="34" charset="0"/>
+                <a:ea typeface="Verdana" panose="020B0604030504040204" pitchFamily="34" charset="0"/>
+              </a:rPr>
+              <a:t>Windows Forms as gRPC Client</a:t>
+            </a:r>
+          </a:p>
+        </p:txBody>
+      </p:sp>
     </p:spTree>
     <p:extLst>
       <p:ext uri="{BB962C8B-B14F-4D97-AF65-F5344CB8AC3E}">
-        <p14:creationId xmlns:p14="http://schemas.microsoft.com/office/powerpoint/2010/main" val="1091547693"/>
+        <p14:creationId xmlns:p14="http://schemas.microsoft.com/office/powerpoint/2010/main" val="2276439419"/>
       </p:ext>
     </p:extLst>
   </p:cSld>
@@ -6520,154 +6274,80 @@
           </a:p>
         </p:txBody>
       </p:sp>
-      <p:sp>
-        <p:nvSpPr>
-          <p:cNvPr id="11" name="Rectangle 10">
-            <a:extLst>
-              <a:ext uri="{FF2B5EF4-FFF2-40B4-BE49-F238E27FC236}">
-                <a16:creationId xmlns:a16="http://schemas.microsoft.com/office/drawing/2014/main" id="{F60D9B38-5067-4841-9B4A-CE7786A2CB4A}"/>
-              </a:ext>
-            </a:extLst>
-          </p:cNvPr>
-          <p:cNvSpPr/>
+      <p:pic>
+        <p:nvPicPr>
+          <p:cNvPr id="2" name="Picture 1">
+            <a:extLst>
+              <a:ext uri="{FF2B5EF4-FFF2-40B4-BE49-F238E27FC236}">
+                <a16:creationId xmlns:a16="http://schemas.microsoft.com/office/drawing/2014/main" id="{3D42A7A9-A237-4723-A0EB-A2A3289F855B}"/>
+              </a:ext>
+            </a:extLst>
+          </p:cNvPr>
+          <p:cNvPicPr>
+            <a:picLocks noChangeAspect="1"/>
+          </p:cNvPicPr>
           <p:nvPr/>
-        </p:nvSpPr>
-        <p:spPr>
-          <a:xfrm>
-            <a:off x="1365270" y="588106"/>
-            <a:ext cx="9425977" cy="4128694"/>
+        </p:nvPicPr>
+        <p:blipFill>
+          <a:blip r:embed="rId2"/>
+          <a:stretch>
+            <a:fillRect/>
+          </a:stretch>
+        </p:blipFill>
+        <p:spPr>
+          <a:xfrm>
+            <a:off x="234373" y="723178"/>
+            <a:ext cx="2819400" cy="3324225"/>
           </a:xfrm>
           <a:prstGeom prst="rect">
             <a:avLst/>
           </a:prstGeom>
-          <a:noFill/>
-        </p:spPr>
-        <p:txBody>
-          <a:bodyPr wrap="none" lIns="91440" tIns="45720" rIns="91440" bIns="45720">
-            <a:spAutoFit/>
-          </a:bodyPr>
-          <a:lstStyle/>
-          <a:p>
-            <a:pPr algn="ctr"/>
-            <a:r>
-              <a:rPr lang="en-US" sz="8800" b="1" cap="none" spc="0" dirty="0">
-                <a:ln w="9525">
-                  <a:solidFill>
-                    <a:schemeClr val="bg1"/>
-                  </a:solidFill>
-                  <a:prstDash val="solid"/>
-                </a:ln>
-                <a:solidFill>
-                  <a:schemeClr val="accent5"/>
-                </a:solidFill>
-                <a:effectLst>
-                  <a:outerShdw blurRad="12700" dist="38100" dir="2700000" algn="tl" rotWithShape="0">
-                    <a:schemeClr val="accent5">
-                      <a:lumMod val="60000"/>
-                      <a:lumOff val="40000"/>
-                    </a:schemeClr>
-                  </a:outerShdw>
-                </a:effectLst>
-                <a:latin typeface="Verdana" panose="020B0604030504040204" pitchFamily="34" charset="0"/>
-                <a:ea typeface="Verdana" panose="020B0604030504040204" pitchFamily="34" charset="0"/>
-              </a:rPr>
-              <a:t>Demo</a:t>
-            </a:r>
-          </a:p>
-          <a:p>
-            <a:pPr marL="1371600" indent="-1371600" algn="ctr">
-              <a:buAutoNum type="arabicPeriod"/>
-            </a:pPr>
-            <a:endParaRPr lang="en-US" sz="4000" b="1" cap="none" spc="0" dirty="0">
-              <a:ln w="9525">
-                <a:solidFill>
-                  <a:schemeClr val="bg1"/>
-                </a:solidFill>
-                <a:prstDash val="solid"/>
-              </a:ln>
-              <a:solidFill>
-                <a:schemeClr val="accent5"/>
-              </a:solidFill>
-              <a:effectLst>
-                <a:outerShdw blurRad="12700" dist="38100" dir="2700000" algn="tl" rotWithShape="0">
-                  <a:schemeClr val="accent5">
-                    <a:lumMod val="60000"/>
-                    <a:lumOff val="40000"/>
-                  </a:schemeClr>
-                </a:outerShdw>
-              </a:effectLst>
-              <a:latin typeface="Verdana" panose="020B0604030504040204" pitchFamily="34" charset="0"/>
-              <a:ea typeface="Verdana" panose="020B0604030504040204" pitchFamily="34" charset="0"/>
-            </a:endParaRPr>
-          </a:p>
-          <a:p>
-            <a:pPr algn="ctr">
-              <a:lnSpc>
-                <a:spcPct val="150000"/>
-              </a:lnSpc>
-            </a:pPr>
-            <a:r>
-              <a:rPr lang="en-US" sz="4800" b="1" dirty="0">
-                <a:ln w="9525">
-                  <a:solidFill>
-                    <a:schemeClr val="bg1"/>
-                  </a:solidFill>
-                  <a:prstDash val="solid"/>
-                </a:ln>
-                <a:solidFill>
-                  <a:schemeClr val="accent5"/>
-                </a:solidFill>
-                <a:effectLst>
-                  <a:outerShdw blurRad="12700" dist="38100" dir="2700000" algn="tl" rotWithShape="0">
-                    <a:schemeClr val="accent5">
-                      <a:lumMod val="60000"/>
-                      <a:lumOff val="40000"/>
-                    </a:schemeClr>
-                  </a:outerShdw>
-                </a:effectLst>
-                <a:latin typeface="Verdana" panose="020B0604030504040204" pitchFamily="34" charset="0"/>
-                <a:ea typeface="Verdana" panose="020B0604030504040204" pitchFamily="34" charset="0"/>
-              </a:rPr>
-              <a:t>.NET Core Worker Process </a:t>
-            </a:r>
-          </a:p>
-          <a:p>
-            <a:pPr algn="ctr">
-              <a:lnSpc>
-                <a:spcPct val="150000"/>
-              </a:lnSpc>
-            </a:pPr>
-            <a:r>
-              <a:rPr lang="en-US" sz="4800" b="1" dirty="0">
-                <a:ln w="9525">
-                  <a:solidFill>
-                    <a:schemeClr val="bg1"/>
-                  </a:solidFill>
-                  <a:prstDash val="solid"/>
-                </a:ln>
-                <a:solidFill>
-                  <a:schemeClr val="accent5"/>
-                </a:solidFill>
-                <a:effectLst>
-                  <a:outerShdw blurRad="12700" dist="38100" dir="2700000" algn="tl" rotWithShape="0">
-                    <a:schemeClr val="accent5">
-                      <a:lumMod val="60000"/>
-                      <a:lumOff val="40000"/>
-                    </a:schemeClr>
-                  </a:outerShdw>
-                </a:effectLst>
-                <a:latin typeface="Verdana" panose="020B0604030504040204" pitchFamily="34" charset="0"/>
-                <a:ea typeface="Verdana" panose="020B0604030504040204" pitchFamily="34" charset="0"/>
-              </a:rPr>
-              <a:t>as gRPC Client</a:t>
-            </a:r>
-          </a:p>
-        </p:txBody>
-      </p:sp>
+          <a:ln>
+            <a:solidFill>
+              <a:schemeClr val="accent1"/>
+            </a:solidFill>
+          </a:ln>
+        </p:spPr>
+      </p:pic>
+      <p:pic>
+        <p:nvPicPr>
+          <p:cNvPr id="3" name="Picture 2">
+            <a:extLst>
+              <a:ext uri="{FF2B5EF4-FFF2-40B4-BE49-F238E27FC236}">
+                <a16:creationId xmlns:a16="http://schemas.microsoft.com/office/drawing/2014/main" id="{44BD4561-A68A-4052-85BC-36C0996073E5}"/>
+              </a:ext>
+            </a:extLst>
+          </p:cNvPr>
+          <p:cNvPicPr>
+            <a:picLocks noChangeAspect="1"/>
+          </p:cNvPicPr>
+          <p:nvPr/>
+        </p:nvPicPr>
+        <p:blipFill>
+          <a:blip r:embed="rId3"/>
+          <a:stretch>
+            <a:fillRect/>
+          </a:stretch>
+        </p:blipFill>
+        <p:spPr>
+          <a:xfrm>
+            <a:off x="3239702" y="723178"/>
+            <a:ext cx="3067050" cy="3324224"/>
+          </a:xfrm>
+          <a:prstGeom prst="rect">
+            <a:avLst/>
+          </a:prstGeom>
+          <a:ln>
+            <a:solidFill>
+              <a:schemeClr val="accent1"/>
+            </a:solidFill>
+          </a:ln>
+        </p:spPr>
+      </p:pic>
     </p:spTree>
     <p:extLst>
       <p:ext uri="{BB962C8B-B14F-4D97-AF65-F5344CB8AC3E}">
-        <p14:creationId xmlns:p14="http://schemas.microsoft.com/office/powerpoint/2010/main" val="182829900"/>
+        <p14:creationId xmlns:p14="http://schemas.microsoft.com/office/powerpoint/2010/main" val="1091547693"/>
       </p:ext>
     </p:extLst>
   </p:cSld>
@@ -6744,7 +6424,7 @@
                 <a:latin typeface="Verdana" panose="020B0604030504040204" pitchFamily="34" charset="0"/>
                 <a:ea typeface="Verdana" panose="020B0604030504040204" pitchFamily="34" charset="0"/>
               </a:rPr>
-              <a:t>.NET Core Web API as gRPC Client</a:t>
+              <a:t>.NET Core Worker Process as gRPC Client</a:t>
             </a:r>
             <a:endParaRPr lang="en-IN" b="1" dirty="0">
               <a:latin typeface="Verdana" panose="020B0604030504040204" pitchFamily="34" charset="0"/>
@@ -7026,80 +6706,154 @@
           </a:p>
         </p:txBody>
       </p:sp>
-      <p:pic>
-        <p:nvPicPr>
-          <p:cNvPr id="5" name="Picture 4">
-            <a:extLst>
-              <a:ext uri="{FF2B5EF4-FFF2-40B4-BE49-F238E27FC236}">
-                <a16:creationId xmlns:a16="http://schemas.microsoft.com/office/drawing/2014/main" id="{088B312C-0162-4AC3-8AFB-6C767D46294C}"/>
-              </a:ext>
-            </a:extLst>
-          </p:cNvPr>
-          <p:cNvPicPr>
-            <a:picLocks noChangeAspect="1"/>
-          </p:cNvPicPr>
+      <p:sp>
+        <p:nvSpPr>
+          <p:cNvPr id="11" name="Rectangle 10">
+            <a:extLst>
+              <a:ext uri="{FF2B5EF4-FFF2-40B4-BE49-F238E27FC236}">
+                <a16:creationId xmlns:a16="http://schemas.microsoft.com/office/drawing/2014/main" id="{F60D9B38-5067-4841-9B4A-CE7786A2CB4A}"/>
+              </a:ext>
+            </a:extLst>
+          </p:cNvPr>
+          <p:cNvSpPr/>
           <p:nvPr/>
-        </p:nvPicPr>
-        <p:blipFill>
-          <a:blip r:embed="rId2"/>
-          <a:stretch>
-            <a:fillRect/>
-          </a:stretch>
-        </p:blipFill>
-        <p:spPr>
-          <a:xfrm>
-            <a:off x="133897" y="674933"/>
-            <a:ext cx="3143250" cy="3781425"/>
+        </p:nvSpPr>
+        <p:spPr>
+          <a:xfrm>
+            <a:off x="1365270" y="588106"/>
+            <a:ext cx="9425977" cy="4128694"/>
           </a:xfrm>
           <a:prstGeom prst="rect">
             <a:avLst/>
           </a:prstGeom>
-          <a:ln>
-            <a:solidFill>
-              <a:schemeClr val="accent1"/>
-            </a:solidFill>
-          </a:ln>
-        </p:spPr>
-      </p:pic>
-      <p:pic>
-        <p:nvPicPr>
-          <p:cNvPr id="6" name="Picture 5">
-            <a:extLst>
-              <a:ext uri="{FF2B5EF4-FFF2-40B4-BE49-F238E27FC236}">
-                <a16:creationId xmlns:a16="http://schemas.microsoft.com/office/drawing/2014/main" id="{286BB0B2-DC37-4D93-9A97-4810B2F11C4C}"/>
-              </a:ext>
-            </a:extLst>
-          </p:cNvPr>
-          <p:cNvPicPr>
-            <a:picLocks noChangeAspect="1"/>
-          </p:cNvPicPr>
-          <p:nvPr/>
-        </p:nvPicPr>
-        <p:blipFill>
-          <a:blip r:embed="rId3"/>
-          <a:stretch>
-            <a:fillRect/>
-          </a:stretch>
-        </p:blipFill>
-        <p:spPr>
-          <a:xfrm>
-            <a:off x="3589723" y="674933"/>
-            <a:ext cx="7658100" cy="3781425"/>
-          </a:xfrm>
-          <a:prstGeom prst="rect">
-            <a:avLst/>
-          </a:prstGeom>
-          <a:ln>
-            <a:solidFill>
-              <a:schemeClr val="accent1"/>
-            </a:solidFill>
-          </a:ln>
-        </p:spPr>
-      </p:pic>
+          <a:noFill/>
+        </p:spPr>
+        <p:txBody>
+          <a:bodyPr wrap="none" lIns="91440" tIns="45720" rIns="91440" bIns="45720">
+            <a:spAutoFit/>
+          </a:bodyPr>
+          <a:lstStyle/>
+          <a:p>
+            <a:pPr algn="ctr"/>
+            <a:r>
+              <a:rPr lang="en-US" sz="8800" b="1" cap="none" spc="0" dirty="0">
+                <a:ln w="9525">
+                  <a:solidFill>
+                    <a:schemeClr val="bg1"/>
+                  </a:solidFill>
+                  <a:prstDash val="solid"/>
+                </a:ln>
+                <a:solidFill>
+                  <a:schemeClr val="accent5"/>
+                </a:solidFill>
+                <a:effectLst>
+                  <a:outerShdw blurRad="12700" dist="38100" dir="2700000" algn="tl" rotWithShape="0">
+                    <a:schemeClr val="accent5">
+                      <a:lumMod val="60000"/>
+                      <a:lumOff val="40000"/>
+                    </a:schemeClr>
+                  </a:outerShdw>
+                </a:effectLst>
+                <a:latin typeface="Verdana" panose="020B0604030504040204" pitchFamily="34" charset="0"/>
+                <a:ea typeface="Verdana" panose="020B0604030504040204" pitchFamily="34" charset="0"/>
+              </a:rPr>
+              <a:t>Demo</a:t>
+            </a:r>
+          </a:p>
+          <a:p>
+            <a:pPr marL="1371600" indent="-1371600" algn="ctr">
+              <a:buAutoNum type="arabicPeriod"/>
+            </a:pPr>
+            <a:endParaRPr lang="en-US" sz="4000" b="1" cap="none" spc="0" dirty="0">
+              <a:ln w="9525">
+                <a:solidFill>
+                  <a:schemeClr val="bg1"/>
+                </a:solidFill>
+                <a:prstDash val="solid"/>
+              </a:ln>
+              <a:solidFill>
+                <a:schemeClr val="accent5"/>
+              </a:solidFill>
+              <a:effectLst>
+                <a:outerShdw blurRad="12700" dist="38100" dir="2700000" algn="tl" rotWithShape="0">
+                  <a:schemeClr val="accent5">
+                    <a:lumMod val="60000"/>
+                    <a:lumOff val="40000"/>
+                  </a:schemeClr>
+                </a:outerShdw>
+              </a:effectLst>
+              <a:latin typeface="Verdana" panose="020B0604030504040204" pitchFamily="34" charset="0"/>
+              <a:ea typeface="Verdana" panose="020B0604030504040204" pitchFamily="34" charset="0"/>
+            </a:endParaRPr>
+          </a:p>
+          <a:p>
+            <a:pPr algn="ctr">
+              <a:lnSpc>
+                <a:spcPct val="150000"/>
+              </a:lnSpc>
+            </a:pPr>
+            <a:r>
+              <a:rPr lang="en-US" sz="4800" b="1" dirty="0">
+                <a:ln w="9525">
+                  <a:solidFill>
+                    <a:schemeClr val="bg1"/>
+                  </a:solidFill>
+                  <a:prstDash val="solid"/>
+                </a:ln>
+                <a:solidFill>
+                  <a:schemeClr val="accent5"/>
+                </a:solidFill>
+                <a:effectLst>
+                  <a:outerShdw blurRad="12700" dist="38100" dir="2700000" algn="tl" rotWithShape="0">
+                    <a:schemeClr val="accent5">
+                      <a:lumMod val="60000"/>
+                      <a:lumOff val="40000"/>
+                    </a:schemeClr>
+                  </a:outerShdw>
+                </a:effectLst>
+                <a:latin typeface="Verdana" panose="020B0604030504040204" pitchFamily="34" charset="0"/>
+                <a:ea typeface="Verdana" panose="020B0604030504040204" pitchFamily="34" charset="0"/>
+              </a:rPr>
+              <a:t>.NET Core Worker Process </a:t>
+            </a:r>
+          </a:p>
+          <a:p>
+            <a:pPr algn="ctr">
+              <a:lnSpc>
+                <a:spcPct val="150000"/>
+              </a:lnSpc>
+            </a:pPr>
+            <a:r>
+              <a:rPr lang="en-US" sz="4800" b="1" dirty="0">
+                <a:ln w="9525">
+                  <a:solidFill>
+                    <a:schemeClr val="bg1"/>
+                  </a:solidFill>
+                  <a:prstDash val="solid"/>
+                </a:ln>
+                <a:solidFill>
+                  <a:schemeClr val="accent5"/>
+                </a:solidFill>
+                <a:effectLst>
+                  <a:outerShdw blurRad="12700" dist="38100" dir="2700000" algn="tl" rotWithShape="0">
+                    <a:schemeClr val="accent5">
+                      <a:lumMod val="60000"/>
+                      <a:lumOff val="40000"/>
+                    </a:schemeClr>
+                  </a:outerShdw>
+                </a:effectLst>
+                <a:latin typeface="Verdana" panose="020B0604030504040204" pitchFamily="34" charset="0"/>
+                <a:ea typeface="Verdana" panose="020B0604030504040204" pitchFamily="34" charset="0"/>
+              </a:rPr>
+              <a:t>as gRPC Client</a:t>
+            </a:r>
+          </a:p>
+        </p:txBody>
+      </p:sp>
     </p:spTree>
     <p:extLst>
       <p:ext uri="{BB962C8B-B14F-4D97-AF65-F5344CB8AC3E}">
-        <p14:creationId xmlns:p14="http://schemas.microsoft.com/office/powerpoint/2010/main" val="2212695004"/>
+        <p14:creationId xmlns:p14="http://schemas.microsoft.com/office/powerpoint/2010/main" val="182829900"/>
       </p:ext>
     </p:extLst>
   </p:cSld>
@@ -7458,154 +7212,80 @@
           </a:p>
         </p:txBody>
       </p:sp>
-      <p:sp>
-        <p:nvSpPr>
-          <p:cNvPr id="11" name="Rectangle 10">
-            <a:extLst>
-              <a:ext uri="{FF2B5EF4-FFF2-40B4-BE49-F238E27FC236}">
-                <a16:creationId xmlns:a16="http://schemas.microsoft.com/office/drawing/2014/main" id="{F60D9B38-5067-4841-9B4A-CE7786A2CB4A}"/>
-              </a:ext>
-            </a:extLst>
-          </p:cNvPr>
-          <p:cNvSpPr/>
+      <p:pic>
+        <p:nvPicPr>
+          <p:cNvPr id="5" name="Picture 4">
+            <a:extLst>
+              <a:ext uri="{FF2B5EF4-FFF2-40B4-BE49-F238E27FC236}">
+                <a16:creationId xmlns:a16="http://schemas.microsoft.com/office/drawing/2014/main" id="{088B312C-0162-4AC3-8AFB-6C767D46294C}"/>
+              </a:ext>
+            </a:extLst>
+          </p:cNvPr>
+          <p:cNvPicPr>
+            <a:picLocks noChangeAspect="1"/>
+          </p:cNvPicPr>
           <p:nvPr/>
-        </p:nvSpPr>
-        <p:spPr>
-          <a:xfrm>
-            <a:off x="2582750" y="588106"/>
-            <a:ext cx="6991016" cy="4128694"/>
+        </p:nvPicPr>
+        <p:blipFill>
+          <a:blip r:embed="rId2"/>
+          <a:stretch>
+            <a:fillRect/>
+          </a:stretch>
+        </p:blipFill>
+        <p:spPr>
+          <a:xfrm>
+            <a:off x="133897" y="674933"/>
+            <a:ext cx="3143250" cy="3781425"/>
           </a:xfrm>
           <a:prstGeom prst="rect">
             <a:avLst/>
           </a:prstGeom>
-          <a:noFill/>
-        </p:spPr>
-        <p:txBody>
-          <a:bodyPr wrap="none" lIns="91440" tIns="45720" rIns="91440" bIns="45720">
-            <a:spAutoFit/>
-          </a:bodyPr>
-          <a:lstStyle/>
-          <a:p>
-            <a:pPr algn="ctr"/>
-            <a:r>
-              <a:rPr lang="en-US" sz="8800" b="1" cap="none" spc="0" dirty="0">
-                <a:ln w="9525">
-                  <a:solidFill>
-                    <a:schemeClr val="bg1"/>
-                  </a:solidFill>
-                  <a:prstDash val="solid"/>
-                </a:ln>
-                <a:solidFill>
-                  <a:schemeClr val="accent5"/>
-                </a:solidFill>
-                <a:effectLst>
-                  <a:outerShdw blurRad="12700" dist="38100" dir="2700000" algn="tl" rotWithShape="0">
-                    <a:schemeClr val="accent5">
-                      <a:lumMod val="60000"/>
-                      <a:lumOff val="40000"/>
-                    </a:schemeClr>
-                  </a:outerShdw>
-                </a:effectLst>
-                <a:latin typeface="Verdana" panose="020B0604030504040204" pitchFamily="34" charset="0"/>
-                <a:ea typeface="Verdana" panose="020B0604030504040204" pitchFamily="34" charset="0"/>
-              </a:rPr>
-              <a:t>Demo</a:t>
-            </a:r>
-          </a:p>
-          <a:p>
-            <a:pPr marL="1371600" indent="-1371600" algn="ctr">
-              <a:buAutoNum type="arabicPeriod"/>
-            </a:pPr>
-            <a:endParaRPr lang="en-US" sz="4000" b="1" cap="none" spc="0" dirty="0">
-              <a:ln w="9525">
-                <a:solidFill>
-                  <a:schemeClr val="bg1"/>
-                </a:solidFill>
-                <a:prstDash val="solid"/>
-              </a:ln>
-              <a:solidFill>
-                <a:schemeClr val="accent5"/>
-              </a:solidFill>
-              <a:effectLst>
-                <a:outerShdw blurRad="12700" dist="38100" dir="2700000" algn="tl" rotWithShape="0">
-                  <a:schemeClr val="accent5">
-                    <a:lumMod val="60000"/>
-                    <a:lumOff val="40000"/>
-                  </a:schemeClr>
-                </a:outerShdw>
-              </a:effectLst>
-              <a:latin typeface="Verdana" panose="020B0604030504040204" pitchFamily="34" charset="0"/>
-              <a:ea typeface="Verdana" panose="020B0604030504040204" pitchFamily="34" charset="0"/>
-            </a:endParaRPr>
-          </a:p>
-          <a:p>
-            <a:pPr algn="ctr">
-              <a:lnSpc>
-                <a:spcPct val="150000"/>
-              </a:lnSpc>
-            </a:pPr>
-            <a:r>
-              <a:rPr lang="en-US" sz="4800" b="1" dirty="0">
-                <a:ln w="9525">
-                  <a:solidFill>
-                    <a:schemeClr val="bg1"/>
-                  </a:solidFill>
-                  <a:prstDash val="solid"/>
-                </a:ln>
-                <a:solidFill>
-                  <a:schemeClr val="accent5"/>
-                </a:solidFill>
-                <a:effectLst>
-                  <a:outerShdw blurRad="12700" dist="38100" dir="2700000" algn="tl" rotWithShape="0">
-                    <a:schemeClr val="accent5">
-                      <a:lumMod val="60000"/>
-                      <a:lumOff val="40000"/>
-                    </a:schemeClr>
-                  </a:outerShdw>
-                </a:effectLst>
-                <a:latin typeface="Verdana" panose="020B0604030504040204" pitchFamily="34" charset="0"/>
-                <a:ea typeface="Verdana" panose="020B0604030504040204" pitchFamily="34" charset="0"/>
-              </a:rPr>
-              <a:t>.NET Core Web API </a:t>
-            </a:r>
-          </a:p>
-          <a:p>
-            <a:pPr algn="ctr">
-              <a:lnSpc>
-                <a:spcPct val="150000"/>
-              </a:lnSpc>
-            </a:pPr>
-            <a:r>
-              <a:rPr lang="en-US" sz="4800" b="1" dirty="0">
-                <a:ln w="9525">
-                  <a:solidFill>
-                    <a:schemeClr val="bg1"/>
-                  </a:solidFill>
-                  <a:prstDash val="solid"/>
-                </a:ln>
-                <a:solidFill>
-                  <a:schemeClr val="accent5"/>
-                </a:solidFill>
-                <a:effectLst>
-                  <a:outerShdw blurRad="12700" dist="38100" dir="2700000" algn="tl" rotWithShape="0">
-                    <a:schemeClr val="accent5">
-                      <a:lumMod val="60000"/>
-                      <a:lumOff val="40000"/>
-                    </a:schemeClr>
-                  </a:outerShdw>
-                </a:effectLst>
-                <a:latin typeface="Verdana" panose="020B0604030504040204" pitchFamily="34" charset="0"/>
-                <a:ea typeface="Verdana" panose="020B0604030504040204" pitchFamily="34" charset="0"/>
-              </a:rPr>
-              <a:t>as gRPC Client</a:t>
-            </a:r>
-          </a:p>
-        </p:txBody>
-      </p:sp>
+          <a:ln>
+            <a:solidFill>
+              <a:schemeClr val="accent1"/>
+            </a:solidFill>
+          </a:ln>
+        </p:spPr>
+      </p:pic>
+      <p:pic>
+        <p:nvPicPr>
+          <p:cNvPr id="6" name="Picture 5">
+            <a:extLst>
+              <a:ext uri="{FF2B5EF4-FFF2-40B4-BE49-F238E27FC236}">
+                <a16:creationId xmlns:a16="http://schemas.microsoft.com/office/drawing/2014/main" id="{286BB0B2-DC37-4D93-9A97-4810B2F11C4C}"/>
+              </a:ext>
+            </a:extLst>
+          </p:cNvPr>
+          <p:cNvPicPr>
+            <a:picLocks noChangeAspect="1"/>
+          </p:cNvPicPr>
+          <p:nvPr/>
+        </p:nvPicPr>
+        <p:blipFill>
+          <a:blip r:embed="rId3"/>
+          <a:stretch>
+            <a:fillRect/>
+          </a:stretch>
+        </p:blipFill>
+        <p:spPr>
+          <a:xfrm>
+            <a:off x="3589723" y="674933"/>
+            <a:ext cx="7658100" cy="3781425"/>
+          </a:xfrm>
+          <a:prstGeom prst="rect">
+            <a:avLst/>
+          </a:prstGeom>
+          <a:ln>
+            <a:solidFill>
+              <a:schemeClr val="accent1"/>
+            </a:solidFill>
+          </a:ln>
+        </p:spPr>
+      </p:pic>
     </p:spTree>
     <p:extLst>
       <p:ext uri="{BB962C8B-B14F-4D97-AF65-F5344CB8AC3E}">
-        <p14:creationId xmlns:p14="http://schemas.microsoft.com/office/powerpoint/2010/main" val="1007071421"/>
+        <p14:creationId xmlns:p14="http://schemas.microsoft.com/office/powerpoint/2010/main" val="2212695004"/>
       </p:ext>
     </p:extLst>
   </p:cSld>
@@ -7677,7 +7357,14 @@
           <a:lstStyle/>
           <a:p>
             <a:pPr algn="ctr"/>
-            <a:endParaRPr lang="en-IN" dirty="0">
+            <a:r>
+              <a:rPr lang="en-US" b="1" dirty="0">
+                <a:latin typeface="Verdana" panose="020B0604030504040204" pitchFamily="34" charset="0"/>
+                <a:ea typeface="Verdana" panose="020B0604030504040204" pitchFamily="34" charset="0"/>
+              </a:rPr>
+              <a:t>.NET Core Web API as gRPC Client</a:t>
+            </a:r>
+            <a:endParaRPr lang="en-IN" b="1" dirty="0">
               <a:latin typeface="Verdana" panose="020B0604030504040204" pitchFamily="34" charset="0"/>
               <a:ea typeface="Verdana" panose="020B0604030504040204" pitchFamily="34" charset="0"/>
             </a:endParaRPr>
@@ -7962,7 +7649,7 @@
           <p:cNvPr id="11" name="Rectangle 10">
             <a:extLst>
               <a:ext uri="{FF2B5EF4-FFF2-40B4-BE49-F238E27FC236}">
-                <a16:creationId xmlns:a16="http://schemas.microsoft.com/office/drawing/2014/main" id="{D55098C6-1198-4DAB-B484-23DB1A599453}"/>
+                <a16:creationId xmlns:a16="http://schemas.microsoft.com/office/drawing/2014/main" id="{F60D9B38-5067-4841-9B4A-CE7786A2CB4A}"/>
               </a:ext>
             </a:extLst>
           </p:cNvPr>
@@ -7971,8 +7658,8 @@
         </p:nvSpPr>
         <p:spPr>
           <a:xfrm>
-            <a:off x="2816470" y="1919767"/>
-            <a:ext cx="6434775" cy="3154710"/>
+            <a:off x="2582750" y="588106"/>
+            <a:ext cx="6991016" cy="4128694"/>
           </a:xfrm>
           <a:prstGeom prst="rect">
             <a:avLst/>
@@ -7987,7 +7674,7 @@
           <a:p>
             <a:pPr algn="ctr"/>
             <a:r>
-              <a:rPr lang="en-US" sz="19900" b="1" cap="none" spc="0" dirty="0">
+              <a:rPr lang="en-US" sz="8800" b="1" cap="none" spc="0" dirty="0">
                 <a:ln w="9525">
                   <a:solidFill>
                     <a:schemeClr val="bg1"/>
@@ -8005,52 +7692,106 @@
                     </a:schemeClr>
                   </a:outerShdw>
                 </a:effectLst>
-              </a:rPr>
-              <a:t>Q &amp; A</a:t>
-            </a:r>
-          </a:p>
-        </p:txBody>
-      </p:sp>
-      <p:pic>
-        <p:nvPicPr>
-          <p:cNvPr id="13" name="Picture 12" descr="A picture containing light&#10;&#10;Description automatically generated">
-            <a:extLst>
-              <a:ext uri="{FF2B5EF4-FFF2-40B4-BE49-F238E27FC236}">
-                <a16:creationId xmlns:a16="http://schemas.microsoft.com/office/drawing/2014/main" id="{FFE0CEE7-D088-4E51-B2CE-AAB9EA36DD91}"/>
-              </a:ext>
-            </a:extLst>
-          </p:cNvPr>
-          <p:cNvPicPr>
-            <a:picLocks noChangeAspect="1"/>
-          </p:cNvPicPr>
-          <p:nvPr/>
-        </p:nvPicPr>
-        <p:blipFill>
-          <a:blip r:embed="rId2">
-            <a:extLst>
-              <a:ext uri="{28A0092B-C50C-407E-A947-70E740481C1C}">
-                <a14:useLocalDpi xmlns:a14="http://schemas.microsoft.com/office/drawing/2010/main" val="0"/>
-              </a:ext>
-            </a:extLst>
-          </a:blip>
-          <a:stretch>
-            <a:fillRect/>
-          </a:stretch>
-        </p:blipFill>
-        <p:spPr>
-          <a:xfrm>
-            <a:off x="133897" y="551830"/>
-            <a:ext cx="1307648" cy="1760916"/>
-          </a:xfrm>
-          <a:prstGeom prst="rect">
-            <a:avLst/>
-          </a:prstGeom>
-        </p:spPr>
-      </p:pic>
+                <a:latin typeface="Verdana" panose="020B0604030504040204" pitchFamily="34" charset="0"/>
+                <a:ea typeface="Verdana" panose="020B0604030504040204" pitchFamily="34" charset="0"/>
+              </a:rPr>
+              <a:t>Demo</a:t>
+            </a:r>
+          </a:p>
+          <a:p>
+            <a:pPr marL="1371600" indent="-1371600" algn="ctr">
+              <a:buAutoNum type="arabicPeriod"/>
+            </a:pPr>
+            <a:endParaRPr lang="en-US" sz="4000" b="1" cap="none" spc="0" dirty="0">
+              <a:ln w="9525">
+                <a:solidFill>
+                  <a:schemeClr val="bg1"/>
+                </a:solidFill>
+                <a:prstDash val="solid"/>
+              </a:ln>
+              <a:solidFill>
+                <a:schemeClr val="accent5"/>
+              </a:solidFill>
+              <a:effectLst>
+                <a:outerShdw blurRad="12700" dist="38100" dir="2700000" algn="tl" rotWithShape="0">
+                  <a:schemeClr val="accent5">
+                    <a:lumMod val="60000"/>
+                    <a:lumOff val="40000"/>
+                  </a:schemeClr>
+                </a:outerShdw>
+              </a:effectLst>
+              <a:latin typeface="Verdana" panose="020B0604030504040204" pitchFamily="34" charset="0"/>
+              <a:ea typeface="Verdana" panose="020B0604030504040204" pitchFamily="34" charset="0"/>
+            </a:endParaRPr>
+          </a:p>
+          <a:p>
+            <a:pPr algn="ctr">
+              <a:lnSpc>
+                <a:spcPct val="150000"/>
+              </a:lnSpc>
+            </a:pPr>
+            <a:r>
+              <a:rPr lang="en-US" sz="4800" b="1" dirty="0">
+                <a:ln w="9525">
+                  <a:solidFill>
+                    <a:schemeClr val="bg1"/>
+                  </a:solidFill>
+                  <a:prstDash val="solid"/>
+                </a:ln>
+                <a:solidFill>
+                  <a:schemeClr val="accent5"/>
+                </a:solidFill>
+                <a:effectLst>
+                  <a:outerShdw blurRad="12700" dist="38100" dir="2700000" algn="tl" rotWithShape="0">
+                    <a:schemeClr val="accent5">
+                      <a:lumMod val="60000"/>
+                      <a:lumOff val="40000"/>
+                    </a:schemeClr>
+                  </a:outerShdw>
+                </a:effectLst>
+                <a:latin typeface="Verdana" panose="020B0604030504040204" pitchFamily="34" charset="0"/>
+                <a:ea typeface="Verdana" panose="020B0604030504040204" pitchFamily="34" charset="0"/>
+              </a:rPr>
+              <a:t>.NET Core Web API </a:t>
+            </a:r>
+          </a:p>
+          <a:p>
+            <a:pPr algn="ctr">
+              <a:lnSpc>
+                <a:spcPct val="150000"/>
+              </a:lnSpc>
+            </a:pPr>
+            <a:r>
+              <a:rPr lang="en-US" sz="4800" b="1" dirty="0">
+                <a:ln w="9525">
+                  <a:solidFill>
+                    <a:schemeClr val="bg1"/>
+                  </a:solidFill>
+                  <a:prstDash val="solid"/>
+                </a:ln>
+                <a:solidFill>
+                  <a:schemeClr val="accent5"/>
+                </a:solidFill>
+                <a:effectLst>
+                  <a:outerShdw blurRad="12700" dist="38100" dir="2700000" algn="tl" rotWithShape="0">
+                    <a:schemeClr val="accent5">
+                      <a:lumMod val="60000"/>
+                      <a:lumOff val="40000"/>
+                    </a:schemeClr>
+                  </a:outerShdw>
+                </a:effectLst>
+                <a:latin typeface="Verdana" panose="020B0604030504040204" pitchFamily="34" charset="0"/>
+                <a:ea typeface="Verdana" panose="020B0604030504040204" pitchFamily="34" charset="0"/>
+              </a:rPr>
+              <a:t>as gRPC Client</a:t>
+            </a:r>
+          </a:p>
+        </p:txBody>
+      </p:sp>
     </p:spTree>
     <p:extLst>
       <p:ext uri="{BB962C8B-B14F-4D97-AF65-F5344CB8AC3E}">
-        <p14:creationId xmlns:p14="http://schemas.microsoft.com/office/powerpoint/2010/main" val="2536284009"/>
+        <p14:creationId xmlns:p14="http://schemas.microsoft.com/office/powerpoint/2010/main" val="1007071421"/>
       </p:ext>
     </p:extLst>
   </p:cSld>
@@ -8255,6 +7996,451 @@
                 <a:ea typeface="Verdana" panose="020B0604030504040204" pitchFamily="34" charset="0"/>
               </a:rPr>
               <a:t>18</a:t>
+            </a:fld>
+            <a:endParaRPr lang="en-IN" b="1" dirty="0">
+              <a:solidFill>
+                <a:srgbClr val="002060"/>
+              </a:solidFill>
+              <a:latin typeface="Verdana" panose="020B0604030504040204" pitchFamily="34" charset="0"/>
+              <a:ea typeface="Verdana" panose="020B0604030504040204" pitchFamily="34" charset="0"/>
+            </a:endParaRPr>
+          </a:p>
+        </p:txBody>
+      </p:sp>
+      <p:sp>
+        <p:nvSpPr>
+          <p:cNvPr id="12" name="Footer Placeholder 7">
+            <a:extLst>
+              <a:ext uri="{FF2B5EF4-FFF2-40B4-BE49-F238E27FC236}">
+                <a16:creationId xmlns:a16="http://schemas.microsoft.com/office/drawing/2014/main" id="{64C57949-E349-47D3-A505-A098233AF49D}"/>
+              </a:ext>
+            </a:extLst>
+          </p:cNvPr>
+          <p:cNvSpPr txBox="1">
+            <a:spLocks/>
+          </p:cNvSpPr>
+          <p:nvPr/>
+        </p:nvSpPr>
+        <p:spPr>
+          <a:xfrm>
+            <a:off x="133897" y="6428848"/>
+            <a:ext cx="4114800" cy="365125"/>
+          </a:xfrm>
+          <a:prstGeom prst="rect">
+            <a:avLst/>
+          </a:prstGeom>
+        </p:spPr>
+        <p:txBody>
+          <a:bodyPr vert="horz" lIns="91440" tIns="45720" rIns="91440" bIns="45720" rtlCol="0" anchor="ctr"/>
+          <a:lstStyle>
+            <a:defPPr>
+              <a:defRPr lang="en-US"/>
+            </a:defPPr>
+            <a:lvl1pPr marL="0" algn="ctr" defTabSz="914400" rtl="0" eaLnBrk="1" latinLnBrk="0" hangingPunct="1">
+              <a:defRPr sz="1200" kern="1200">
+                <a:solidFill>
+                  <a:schemeClr val="tx1">
+                    <a:tint val="75000"/>
+                  </a:schemeClr>
+                </a:solidFill>
+                <a:latin typeface="+mn-lt"/>
+                <a:ea typeface="+mn-ea"/>
+                <a:cs typeface="+mn-cs"/>
+              </a:defRPr>
+            </a:lvl1pPr>
+            <a:lvl2pPr marL="457200" algn="l" defTabSz="914400" rtl="0" eaLnBrk="1" latinLnBrk="0" hangingPunct="1">
+              <a:defRPr sz="1800" kern="1200">
+                <a:solidFill>
+                  <a:schemeClr val="tx1"/>
+                </a:solidFill>
+                <a:latin typeface="+mn-lt"/>
+                <a:ea typeface="+mn-ea"/>
+                <a:cs typeface="+mn-cs"/>
+              </a:defRPr>
+            </a:lvl2pPr>
+            <a:lvl3pPr marL="914400" algn="l" defTabSz="914400" rtl="0" eaLnBrk="1" latinLnBrk="0" hangingPunct="1">
+              <a:defRPr sz="1800" kern="1200">
+                <a:solidFill>
+                  <a:schemeClr val="tx1"/>
+                </a:solidFill>
+                <a:latin typeface="+mn-lt"/>
+                <a:ea typeface="+mn-ea"/>
+                <a:cs typeface="+mn-cs"/>
+              </a:defRPr>
+            </a:lvl3pPr>
+            <a:lvl4pPr marL="1371600" algn="l" defTabSz="914400" rtl="0" eaLnBrk="1" latinLnBrk="0" hangingPunct="1">
+              <a:defRPr sz="1800" kern="1200">
+                <a:solidFill>
+                  <a:schemeClr val="tx1"/>
+                </a:solidFill>
+                <a:latin typeface="+mn-lt"/>
+                <a:ea typeface="+mn-ea"/>
+                <a:cs typeface="+mn-cs"/>
+              </a:defRPr>
+            </a:lvl4pPr>
+            <a:lvl5pPr marL="1828800" algn="l" defTabSz="914400" rtl="0" eaLnBrk="1" latinLnBrk="0" hangingPunct="1">
+              <a:defRPr sz="1800" kern="1200">
+                <a:solidFill>
+                  <a:schemeClr val="tx1"/>
+                </a:solidFill>
+                <a:latin typeface="+mn-lt"/>
+                <a:ea typeface="+mn-ea"/>
+                <a:cs typeface="+mn-cs"/>
+              </a:defRPr>
+            </a:lvl5pPr>
+            <a:lvl6pPr marL="2286000" algn="l" defTabSz="914400" rtl="0" eaLnBrk="1" latinLnBrk="0" hangingPunct="1">
+              <a:defRPr sz="1800" kern="1200">
+                <a:solidFill>
+                  <a:schemeClr val="tx1"/>
+                </a:solidFill>
+                <a:latin typeface="+mn-lt"/>
+                <a:ea typeface="+mn-ea"/>
+                <a:cs typeface="+mn-cs"/>
+              </a:defRPr>
+            </a:lvl6pPr>
+            <a:lvl7pPr marL="2743200" algn="l" defTabSz="914400" rtl="0" eaLnBrk="1" latinLnBrk="0" hangingPunct="1">
+              <a:defRPr sz="1800" kern="1200">
+                <a:solidFill>
+                  <a:schemeClr val="tx1"/>
+                </a:solidFill>
+                <a:latin typeface="+mn-lt"/>
+                <a:ea typeface="+mn-ea"/>
+                <a:cs typeface="+mn-cs"/>
+              </a:defRPr>
+            </a:lvl7pPr>
+            <a:lvl8pPr marL="3200400" algn="l" defTabSz="914400" rtl="0" eaLnBrk="1" latinLnBrk="0" hangingPunct="1">
+              <a:defRPr sz="1800" kern="1200">
+                <a:solidFill>
+                  <a:schemeClr val="tx1"/>
+                </a:solidFill>
+                <a:latin typeface="+mn-lt"/>
+                <a:ea typeface="+mn-ea"/>
+                <a:cs typeface="+mn-cs"/>
+              </a:defRPr>
+            </a:lvl8pPr>
+            <a:lvl9pPr marL="3657600" algn="l" defTabSz="914400" rtl="0" eaLnBrk="1" latinLnBrk="0" hangingPunct="1">
+              <a:defRPr sz="1800" kern="1200">
+                <a:solidFill>
+                  <a:schemeClr val="tx1"/>
+                </a:solidFill>
+                <a:latin typeface="+mn-lt"/>
+                <a:ea typeface="+mn-ea"/>
+                <a:cs typeface="+mn-cs"/>
+              </a:defRPr>
+            </a:lvl9pPr>
+          </a:lstStyle>
+          <a:p>
+            <a:r>
+              <a:rPr lang="en-IN" b="1" dirty="0">
+                <a:solidFill>
+                  <a:srgbClr val="002060"/>
+                </a:solidFill>
+                <a:latin typeface="Verdana" panose="020B0604030504040204" pitchFamily="34" charset="0"/>
+                <a:ea typeface="Verdana" panose="020B0604030504040204" pitchFamily="34" charset="0"/>
+              </a:rPr>
+              <a:t>Light Up Virtual Conference</a:t>
+            </a:r>
+          </a:p>
+        </p:txBody>
+      </p:sp>
+      <p:sp>
+        <p:nvSpPr>
+          <p:cNvPr id="11" name="Rectangle 10">
+            <a:extLst>
+              <a:ext uri="{FF2B5EF4-FFF2-40B4-BE49-F238E27FC236}">
+                <a16:creationId xmlns:a16="http://schemas.microsoft.com/office/drawing/2014/main" id="{D55098C6-1198-4DAB-B484-23DB1A599453}"/>
+              </a:ext>
+            </a:extLst>
+          </p:cNvPr>
+          <p:cNvSpPr/>
+          <p:nvPr/>
+        </p:nvSpPr>
+        <p:spPr>
+          <a:xfrm>
+            <a:off x="2816470" y="1919767"/>
+            <a:ext cx="6434775" cy="3154710"/>
+          </a:xfrm>
+          <a:prstGeom prst="rect">
+            <a:avLst/>
+          </a:prstGeom>
+          <a:noFill/>
+        </p:spPr>
+        <p:txBody>
+          <a:bodyPr wrap="none" lIns="91440" tIns="45720" rIns="91440" bIns="45720">
+            <a:spAutoFit/>
+          </a:bodyPr>
+          <a:lstStyle/>
+          <a:p>
+            <a:pPr algn="ctr"/>
+            <a:r>
+              <a:rPr lang="en-US" sz="19900" b="1" cap="none" spc="0" dirty="0">
+                <a:ln w="9525">
+                  <a:solidFill>
+                    <a:schemeClr val="bg1"/>
+                  </a:solidFill>
+                  <a:prstDash val="solid"/>
+                </a:ln>
+                <a:solidFill>
+                  <a:schemeClr val="accent5"/>
+                </a:solidFill>
+                <a:effectLst>
+                  <a:outerShdw blurRad="12700" dist="38100" dir="2700000" algn="tl" rotWithShape="0">
+                    <a:schemeClr val="accent5">
+                      <a:lumMod val="60000"/>
+                      <a:lumOff val="40000"/>
+                    </a:schemeClr>
+                  </a:outerShdw>
+                </a:effectLst>
+              </a:rPr>
+              <a:t>Q &amp; A</a:t>
+            </a:r>
+          </a:p>
+        </p:txBody>
+      </p:sp>
+      <p:pic>
+        <p:nvPicPr>
+          <p:cNvPr id="13" name="Picture 12" descr="A picture containing light&#10;&#10;Description automatically generated">
+            <a:extLst>
+              <a:ext uri="{FF2B5EF4-FFF2-40B4-BE49-F238E27FC236}">
+                <a16:creationId xmlns:a16="http://schemas.microsoft.com/office/drawing/2014/main" id="{FFE0CEE7-D088-4E51-B2CE-AAB9EA36DD91}"/>
+              </a:ext>
+            </a:extLst>
+          </p:cNvPr>
+          <p:cNvPicPr>
+            <a:picLocks noChangeAspect="1"/>
+          </p:cNvPicPr>
+          <p:nvPr/>
+        </p:nvPicPr>
+        <p:blipFill>
+          <a:blip r:embed="rId2">
+            <a:extLst>
+              <a:ext uri="{28A0092B-C50C-407E-A947-70E740481C1C}">
+                <a14:useLocalDpi xmlns:a14="http://schemas.microsoft.com/office/drawing/2010/main" val="0"/>
+              </a:ext>
+            </a:extLst>
+          </a:blip>
+          <a:stretch>
+            <a:fillRect/>
+          </a:stretch>
+        </p:blipFill>
+        <p:spPr>
+          <a:xfrm>
+            <a:off x="133897" y="551830"/>
+            <a:ext cx="1307648" cy="1760916"/>
+          </a:xfrm>
+          <a:prstGeom prst="rect">
+            <a:avLst/>
+          </a:prstGeom>
+        </p:spPr>
+      </p:pic>
+    </p:spTree>
+    <p:extLst>
+      <p:ext uri="{BB962C8B-B14F-4D97-AF65-F5344CB8AC3E}">
+        <p14:creationId xmlns:p14="http://schemas.microsoft.com/office/powerpoint/2010/main" val="2536284009"/>
+      </p:ext>
+    </p:extLst>
+  </p:cSld>
+  <p:clrMapOvr>
+    <a:masterClrMapping/>
+  </p:clrMapOvr>
+</p:sld>
+</file>
+
+<file path=ppt/slides/slide19.xml><?xml version="1.0" encoding="utf-8"?>
+<p:sld xmlns:a="http://schemas.openxmlformats.org/drawingml/2006/main" xmlns:r="http://schemas.openxmlformats.org/officeDocument/2006/relationships" xmlns:p="http://schemas.openxmlformats.org/presentationml/2006/main">
+  <p:cSld>
+    <p:spTree>
+      <p:nvGrpSpPr>
+        <p:cNvPr id="1" name=""/>
+        <p:cNvGrpSpPr/>
+        <p:nvPr/>
+      </p:nvGrpSpPr>
+      <p:grpSpPr>
+        <a:xfrm>
+          <a:off x="0" y="0"/>
+          <a:ext cx="0" cy="0"/>
+          <a:chOff x="0" y="0"/>
+          <a:chExt cx="0" cy="0"/>
+        </a:xfrm>
+      </p:grpSpPr>
+      <p:sp>
+        <p:nvSpPr>
+          <p:cNvPr id="4" name="Rectangle 3">
+            <a:extLst>
+              <a:ext uri="{FF2B5EF4-FFF2-40B4-BE49-F238E27FC236}">
+                <a16:creationId xmlns:a16="http://schemas.microsoft.com/office/drawing/2014/main" id="{055C22F7-3FD1-4C1B-8D0C-0C2F7FB61DBE}"/>
+              </a:ext>
+            </a:extLst>
+          </p:cNvPr>
+          <p:cNvSpPr/>
+          <p:nvPr/>
+        </p:nvSpPr>
+        <p:spPr>
+          <a:xfrm>
+            <a:off x="0" y="8878"/>
+            <a:ext cx="12183122" cy="497150"/>
+          </a:xfrm>
+          <a:prstGeom prst="rect">
+            <a:avLst/>
+          </a:prstGeom>
+          <a:solidFill>
+            <a:srgbClr val="0070C0"/>
+          </a:solidFill>
+        </p:spPr>
+        <p:style>
+          <a:lnRef idx="2">
+            <a:schemeClr val="accent1">
+              <a:shade val="50000"/>
+            </a:schemeClr>
+          </a:lnRef>
+          <a:fillRef idx="1">
+            <a:schemeClr val="accent1"/>
+          </a:fillRef>
+          <a:effectRef idx="0">
+            <a:schemeClr val="accent1"/>
+          </a:effectRef>
+          <a:fontRef idx="minor">
+            <a:schemeClr val="lt1"/>
+          </a:fontRef>
+        </p:style>
+        <p:txBody>
+          <a:bodyPr rtlCol="0" anchor="ctr"/>
+          <a:lstStyle/>
+          <a:p>
+            <a:pPr algn="ctr"/>
+            <a:endParaRPr lang="en-IN" dirty="0">
+              <a:latin typeface="Verdana" panose="020B0604030504040204" pitchFamily="34" charset="0"/>
+              <a:ea typeface="Verdana" panose="020B0604030504040204" pitchFamily="34" charset="0"/>
+            </a:endParaRPr>
+          </a:p>
+        </p:txBody>
+      </p:sp>
+      <p:sp>
+        <p:nvSpPr>
+          <p:cNvPr id="7" name="Rectangle 6">
+            <a:extLst>
+              <a:ext uri="{FF2B5EF4-FFF2-40B4-BE49-F238E27FC236}">
+                <a16:creationId xmlns:a16="http://schemas.microsoft.com/office/drawing/2014/main" id="{B10720DE-FD2A-4FE5-B9FB-74854D01A659}"/>
+              </a:ext>
+            </a:extLst>
+          </p:cNvPr>
+          <p:cNvSpPr/>
+          <p:nvPr/>
+        </p:nvSpPr>
+        <p:spPr>
+          <a:xfrm>
+            <a:off x="0" y="6383046"/>
+            <a:ext cx="12183122" cy="57703"/>
+          </a:xfrm>
+          <a:prstGeom prst="rect">
+            <a:avLst/>
+          </a:prstGeom>
+          <a:solidFill>
+            <a:srgbClr val="0070C0"/>
+          </a:solidFill>
+        </p:spPr>
+        <p:style>
+          <a:lnRef idx="2">
+            <a:schemeClr val="accent1">
+              <a:shade val="50000"/>
+            </a:schemeClr>
+          </a:lnRef>
+          <a:fillRef idx="1">
+            <a:schemeClr val="accent1"/>
+          </a:fillRef>
+          <a:effectRef idx="0">
+            <a:schemeClr val="accent1"/>
+          </a:effectRef>
+          <a:fontRef idx="minor">
+            <a:schemeClr val="lt1"/>
+          </a:fontRef>
+        </p:style>
+        <p:txBody>
+          <a:bodyPr rtlCol="0" anchor="ctr"/>
+          <a:lstStyle/>
+          <a:p>
+            <a:pPr algn="ctr"/>
+            <a:endParaRPr lang="en-IN" sz="1000" dirty="0">
+              <a:latin typeface="Verdana" panose="020B0604030504040204" pitchFamily="34" charset="0"/>
+              <a:ea typeface="Verdana" panose="020B0604030504040204" pitchFamily="34" charset="0"/>
+            </a:endParaRPr>
+          </a:p>
+        </p:txBody>
+      </p:sp>
+      <p:sp>
+        <p:nvSpPr>
+          <p:cNvPr id="8" name="Footer Placeholder 7">
+            <a:extLst>
+              <a:ext uri="{FF2B5EF4-FFF2-40B4-BE49-F238E27FC236}">
+                <a16:creationId xmlns:a16="http://schemas.microsoft.com/office/drawing/2014/main" id="{DD2A19CA-EC18-432D-8F8F-17079808F38B}"/>
+              </a:ext>
+            </a:extLst>
+          </p:cNvPr>
+          <p:cNvSpPr>
+            <a:spLocks noGrp="1"/>
+          </p:cNvSpPr>
+          <p:nvPr>
+            <p:ph type="ftr" sz="quarter" idx="11"/>
+          </p:nvPr>
+        </p:nvSpPr>
+        <p:spPr>
+          <a:xfrm>
+            <a:off x="4038600" y="6427374"/>
+            <a:ext cx="4114800" cy="365125"/>
+          </a:xfrm>
+        </p:spPr>
+        <p:txBody>
+          <a:bodyPr/>
+          <a:lstStyle/>
+          <a:p>
+            <a:r>
+              <a:rPr lang="en-IN" b="1" dirty="0">
+                <a:solidFill>
+                  <a:srgbClr val="002060"/>
+                </a:solidFill>
+                <a:latin typeface="Verdana" panose="020B0604030504040204" pitchFamily="34" charset="0"/>
+                <a:ea typeface="Verdana" panose="020B0604030504040204" pitchFamily="34" charset="0"/>
+              </a:rPr>
+              <a:t>15-Jul-2020</a:t>
+            </a:r>
+          </a:p>
+        </p:txBody>
+      </p:sp>
+      <p:sp>
+        <p:nvSpPr>
+          <p:cNvPr id="9" name="Slide Number Placeholder 8">
+            <a:extLst>
+              <a:ext uri="{FF2B5EF4-FFF2-40B4-BE49-F238E27FC236}">
+                <a16:creationId xmlns:a16="http://schemas.microsoft.com/office/drawing/2014/main" id="{8162625C-0B1F-42E0-BE7C-D99A08FED7A3}"/>
+              </a:ext>
+            </a:extLst>
+          </p:cNvPr>
+          <p:cNvSpPr>
+            <a:spLocks noGrp="1"/>
+          </p:cNvSpPr>
+          <p:nvPr>
+            <p:ph type="sldNum" sz="quarter" idx="12"/>
+          </p:nvPr>
+        </p:nvSpPr>
+        <p:spPr>
+          <a:xfrm>
+            <a:off x="8610600" y="6427374"/>
+            <a:ext cx="2743200" cy="365125"/>
+          </a:xfrm>
+        </p:spPr>
+        <p:txBody>
+          <a:bodyPr/>
+          <a:lstStyle/>
+          <a:p>
+            <a:fld id="{30AF63FB-5233-4811-A918-B572E3A55817}" type="slidenum">
+              <a:rPr lang="en-IN" b="1" smtClean="0">
+                <a:solidFill>
+                  <a:srgbClr val="002060"/>
+                </a:solidFill>
+                <a:latin typeface="Verdana" panose="020B0604030504040204" pitchFamily="34" charset="0"/>
+                <a:ea typeface="Verdana" panose="020B0604030504040204" pitchFamily="34" charset="0"/>
+              </a:rPr>
+              <a:t>19</a:t>
             </a:fld>
             <a:endParaRPr lang="en-IN" b="1" dirty="0">
               <a:solidFill>
@@ -8732,9 +8918,9 @@
                 <a:latin typeface="Verdana" panose="020B0604030504040204" pitchFamily="34" charset="0"/>
                 <a:ea typeface="Verdana" panose="020B0604030504040204" pitchFamily="34" charset="0"/>
               </a:rPr>
-              <a:t>Information</a:t>
-            </a:r>
-            <a:endParaRPr lang="en-IN" b="1" dirty="0">
+              <a:t>Light Up – July 2020</a:t>
+            </a:r>
+            <a:endParaRPr lang="en-IN" dirty="0">
               <a:latin typeface="Verdana" panose="020B0604030504040204" pitchFamily="34" charset="0"/>
               <a:ea typeface="Verdana" panose="020B0604030504040204" pitchFamily="34" charset="0"/>
             </a:endParaRPr>
@@ -8880,6 +9066,93 @@
       </p:sp>
       <p:sp>
         <p:nvSpPr>
+          <p:cNvPr id="10" name="TextBox 9">
+            <a:extLst>
+              <a:ext uri="{FF2B5EF4-FFF2-40B4-BE49-F238E27FC236}">
+                <a16:creationId xmlns:a16="http://schemas.microsoft.com/office/drawing/2014/main" id="{01677BED-4C67-48F6-8772-07696F9A1F04}"/>
+              </a:ext>
+            </a:extLst>
+          </p:cNvPr>
+          <p:cNvSpPr txBox="1"/>
+          <p:nvPr/>
+        </p:nvSpPr>
+        <p:spPr>
+          <a:xfrm>
+            <a:off x="1827219" y="1830029"/>
+            <a:ext cx="8504251" cy="2208746"/>
+          </a:xfrm>
+          <a:prstGeom prst="rect">
+            <a:avLst/>
+          </a:prstGeom>
+          <a:noFill/>
+        </p:spPr>
+        <p:txBody>
+          <a:bodyPr wrap="none" rtlCol="0">
+            <a:spAutoFit/>
+          </a:bodyPr>
+          <a:lstStyle/>
+          <a:p>
+            <a:pPr algn="ctr">
+              <a:lnSpc>
+                <a:spcPct val="150000"/>
+              </a:lnSpc>
+            </a:pPr>
+            <a:r>
+              <a:rPr lang="en-US" sz="3200" b="1" dirty="0">
+                <a:solidFill>
+                  <a:srgbClr val="002060"/>
+                </a:solidFill>
+                <a:latin typeface="Verdana" panose="020B0604030504040204" pitchFamily="34" charset="0"/>
+                <a:ea typeface="Verdana" panose="020B0604030504040204" pitchFamily="34" charset="0"/>
+              </a:rPr>
+              <a:t>Hands-On Developing gRPC Service </a:t>
+            </a:r>
+          </a:p>
+          <a:p>
+            <a:pPr algn="ctr">
+              <a:lnSpc>
+                <a:spcPct val="150000"/>
+              </a:lnSpc>
+            </a:pPr>
+            <a:r>
+              <a:rPr lang="en-US" sz="3200" b="1" dirty="0">
+                <a:solidFill>
+                  <a:srgbClr val="002060"/>
+                </a:solidFill>
+                <a:latin typeface="Verdana" panose="020B0604030504040204" pitchFamily="34" charset="0"/>
+                <a:ea typeface="Verdana" panose="020B0604030504040204" pitchFamily="34" charset="0"/>
+              </a:rPr>
+              <a:t>and </a:t>
+            </a:r>
+          </a:p>
+          <a:p>
+            <a:pPr algn="ctr">
+              <a:lnSpc>
+                <a:spcPct val="150000"/>
+              </a:lnSpc>
+            </a:pPr>
+            <a:r>
+              <a:rPr lang="en-US" sz="3200" b="1" dirty="0">
+                <a:solidFill>
+                  <a:srgbClr val="002060"/>
+                </a:solidFill>
+                <a:latin typeface="Verdana" panose="020B0604030504040204" pitchFamily="34" charset="0"/>
+                <a:ea typeface="Verdana" panose="020B0604030504040204" pitchFamily="34" charset="0"/>
+              </a:rPr>
+              <a:t>Multiple Types of .NET Core Clients</a:t>
+            </a:r>
+            <a:endParaRPr lang="en-IN" sz="3200" b="1" dirty="0">
+              <a:solidFill>
+                <a:srgbClr val="002060"/>
+              </a:solidFill>
+              <a:latin typeface="Verdana" panose="020B0604030504040204" pitchFamily="34" charset="0"/>
+              <a:ea typeface="Verdana" panose="020B0604030504040204" pitchFamily="34" charset="0"/>
+            </a:endParaRPr>
+          </a:p>
+        </p:txBody>
+      </p:sp>
+      <p:sp>
+        <p:nvSpPr>
           <p:cNvPr id="12" name="Footer Placeholder 7">
             <a:extLst>
               <a:ext uri="{FF2B5EF4-FFF2-40B4-BE49-F238E27FC236}">
@@ -9016,10 +9289,10 @@
       </p:sp>
       <p:sp>
         <p:nvSpPr>
-          <p:cNvPr id="10" name="TextBox 9">
-            <a:extLst>
-              <a:ext uri="{FF2B5EF4-FFF2-40B4-BE49-F238E27FC236}">
-                <a16:creationId xmlns:a16="http://schemas.microsoft.com/office/drawing/2014/main" id="{19953791-0C49-4113-A95A-639979BFF9A6}"/>
+          <p:cNvPr id="13" name="TextBox 12">
+            <a:extLst>
+              <a:ext uri="{FF2B5EF4-FFF2-40B4-BE49-F238E27FC236}">
+                <a16:creationId xmlns:a16="http://schemas.microsoft.com/office/drawing/2014/main" id="{E6D3FFE0-09D7-4D0A-944C-07093B48DCE2}"/>
               </a:ext>
             </a:extLst>
           </p:cNvPr>
@@ -9028,50 +9301,56 @@
         </p:nvSpPr>
         <p:spPr>
           <a:xfrm>
-            <a:off x="80629" y="557824"/>
-            <a:ext cx="12037390" cy="2338397"/>
+            <a:off x="6336049" y="5474812"/>
+            <a:ext cx="5766707" cy="738664"/>
           </a:xfrm>
           <a:prstGeom prst="rect">
             <a:avLst/>
           </a:prstGeom>
-          <a:noFill/>
-        </p:spPr>
-        <p:txBody>
-          <a:bodyPr wrap="square" rtlCol="0">
+          <a:solidFill>
+            <a:schemeClr val="accent5">
+              <a:lumMod val="20000"/>
+              <a:lumOff val="80000"/>
+            </a:schemeClr>
+          </a:solidFill>
+          <a:ln w="12700">
+            <a:solidFill>
+              <a:srgbClr val="0070C0"/>
+            </a:solidFill>
+          </a:ln>
+        </p:spPr>
+        <p:txBody>
+          <a:bodyPr wrap="none" rtlCol="0">
             <a:spAutoFit/>
           </a:bodyPr>
           <a:lstStyle/>
           <a:p>
-            <a:pPr marL="628650" lvl="1" indent="-171450">
-              <a:lnSpc>
-                <a:spcPct val="150000"/>
-              </a:lnSpc>
-              <a:buFont typeface="Wingdings" panose="05000000000000000000" pitchFamily="2" charset="2"/>
-              <a:buChar char="Ø"/>
-            </a:pPr>
-            <a:r>
-              <a:rPr lang="en-US" sz="2000" dirty="0">
+            <a:r>
+              <a:rPr lang="en-US" dirty="0">
                 <a:solidFill>
                   <a:srgbClr val="002060"/>
                 </a:solidFill>
                 <a:latin typeface="Verdana" panose="020B0604030504040204" pitchFamily="34" charset="0"/>
                 <a:ea typeface="Verdana" panose="020B0604030504040204" pitchFamily="34" charset="0"/>
               </a:rPr>
-              <a:t> All the sessions will be hands on.</a:t>
-            </a:r>
-          </a:p>
-          <a:p>
-            <a:pPr marL="628650" lvl="1" indent="-171450">
-              <a:lnSpc>
-                <a:spcPct val="150000"/>
-              </a:lnSpc>
-              <a:buFont typeface="Wingdings" panose="05000000000000000000" pitchFamily="2" charset="2"/>
-              <a:buChar char="Ø"/>
-            </a:pPr>
-            <a:r>
-              <a:rPr lang="en-US" sz="2000" dirty="0">
-                <a:solidFill>
-                  <a:srgbClr val="002060"/>
+              <a:t>Viswanatha Swamy</a:t>
+            </a:r>
+          </a:p>
+          <a:p>
+            <a:r>
+              <a:rPr lang="en-US" sz="1200" dirty="0">
+                <a:solidFill>
+                  <a:srgbClr val="0070C0"/>
+                </a:solidFill>
+                <a:latin typeface="Verdana" panose="020B0604030504040204" pitchFamily="34" charset="0"/>
+                <a:ea typeface="Verdana" panose="020B0604030504040204" pitchFamily="34" charset="0"/>
+              </a:rPr>
+              <a:t>LinkedIn:</a:t>
+            </a:r>
+            <a:r>
+              <a:rPr lang="en-US" sz="1200" dirty="0">
+                <a:solidFill>
+                  <a:srgbClr val="00B0F0"/>
                 </a:solidFill>
                 <a:latin typeface="Verdana" panose="020B0604030504040204" pitchFamily="34" charset="0"/>
                 <a:ea typeface="Verdana" panose="020B0604030504040204" pitchFamily="34" charset="0"/>
@@ -9079,64 +9358,43 @@
               <a:t> </a:t>
             </a:r>
             <a:r>
-              <a:rPr lang="en-US" sz="2000" dirty="0">
+              <a:rPr lang="en-IN" sz="1200" dirty="0">
+                <a:solidFill>
+                  <a:srgbClr val="00B0F0"/>
+                </a:solidFill>
+                <a:latin typeface="Verdana" panose="020B0604030504040204" pitchFamily="34" charset="0"/>
+                <a:ea typeface="Verdana" panose="020B0604030504040204" pitchFamily="34" charset="0"/>
+                <a:hlinkClick r:id="rId2">
+                  <a:extLst>
+                    <a:ext uri="{A12FA001-AC4F-418D-AE19-62706E023703}">
+                      <ahyp:hlinkClr xmlns:ahyp="http://schemas.microsoft.com/office/drawing/2018/hyperlinkcolor" val="tx"/>
+                    </a:ext>
+                  </a:extLst>
+                </a:hlinkClick>
+              </a:rPr>
+              <a:t>https://www.linkedin.com/in/viswanatha-swamy-b57326128/</a:t>
+            </a:r>
+            <a:endParaRPr lang="en-US" sz="1200" dirty="0">
+              <a:solidFill>
+                <a:srgbClr val="00B0F0"/>
+              </a:solidFill>
+              <a:latin typeface="Verdana" panose="020B0604030504040204" pitchFamily="34" charset="0"/>
+              <a:ea typeface="Verdana" panose="020B0604030504040204" pitchFamily="34" charset="0"/>
+            </a:endParaRPr>
+          </a:p>
+          <a:p>
+            <a:r>
+              <a:rPr lang="en-US" sz="1200" dirty="0">
                 <a:solidFill>
                   <a:srgbClr val="0070C0"/>
                 </a:solidFill>
                 <a:latin typeface="Verdana" panose="020B0604030504040204" pitchFamily="34" charset="0"/>
                 <a:ea typeface="Verdana" panose="020B0604030504040204" pitchFamily="34" charset="0"/>
               </a:rPr>
-              <a:t>Will have parking lots for queries and other topics.</a:t>
-            </a:r>
-          </a:p>
-          <a:p>
-            <a:pPr marL="628650" lvl="1" indent="-171450">
-              <a:lnSpc>
-                <a:spcPct val="150000"/>
-              </a:lnSpc>
-              <a:buFont typeface="Wingdings" panose="05000000000000000000" pitchFamily="2" charset="2"/>
-              <a:buChar char="Ø"/>
-            </a:pPr>
-            <a:r>
-              <a:rPr lang="en-US" sz="2000" dirty="0">
-                <a:solidFill>
-                  <a:srgbClr val="002060"/>
-                </a:solidFill>
-                <a:latin typeface="Verdana" panose="020B0604030504040204" pitchFamily="34" charset="0"/>
-                <a:ea typeface="Verdana" panose="020B0604030504040204" pitchFamily="34" charset="0"/>
-              </a:rPr>
-              <a:t> There are multiple ways to do, we will use one of the way.</a:t>
-            </a:r>
-          </a:p>
-          <a:p>
-            <a:pPr marL="628650" lvl="1" indent="-171450">
-              <a:lnSpc>
-                <a:spcPct val="150000"/>
-              </a:lnSpc>
-              <a:buFont typeface="Wingdings" panose="05000000000000000000" pitchFamily="2" charset="2"/>
-              <a:buChar char="Ø"/>
-            </a:pPr>
-            <a:r>
-              <a:rPr lang="en-US" sz="2000" dirty="0">
-                <a:solidFill>
-                  <a:srgbClr val="002060"/>
-                </a:solidFill>
-                <a:latin typeface="Verdana" panose="020B0604030504040204" pitchFamily="34" charset="0"/>
-                <a:ea typeface="Verdana" panose="020B0604030504040204" pitchFamily="34" charset="0"/>
-              </a:rPr>
-              <a:t> The focus was more on concepts and demos are kept simple. </a:t>
-            </a:r>
-          </a:p>
-          <a:p>
-            <a:pPr marL="628650" lvl="1" indent="-171450">
-              <a:lnSpc>
-                <a:spcPct val="150000"/>
-              </a:lnSpc>
-              <a:buFont typeface="Wingdings" panose="05000000000000000000" pitchFamily="2" charset="2"/>
-              <a:buChar char="Ø"/>
-            </a:pPr>
-            <a:r>
-              <a:rPr lang="en-US" sz="2000" dirty="0">
+              <a:t>Twitter:</a:t>
+            </a:r>
+            <a:r>
+              <a:rPr lang="en-US" sz="1200" dirty="0">
                 <a:solidFill>
                   <a:srgbClr val="00B0F0"/>
                 </a:solidFill>
@@ -9146,22 +9404,89 @@
               <a:t> </a:t>
             </a:r>
             <a:r>
-              <a:rPr lang="en-US" sz="2000" dirty="0">
-                <a:solidFill>
-                  <a:srgbClr val="0070C0"/>
-                </a:solidFill>
-                <a:latin typeface="Verdana" panose="020B0604030504040204" pitchFamily="34" charset="0"/>
-                <a:ea typeface="Verdana" panose="020B0604030504040204" pitchFamily="34" charset="0"/>
-              </a:rPr>
-              <a:t>I am still a learner. What!!! … wait … Yes, I am still a learner.</a:t>
-            </a:r>
-          </a:p>
-        </p:txBody>
-      </p:sp>
+              <a:rPr lang="en-IN" sz="1200" dirty="0">
+                <a:solidFill>
+                  <a:srgbClr val="00B0F0"/>
+                </a:solidFill>
+                <a:latin typeface="Verdana" panose="020B0604030504040204" pitchFamily="34" charset="0"/>
+                <a:ea typeface="Verdana" panose="020B0604030504040204" pitchFamily="34" charset="0"/>
+                <a:hlinkClick r:id="rId3">
+                  <a:extLst>
+                    <a:ext uri="{A12FA001-AC4F-418D-AE19-62706E023703}">
+                      <ahyp:hlinkClr xmlns:ahyp="http://schemas.microsoft.com/office/drawing/2018/hyperlinkcolor" val="tx"/>
+                    </a:ext>
+                  </a:extLst>
+                </a:hlinkClick>
+              </a:rPr>
+              <a:t>https://twitter.com</a:t>
+            </a:r>
+            <a:r>
+              <a:rPr lang="en-IN" sz="1200">
+                <a:solidFill>
+                  <a:srgbClr val="00B0F0"/>
+                </a:solidFill>
+                <a:latin typeface="Verdana" panose="020B0604030504040204" pitchFamily="34" charset="0"/>
+                <a:ea typeface="Verdana" panose="020B0604030504040204" pitchFamily="34" charset="0"/>
+                <a:hlinkClick r:id="rId3">
+                  <a:extLst>
+                    <a:ext uri="{A12FA001-AC4F-418D-AE19-62706E023703}">
+                      <ahyp:hlinkClr xmlns:ahyp="http://schemas.microsoft.com/office/drawing/2018/hyperlinkcolor" val="tx"/>
+                    </a:ext>
+                  </a:extLst>
+                </a:hlinkClick>
+              </a:rPr>
+              <a:t>/vishipayyallore</a:t>
+            </a:r>
+            <a:endParaRPr lang="en-US" sz="1200" dirty="0">
+              <a:solidFill>
+                <a:srgbClr val="00B0F0"/>
+              </a:solidFill>
+              <a:latin typeface="Verdana" panose="020B0604030504040204" pitchFamily="34" charset="0"/>
+              <a:ea typeface="Verdana" panose="020B0604030504040204" pitchFamily="34" charset="0"/>
+            </a:endParaRPr>
+          </a:p>
+        </p:txBody>
+      </p:sp>
+      <p:pic>
+        <p:nvPicPr>
+          <p:cNvPr id="3" name="Picture 2" descr="A picture containing light&#10;&#10;Description automatically generated">
+            <a:extLst>
+              <a:ext uri="{FF2B5EF4-FFF2-40B4-BE49-F238E27FC236}">
+                <a16:creationId xmlns:a16="http://schemas.microsoft.com/office/drawing/2014/main" id="{696FDE94-B353-494E-A758-0022ABBF850B}"/>
+              </a:ext>
+            </a:extLst>
+          </p:cNvPr>
+          <p:cNvPicPr>
+            <a:picLocks noChangeAspect="1"/>
+          </p:cNvPicPr>
+          <p:nvPr/>
+        </p:nvPicPr>
+        <p:blipFill>
+          <a:blip r:embed="rId4">
+            <a:extLst>
+              <a:ext uri="{28A0092B-C50C-407E-A947-70E740481C1C}">
+                <a14:useLocalDpi xmlns:a14="http://schemas.microsoft.com/office/drawing/2010/main" val="0"/>
+              </a:ext>
+            </a:extLst>
+          </a:blip>
+          <a:stretch>
+            <a:fillRect/>
+          </a:stretch>
+        </p:blipFill>
+        <p:spPr>
+          <a:xfrm>
+            <a:off x="133897" y="551830"/>
+            <a:ext cx="1307648" cy="1760916"/>
+          </a:xfrm>
+          <a:prstGeom prst="rect">
+            <a:avLst/>
+          </a:prstGeom>
+        </p:spPr>
+      </p:pic>
     </p:spTree>
     <p:extLst>
       <p:ext uri="{BB962C8B-B14F-4D97-AF65-F5344CB8AC3E}">
-        <p14:creationId xmlns:p14="http://schemas.microsoft.com/office/powerpoint/2010/main" val="787546932"/>
+        <p14:creationId xmlns:p14="http://schemas.microsoft.com/office/powerpoint/2010/main" val="1882151312"/>
       </p:ext>
     </p:extLst>
   </p:cSld>
@@ -9238,7 +9563,7 @@
                 <a:latin typeface="Verdana" panose="020B0604030504040204" pitchFamily="34" charset="0"/>
                 <a:ea typeface="Verdana" panose="020B0604030504040204" pitchFamily="34" charset="0"/>
               </a:rPr>
-              <a:t>Tools we use</a:t>
+              <a:t>Information</a:t>
             </a:r>
             <a:endParaRPr lang="en-IN" b="1" dirty="0">
               <a:latin typeface="Verdana" panose="020B0604030504040204" pitchFamily="34" charset="0"/>
@@ -9535,7 +9860,7 @@
         <p:spPr>
           <a:xfrm>
             <a:off x="80629" y="557824"/>
-            <a:ext cx="12037390" cy="1415067"/>
+            <a:ext cx="12037390" cy="2338397"/>
           </a:xfrm>
           <a:prstGeom prst="rect">
             <a:avLst/>
@@ -9563,7 +9888,7 @@
                 <a:latin typeface="Verdana" panose="020B0604030504040204" pitchFamily="34" charset="0"/>
                 <a:ea typeface="Verdana" panose="020B0604030504040204" pitchFamily="34" charset="0"/>
               </a:rPr>
-              <a:t> Visual Studio 2019 Professional</a:t>
+              <a:t> All the sessions will be hands on.</a:t>
             </a:r>
           </a:p>
           <a:p>
@@ -9582,7 +9907,17 @@
                 <a:latin typeface="Verdana" panose="020B0604030504040204" pitchFamily="34" charset="0"/>
                 <a:ea typeface="Verdana" panose="020B0604030504040204" pitchFamily="34" charset="0"/>
               </a:rPr>
-              <a:t> Azure Data Studio</a:t>
+              <a:t> </a:t>
+            </a:r>
+            <a:r>
+              <a:rPr lang="en-US" sz="2000" dirty="0">
+                <a:solidFill>
+                  <a:srgbClr val="0070C0"/>
+                </a:solidFill>
+                <a:latin typeface="Verdana" panose="020B0604030504040204" pitchFamily="34" charset="0"/>
+                <a:ea typeface="Verdana" panose="020B0604030504040204" pitchFamily="34" charset="0"/>
+              </a:rPr>
+              <a:t>Will have parking lots for queries and other topics.</a:t>
             </a:r>
           </a:p>
           <a:p>
@@ -9601,22 +9936,83 @@
                 <a:latin typeface="Verdana" panose="020B0604030504040204" pitchFamily="34" charset="0"/>
                 <a:ea typeface="Verdana" panose="020B0604030504040204" pitchFamily="34" charset="0"/>
               </a:rPr>
-              <a:t> SQL Server</a:t>
-            </a:r>
-            <a:endParaRPr lang="en-US" sz="2000" dirty="0">
-              <a:solidFill>
-                <a:srgbClr val="0070C0"/>
-              </a:solidFill>
-              <a:latin typeface="Verdana" panose="020B0604030504040204" pitchFamily="34" charset="0"/>
-              <a:ea typeface="Verdana" panose="020B0604030504040204" pitchFamily="34" charset="0"/>
-            </a:endParaRPr>
+              <a:t> There are multiple ways to do, we will use one of the way.</a:t>
+            </a:r>
+          </a:p>
+          <a:p>
+            <a:pPr marL="628650" lvl="1" indent="-171450">
+              <a:lnSpc>
+                <a:spcPct val="150000"/>
+              </a:lnSpc>
+              <a:buFont typeface="Wingdings" panose="05000000000000000000" pitchFamily="2" charset="2"/>
+              <a:buChar char="Ø"/>
+            </a:pPr>
+            <a:r>
+              <a:rPr lang="en-US" sz="2000" dirty="0">
+                <a:solidFill>
+                  <a:srgbClr val="002060"/>
+                </a:solidFill>
+                <a:latin typeface="Verdana" panose="020B0604030504040204" pitchFamily="34" charset="0"/>
+                <a:ea typeface="Verdana" panose="020B0604030504040204" pitchFamily="34" charset="0"/>
+              </a:rPr>
+              <a:t> The </a:t>
+            </a:r>
+            <a:r>
+              <a:rPr lang="en-US" sz="2000">
+                <a:solidFill>
+                  <a:srgbClr val="002060"/>
+                </a:solidFill>
+                <a:latin typeface="Verdana" panose="020B0604030504040204" pitchFamily="34" charset="0"/>
+                <a:ea typeface="Verdana" panose="020B0604030504040204" pitchFamily="34" charset="0"/>
+              </a:rPr>
+              <a:t>focus is </a:t>
+            </a:r>
+            <a:r>
+              <a:rPr lang="en-US" sz="2000" dirty="0">
+                <a:solidFill>
+                  <a:srgbClr val="002060"/>
+                </a:solidFill>
+                <a:latin typeface="Verdana" panose="020B0604030504040204" pitchFamily="34" charset="0"/>
+                <a:ea typeface="Verdana" panose="020B0604030504040204" pitchFamily="34" charset="0"/>
+              </a:rPr>
+              <a:t>more on concepts and demos are kept simple. </a:t>
+            </a:r>
+          </a:p>
+          <a:p>
+            <a:pPr marL="628650" lvl="1" indent="-171450">
+              <a:lnSpc>
+                <a:spcPct val="150000"/>
+              </a:lnSpc>
+              <a:buFont typeface="Wingdings" panose="05000000000000000000" pitchFamily="2" charset="2"/>
+              <a:buChar char="Ø"/>
+            </a:pPr>
+            <a:r>
+              <a:rPr lang="en-US" sz="2000" dirty="0">
+                <a:solidFill>
+                  <a:srgbClr val="00B0F0"/>
+                </a:solidFill>
+                <a:latin typeface="Verdana" panose="020B0604030504040204" pitchFamily="34" charset="0"/>
+                <a:ea typeface="Verdana" panose="020B0604030504040204" pitchFamily="34" charset="0"/>
+              </a:rPr>
+              <a:t> </a:t>
+            </a:r>
+            <a:r>
+              <a:rPr lang="en-US" sz="2000" dirty="0">
+                <a:solidFill>
+                  <a:srgbClr val="0070C0"/>
+                </a:solidFill>
+                <a:latin typeface="Verdana" panose="020B0604030504040204" pitchFamily="34" charset="0"/>
+                <a:ea typeface="Verdana" panose="020B0604030504040204" pitchFamily="34" charset="0"/>
+              </a:rPr>
+              <a:t>I am still a learner. What!!! … wait … Yes, I am still a learner.</a:t>
+            </a:r>
           </a:p>
         </p:txBody>
       </p:sp>
     </p:spTree>
     <p:extLst>
       <p:ext uri="{BB962C8B-B14F-4D97-AF65-F5344CB8AC3E}">
-        <p14:creationId xmlns:p14="http://schemas.microsoft.com/office/powerpoint/2010/main" val="3238856053"/>
+        <p14:creationId xmlns:p14="http://schemas.microsoft.com/office/powerpoint/2010/main" val="787546932"/>
       </p:ext>
     </p:extLst>
   </p:cSld>
@@ -9693,7 +10089,7 @@
                 <a:latin typeface="Verdana" panose="020B0604030504040204" pitchFamily="34" charset="0"/>
                 <a:ea typeface="Verdana" panose="020B0604030504040204" pitchFamily="34" charset="0"/>
               </a:rPr>
-              <a:t>What is gRPC ?</a:t>
+              <a:t>Tools we use</a:t>
             </a:r>
             <a:endParaRPr lang="en-IN" b="1" dirty="0">
               <a:latin typeface="Verdana" panose="020B0604030504040204" pitchFamily="34" charset="0"/>
@@ -9841,10 +10237,146 @@
       </p:sp>
       <p:sp>
         <p:nvSpPr>
+          <p:cNvPr id="12" name="Footer Placeholder 7">
+            <a:extLst>
+              <a:ext uri="{FF2B5EF4-FFF2-40B4-BE49-F238E27FC236}">
+                <a16:creationId xmlns:a16="http://schemas.microsoft.com/office/drawing/2014/main" id="{64C57949-E349-47D3-A505-A098233AF49D}"/>
+              </a:ext>
+            </a:extLst>
+          </p:cNvPr>
+          <p:cNvSpPr txBox="1">
+            <a:spLocks/>
+          </p:cNvSpPr>
+          <p:nvPr/>
+        </p:nvSpPr>
+        <p:spPr>
+          <a:xfrm>
+            <a:off x="133897" y="6428848"/>
+            <a:ext cx="4114800" cy="365125"/>
+          </a:xfrm>
+          <a:prstGeom prst="rect">
+            <a:avLst/>
+          </a:prstGeom>
+        </p:spPr>
+        <p:txBody>
+          <a:bodyPr vert="horz" lIns="91440" tIns="45720" rIns="91440" bIns="45720" rtlCol="0" anchor="ctr"/>
+          <a:lstStyle>
+            <a:defPPr>
+              <a:defRPr lang="en-US"/>
+            </a:defPPr>
+            <a:lvl1pPr marL="0" algn="ctr" defTabSz="914400" rtl="0" eaLnBrk="1" latinLnBrk="0" hangingPunct="1">
+              <a:defRPr sz="1200" kern="1200">
+                <a:solidFill>
+                  <a:schemeClr val="tx1">
+                    <a:tint val="75000"/>
+                  </a:schemeClr>
+                </a:solidFill>
+                <a:latin typeface="+mn-lt"/>
+                <a:ea typeface="+mn-ea"/>
+                <a:cs typeface="+mn-cs"/>
+              </a:defRPr>
+            </a:lvl1pPr>
+            <a:lvl2pPr marL="457200" algn="l" defTabSz="914400" rtl="0" eaLnBrk="1" latinLnBrk="0" hangingPunct="1">
+              <a:defRPr sz="1800" kern="1200">
+                <a:solidFill>
+                  <a:schemeClr val="tx1"/>
+                </a:solidFill>
+                <a:latin typeface="+mn-lt"/>
+                <a:ea typeface="+mn-ea"/>
+                <a:cs typeface="+mn-cs"/>
+              </a:defRPr>
+            </a:lvl2pPr>
+            <a:lvl3pPr marL="914400" algn="l" defTabSz="914400" rtl="0" eaLnBrk="1" latinLnBrk="0" hangingPunct="1">
+              <a:defRPr sz="1800" kern="1200">
+                <a:solidFill>
+                  <a:schemeClr val="tx1"/>
+                </a:solidFill>
+                <a:latin typeface="+mn-lt"/>
+                <a:ea typeface="+mn-ea"/>
+                <a:cs typeface="+mn-cs"/>
+              </a:defRPr>
+            </a:lvl3pPr>
+            <a:lvl4pPr marL="1371600" algn="l" defTabSz="914400" rtl="0" eaLnBrk="1" latinLnBrk="0" hangingPunct="1">
+              <a:defRPr sz="1800" kern="1200">
+                <a:solidFill>
+                  <a:schemeClr val="tx1"/>
+                </a:solidFill>
+                <a:latin typeface="+mn-lt"/>
+                <a:ea typeface="+mn-ea"/>
+                <a:cs typeface="+mn-cs"/>
+              </a:defRPr>
+            </a:lvl4pPr>
+            <a:lvl5pPr marL="1828800" algn="l" defTabSz="914400" rtl="0" eaLnBrk="1" latinLnBrk="0" hangingPunct="1">
+              <a:defRPr sz="1800" kern="1200">
+                <a:solidFill>
+                  <a:schemeClr val="tx1"/>
+                </a:solidFill>
+                <a:latin typeface="+mn-lt"/>
+                <a:ea typeface="+mn-ea"/>
+                <a:cs typeface="+mn-cs"/>
+              </a:defRPr>
+            </a:lvl5pPr>
+            <a:lvl6pPr marL="2286000" algn="l" defTabSz="914400" rtl="0" eaLnBrk="1" latinLnBrk="0" hangingPunct="1">
+              <a:defRPr sz="1800" kern="1200">
+                <a:solidFill>
+                  <a:schemeClr val="tx1"/>
+                </a:solidFill>
+                <a:latin typeface="+mn-lt"/>
+                <a:ea typeface="+mn-ea"/>
+                <a:cs typeface="+mn-cs"/>
+              </a:defRPr>
+            </a:lvl6pPr>
+            <a:lvl7pPr marL="2743200" algn="l" defTabSz="914400" rtl="0" eaLnBrk="1" latinLnBrk="0" hangingPunct="1">
+              <a:defRPr sz="1800" kern="1200">
+                <a:solidFill>
+                  <a:schemeClr val="tx1"/>
+                </a:solidFill>
+                <a:latin typeface="+mn-lt"/>
+                <a:ea typeface="+mn-ea"/>
+                <a:cs typeface="+mn-cs"/>
+              </a:defRPr>
+            </a:lvl7pPr>
+            <a:lvl8pPr marL="3200400" algn="l" defTabSz="914400" rtl="0" eaLnBrk="1" latinLnBrk="0" hangingPunct="1">
+              <a:defRPr sz="1800" kern="1200">
+                <a:solidFill>
+                  <a:schemeClr val="tx1"/>
+                </a:solidFill>
+                <a:latin typeface="+mn-lt"/>
+                <a:ea typeface="+mn-ea"/>
+                <a:cs typeface="+mn-cs"/>
+              </a:defRPr>
+            </a:lvl8pPr>
+            <a:lvl9pPr marL="3657600" algn="l" defTabSz="914400" rtl="0" eaLnBrk="1" latinLnBrk="0" hangingPunct="1">
+              <a:defRPr sz="1800" kern="1200">
+                <a:solidFill>
+                  <a:schemeClr val="tx1"/>
+                </a:solidFill>
+                <a:latin typeface="+mn-lt"/>
+                <a:ea typeface="+mn-ea"/>
+                <a:cs typeface="+mn-cs"/>
+              </a:defRPr>
+            </a:lvl9pPr>
+          </a:lstStyle>
+          <a:p>
+            <a:r>
+              <a:rPr lang="en-IN" b="1" dirty="0">
+                <a:solidFill>
+                  <a:srgbClr val="002060"/>
+                </a:solidFill>
+                <a:latin typeface="Verdana" panose="020B0604030504040204" pitchFamily="34" charset="0"/>
+                <a:ea typeface="Verdana" panose="020B0604030504040204" pitchFamily="34" charset="0"/>
+              </a:rPr>
+              <a:t>Light Up Virtual Conference</a:t>
+            </a:r>
+          </a:p>
+        </p:txBody>
+      </p:sp>
+      <p:sp>
+        <p:nvSpPr>
           <p:cNvPr id="10" name="TextBox 9">
             <a:extLst>
               <a:ext uri="{FF2B5EF4-FFF2-40B4-BE49-F238E27FC236}">
-                <a16:creationId xmlns:a16="http://schemas.microsoft.com/office/drawing/2014/main" id="{01677BED-4C67-48F6-8772-07696F9A1F04}"/>
+                <a16:creationId xmlns:a16="http://schemas.microsoft.com/office/drawing/2014/main" id="{19953791-0C49-4113-A95A-639979BFF9A6}"/>
               </a:ext>
             </a:extLst>
           </p:cNvPr>
@@ -9853,8 +10385,8 @@
         </p:nvSpPr>
         <p:spPr>
           <a:xfrm>
-            <a:off x="80629" y="602214"/>
-            <a:ext cx="12037390" cy="5326715"/>
+            <a:off x="80629" y="557824"/>
+            <a:ext cx="12037390" cy="1415067"/>
           </a:xfrm>
           <a:prstGeom prst="rect">
             <a:avLst/>
@@ -9866,160 +10398,6 @@
             <a:spAutoFit/>
           </a:bodyPr>
           <a:lstStyle/>
-          <a:p>
-            <a:pPr>
-              <a:lnSpc>
-                <a:spcPct val="200000"/>
-              </a:lnSpc>
-            </a:pPr>
-            <a:r>
-              <a:rPr lang="en-US" sz="1200" dirty="0">
-                <a:solidFill>
-                  <a:srgbClr val="002060"/>
-                </a:solidFill>
-                <a:latin typeface="Verdana" panose="020B0604030504040204" pitchFamily="34" charset="0"/>
-                <a:ea typeface="Verdana" panose="020B0604030504040204" pitchFamily="34" charset="0"/>
-              </a:rPr>
-              <a:t>                         is a modern open source high performance RPC framework that can run in any environment. It can efficiently connect services in and across data centers with pluggable support for load balancing, tracing, health checking and authentication. It is also applicable in last mile of distributed computing to connect devices, mobile applications and browsers to backend services.</a:t>
-            </a:r>
-          </a:p>
-          <a:p>
-            <a:pPr marL="628650" lvl="1" indent="-171450">
-              <a:lnSpc>
-                <a:spcPct val="200000"/>
-              </a:lnSpc>
-              <a:buFont typeface="Wingdings" panose="05000000000000000000" pitchFamily="2" charset="2"/>
-              <a:buChar char="Ø"/>
-            </a:pPr>
-            <a:r>
-              <a:rPr lang="en-IN" sz="1200" dirty="0">
-                <a:solidFill>
-                  <a:srgbClr val="0070C0"/>
-                </a:solidFill>
-                <a:latin typeface="Verdana" panose="020B0604030504040204" pitchFamily="34" charset="0"/>
-                <a:ea typeface="Verdana" panose="020B0604030504040204" pitchFamily="34" charset="0"/>
-              </a:rPr>
-              <a:t>https://docs.microsoft.com/en-us/aspnet/core/tutorials/grpc/grpc-start?view=aspnetcore-3.1&amp;tabs=visual-studio</a:t>
-            </a:r>
-            <a:endParaRPr lang="en-IN" sz="1200" dirty="0">
-              <a:solidFill>
-                <a:srgbClr val="0070C0"/>
-              </a:solidFill>
-              <a:latin typeface="Verdana" panose="020B0604030504040204" pitchFamily="34" charset="0"/>
-              <a:ea typeface="Verdana" panose="020B0604030504040204" pitchFamily="34" charset="0"/>
-              <a:hlinkClick r:id="rId2">
-                <a:extLst>
-                  <a:ext uri="{A12FA001-AC4F-418D-AE19-62706E023703}">
-                    <ahyp:hlinkClr xmlns:ahyp="http://schemas.microsoft.com/office/drawing/2018/hyperlinkcolor" val="tx"/>
-                  </a:ext>
-                </a:extLst>
-              </a:hlinkClick>
-            </a:endParaRPr>
-          </a:p>
-          <a:p>
-            <a:pPr marL="628650" lvl="1" indent="-171450">
-              <a:lnSpc>
-                <a:spcPct val="200000"/>
-              </a:lnSpc>
-              <a:buFont typeface="Wingdings" panose="05000000000000000000" pitchFamily="2" charset="2"/>
-              <a:buChar char="Ø"/>
-            </a:pPr>
-            <a:r>
-              <a:rPr lang="en-IN" sz="1200" dirty="0">
-                <a:solidFill>
-                  <a:srgbClr val="0070C0"/>
-                </a:solidFill>
-                <a:latin typeface="Verdana" panose="020B0604030504040204" pitchFamily="34" charset="0"/>
-                <a:ea typeface="Verdana" panose="020B0604030504040204" pitchFamily="34" charset="0"/>
-                <a:hlinkClick r:id="rId2">
-                  <a:extLst>
-                    <a:ext uri="{A12FA001-AC4F-418D-AE19-62706E023703}">
-                      <ahyp:hlinkClr xmlns:ahyp="http://schemas.microsoft.com/office/drawing/2018/hyperlinkcolor" val="tx"/>
-                    </a:ext>
-                  </a:extLst>
-                </a:hlinkClick>
-              </a:rPr>
-              <a:t>https://grpc.io/docs/guides/</a:t>
-            </a:r>
-            <a:r>
-              <a:rPr lang="en-IN" sz="1200" dirty="0">
-                <a:solidFill>
-                  <a:srgbClr val="0070C0"/>
-                </a:solidFill>
-                <a:latin typeface="Verdana" panose="020B0604030504040204" pitchFamily="34" charset="0"/>
-                <a:ea typeface="Verdana" panose="020B0604030504040204" pitchFamily="34" charset="0"/>
-              </a:rPr>
-              <a:t> </a:t>
-            </a:r>
-          </a:p>
-          <a:p>
-            <a:pPr marL="628650" lvl="1" indent="-171450">
-              <a:lnSpc>
-                <a:spcPct val="200000"/>
-              </a:lnSpc>
-              <a:buFont typeface="Wingdings" panose="05000000000000000000" pitchFamily="2" charset="2"/>
-              <a:buChar char="Ø"/>
-            </a:pPr>
-            <a:r>
-              <a:rPr lang="en-IN" sz="1200" dirty="0">
-                <a:solidFill>
-                  <a:srgbClr val="002060"/>
-                </a:solidFill>
-                <a:latin typeface="Verdana" panose="020B0604030504040204" pitchFamily="34" charset="0"/>
-                <a:ea typeface="Verdana" panose="020B0604030504040204" pitchFamily="34" charset="0"/>
-                <a:hlinkClick r:id="rId3"/>
-              </a:rPr>
-              <a:t>https://grpc.io/docs/guides/concepts/</a:t>
-            </a:r>
-            <a:r>
-              <a:rPr lang="en-IN" sz="1200" dirty="0">
-                <a:solidFill>
-                  <a:srgbClr val="002060"/>
-                </a:solidFill>
-                <a:latin typeface="Verdana" panose="020B0604030504040204" pitchFamily="34" charset="0"/>
-                <a:ea typeface="Verdana" panose="020B0604030504040204" pitchFamily="34" charset="0"/>
-              </a:rPr>
-              <a:t> </a:t>
-            </a:r>
-            <a:endParaRPr lang="en-US" sz="1200" dirty="0">
-              <a:solidFill>
-                <a:srgbClr val="0070C0"/>
-              </a:solidFill>
-              <a:latin typeface="Verdana" panose="020B0604030504040204" pitchFamily="34" charset="0"/>
-              <a:ea typeface="Verdana" panose="020B0604030504040204" pitchFamily="34" charset="0"/>
-            </a:endParaRPr>
-          </a:p>
-          <a:p>
-            <a:pPr>
-              <a:lnSpc>
-                <a:spcPct val="150000"/>
-              </a:lnSpc>
-            </a:pPr>
-            <a:endParaRPr lang="en-US" sz="1200" u="sng" dirty="0">
-              <a:solidFill>
-                <a:srgbClr val="002060"/>
-              </a:solidFill>
-              <a:latin typeface="Verdana" panose="020B0604030504040204" pitchFamily="34" charset="0"/>
-              <a:ea typeface="Verdana" panose="020B0604030504040204" pitchFamily="34" charset="0"/>
-            </a:endParaRPr>
-          </a:p>
-          <a:p>
-            <a:pPr>
-              <a:lnSpc>
-                <a:spcPct val="150000"/>
-              </a:lnSpc>
-            </a:pPr>
-            <a:r>
-              <a:rPr lang="en-US" sz="1200" u="sng" dirty="0">
-                <a:solidFill>
-                  <a:srgbClr val="002060"/>
-                </a:solidFill>
-                <a:latin typeface="Verdana" panose="020B0604030504040204" pitchFamily="34" charset="0"/>
-                <a:ea typeface="Verdana" panose="020B0604030504040204" pitchFamily="34" charset="0"/>
-              </a:rPr>
-              <a:t>Motivation:</a:t>
-            </a:r>
-          </a:p>
           <a:p>
             <a:pPr marL="628650" lvl="1" indent="-171450">
               <a:lnSpc>
@@ -10029,14 +10407,14 @@
               <a:buChar char="Ø"/>
             </a:pPr>
             <a:r>
-              <a:rPr lang="en-US" sz="1200" dirty="0">
+              <a:rPr lang="en-US" sz="2000" dirty="0">
                 <a:solidFill>
                   <a:srgbClr val="002060"/>
                 </a:solidFill>
                 <a:latin typeface="Verdana" panose="020B0604030504040204" pitchFamily="34" charset="0"/>
                 <a:ea typeface="Verdana" panose="020B0604030504040204" pitchFamily="34" charset="0"/>
               </a:rPr>
-              <a:t>High Performance</a:t>
+              <a:t> Visual Studio 2019 Professional</a:t>
             </a:r>
           </a:p>
           <a:p>
@@ -10048,14 +10426,14 @@
               <a:buChar char="Ø"/>
             </a:pPr>
             <a:r>
-              <a:rPr lang="en-US" sz="1200" dirty="0">
+              <a:rPr lang="en-US" sz="2000" dirty="0">
                 <a:solidFill>
                   <a:srgbClr val="002060"/>
                 </a:solidFill>
                 <a:latin typeface="Verdana" panose="020B0604030504040204" pitchFamily="34" charset="0"/>
                 <a:ea typeface="Verdana" panose="020B0604030504040204" pitchFamily="34" charset="0"/>
               </a:rPr>
-              <a:t>IDL / Contract Based</a:t>
+              <a:t> Azure Data Studio</a:t>
             </a:r>
           </a:p>
           <a:p>
@@ -10067,376 +10445,29 @@
               <a:buChar char="Ø"/>
             </a:pPr>
             <a:r>
-              <a:rPr lang="en-US" sz="1200" dirty="0">
+              <a:rPr lang="en-US" sz="2000" dirty="0">
                 <a:solidFill>
                   <a:srgbClr val="002060"/>
                 </a:solidFill>
                 <a:latin typeface="Verdana" panose="020B0604030504040204" pitchFamily="34" charset="0"/>
                 <a:ea typeface="Verdana" panose="020B0604030504040204" pitchFamily="34" charset="0"/>
               </a:rPr>
-              <a:t>Streaming (Unary, Client, Server, Bi-directional)</a:t>
-            </a:r>
-          </a:p>
-          <a:p>
-            <a:pPr marL="628650" lvl="1" indent="-171450">
-              <a:lnSpc>
-                <a:spcPct val="150000"/>
-              </a:lnSpc>
-              <a:buFont typeface="Wingdings" panose="05000000000000000000" pitchFamily="2" charset="2"/>
-              <a:buChar char="Ø"/>
-            </a:pPr>
-            <a:r>
-              <a:rPr lang="en-US" sz="1200" dirty="0">
-                <a:solidFill>
-                  <a:srgbClr val="002060"/>
-                </a:solidFill>
-                <a:latin typeface="Verdana" panose="020B0604030504040204" pitchFamily="34" charset="0"/>
-                <a:ea typeface="Verdana" panose="020B0604030504040204" pitchFamily="34" charset="0"/>
-              </a:rPr>
-              <a:t>Security (</a:t>
-            </a:r>
-            <a:r>
-              <a:rPr lang="en-US" sz="1200" dirty="0">
-                <a:solidFill>
-                  <a:srgbClr val="002060"/>
-                </a:solidFill>
-                <a:latin typeface="Verdana" panose="020B0604030504040204" pitchFamily="34" charset="0"/>
-                <a:ea typeface="Verdana" panose="020B0604030504040204" pitchFamily="34" charset="0"/>
-                <a:hlinkClick r:id="rId4"/>
-              </a:rPr>
-              <a:t>https://developers.google.com/web/fundamentals/performance/http2</a:t>
-            </a:r>
-            <a:r>
-              <a:rPr lang="en-US" sz="1200" dirty="0">
-                <a:solidFill>
-                  <a:srgbClr val="002060"/>
-                </a:solidFill>
-                <a:latin typeface="Verdana" panose="020B0604030504040204" pitchFamily="34" charset="0"/>
-                <a:ea typeface="Verdana" panose="020B0604030504040204" pitchFamily="34" charset="0"/>
-              </a:rPr>
-              <a:t>)</a:t>
-            </a:r>
-          </a:p>
-          <a:p>
-            <a:pPr marL="628650" lvl="1" indent="-171450">
-              <a:lnSpc>
-                <a:spcPct val="150000"/>
-              </a:lnSpc>
-              <a:buFont typeface="Wingdings" panose="05000000000000000000" pitchFamily="2" charset="2"/>
-              <a:buChar char="Ø"/>
-            </a:pPr>
-            <a:r>
-              <a:rPr lang="en-US" sz="1200" dirty="0">
-                <a:solidFill>
-                  <a:srgbClr val="002060"/>
-                </a:solidFill>
-                <a:latin typeface="Verdana" panose="020B0604030504040204" pitchFamily="34" charset="0"/>
-                <a:ea typeface="Verdana" panose="020B0604030504040204" pitchFamily="34" charset="0"/>
-              </a:rPr>
-              <a:t>Available across ecosystems</a:t>
-            </a:r>
-          </a:p>
-          <a:p>
-            <a:pPr>
-              <a:lnSpc>
-                <a:spcPct val="150000"/>
-              </a:lnSpc>
-            </a:pPr>
-            <a:endParaRPr lang="en-US" sz="1200" dirty="0">
+              <a:t> SQL Server</a:t>
+            </a:r>
+            <a:endParaRPr lang="en-US" sz="2000" dirty="0">
               <a:solidFill>
-                <a:srgbClr val="002060"/>
+                <a:srgbClr val="0070C0"/>
               </a:solidFill>
               <a:latin typeface="Verdana" panose="020B0604030504040204" pitchFamily="34" charset="0"/>
               <a:ea typeface="Verdana" panose="020B0604030504040204" pitchFamily="34" charset="0"/>
             </a:endParaRPr>
           </a:p>
-          <a:p>
-            <a:pPr>
-              <a:lnSpc>
-                <a:spcPct val="150000"/>
-              </a:lnSpc>
-            </a:pPr>
-            <a:r>
-              <a:rPr lang="en-US" sz="1200" u="sng" dirty="0">
-                <a:solidFill>
-                  <a:srgbClr val="002060"/>
-                </a:solidFill>
-                <a:latin typeface="Verdana" panose="020B0604030504040204" pitchFamily="34" charset="0"/>
-                <a:ea typeface="Verdana" panose="020B0604030504040204" pitchFamily="34" charset="0"/>
-              </a:rPr>
-              <a:t>Supported Languages:</a:t>
-            </a:r>
-          </a:p>
-          <a:p>
-            <a:pPr marL="628650" lvl="1" indent="-171450">
-              <a:lnSpc>
-                <a:spcPct val="150000"/>
-              </a:lnSpc>
-              <a:buFont typeface="Wingdings" panose="05000000000000000000" pitchFamily="2" charset="2"/>
-              <a:buChar char="Ø"/>
-            </a:pPr>
-            <a:r>
-              <a:rPr lang="en-US" sz="1200" dirty="0">
-                <a:solidFill>
-                  <a:srgbClr val="002060"/>
-                </a:solidFill>
-                <a:latin typeface="Verdana" panose="020B0604030504040204" pitchFamily="34" charset="0"/>
-                <a:ea typeface="Verdana" panose="020B0604030504040204" pitchFamily="34" charset="0"/>
-              </a:rPr>
-              <a:t>URL: </a:t>
-            </a:r>
-            <a:r>
-              <a:rPr lang="en-US" sz="1200" dirty="0">
-                <a:solidFill>
-                  <a:srgbClr val="002060"/>
-                </a:solidFill>
-                <a:latin typeface="Verdana" panose="020B0604030504040204" pitchFamily="34" charset="0"/>
-                <a:ea typeface="Verdana" panose="020B0604030504040204" pitchFamily="34" charset="0"/>
-                <a:hlinkClick r:id="rId5"/>
-              </a:rPr>
-              <a:t>https://grpc.io/about/#officially-supported-languages-and-platforms</a:t>
-            </a:r>
-            <a:r>
-              <a:rPr lang="en-US" sz="1200" dirty="0">
-                <a:solidFill>
-                  <a:srgbClr val="002060"/>
-                </a:solidFill>
-                <a:latin typeface="Verdana" panose="020B0604030504040204" pitchFamily="34" charset="0"/>
-                <a:ea typeface="Verdana" panose="020B0604030504040204" pitchFamily="34" charset="0"/>
-              </a:rPr>
-              <a:t> </a:t>
-            </a:r>
-            <a:endParaRPr lang="en-IN" sz="1200" dirty="0">
-              <a:solidFill>
-                <a:srgbClr val="002060"/>
-              </a:solidFill>
-              <a:latin typeface="Verdana" panose="020B0604030504040204" pitchFamily="34" charset="0"/>
-              <a:ea typeface="Verdana" panose="020B0604030504040204" pitchFamily="34" charset="0"/>
-            </a:endParaRPr>
-          </a:p>
-          <a:p>
-            <a:pPr marL="628650" lvl="1" indent="-171450">
-              <a:lnSpc>
-                <a:spcPct val="150000"/>
-              </a:lnSpc>
-              <a:buFont typeface="Wingdings" panose="05000000000000000000" pitchFamily="2" charset="2"/>
-              <a:buChar char="Ø"/>
-            </a:pPr>
-            <a:endParaRPr lang="en-IN" sz="1200" dirty="0"/>
-          </a:p>
-        </p:txBody>
-      </p:sp>
-      <p:sp>
-        <p:nvSpPr>
-          <p:cNvPr id="12" name="Footer Placeholder 7">
-            <a:extLst>
-              <a:ext uri="{FF2B5EF4-FFF2-40B4-BE49-F238E27FC236}">
-                <a16:creationId xmlns:a16="http://schemas.microsoft.com/office/drawing/2014/main" id="{64C57949-E349-47D3-A505-A098233AF49D}"/>
-              </a:ext>
-            </a:extLst>
-          </p:cNvPr>
-          <p:cNvSpPr txBox="1">
-            <a:spLocks/>
-          </p:cNvSpPr>
-          <p:nvPr/>
-        </p:nvSpPr>
-        <p:spPr>
-          <a:xfrm>
-            <a:off x="133897" y="6428848"/>
-            <a:ext cx="4114800" cy="365125"/>
-          </a:xfrm>
-          <a:prstGeom prst="rect">
-            <a:avLst/>
-          </a:prstGeom>
-        </p:spPr>
-        <p:txBody>
-          <a:bodyPr vert="horz" lIns="91440" tIns="45720" rIns="91440" bIns="45720" rtlCol="0" anchor="ctr"/>
-          <a:lstStyle>
-            <a:defPPr>
-              <a:defRPr lang="en-US"/>
-            </a:defPPr>
-            <a:lvl1pPr marL="0" algn="ctr" defTabSz="914400" rtl="0" eaLnBrk="1" latinLnBrk="0" hangingPunct="1">
-              <a:defRPr sz="1200" kern="1200">
-                <a:solidFill>
-                  <a:schemeClr val="tx1">
-                    <a:tint val="75000"/>
-                  </a:schemeClr>
-                </a:solidFill>
-                <a:latin typeface="+mn-lt"/>
-                <a:ea typeface="+mn-ea"/>
-                <a:cs typeface="+mn-cs"/>
-              </a:defRPr>
-            </a:lvl1pPr>
-            <a:lvl2pPr marL="457200" algn="l" defTabSz="914400" rtl="0" eaLnBrk="1" latinLnBrk="0" hangingPunct="1">
-              <a:defRPr sz="1800" kern="1200">
-                <a:solidFill>
-                  <a:schemeClr val="tx1"/>
-                </a:solidFill>
-                <a:latin typeface="+mn-lt"/>
-                <a:ea typeface="+mn-ea"/>
-                <a:cs typeface="+mn-cs"/>
-              </a:defRPr>
-            </a:lvl2pPr>
-            <a:lvl3pPr marL="914400" algn="l" defTabSz="914400" rtl="0" eaLnBrk="1" latinLnBrk="0" hangingPunct="1">
-              <a:defRPr sz="1800" kern="1200">
-                <a:solidFill>
-                  <a:schemeClr val="tx1"/>
-                </a:solidFill>
-                <a:latin typeface="+mn-lt"/>
-                <a:ea typeface="+mn-ea"/>
-                <a:cs typeface="+mn-cs"/>
-              </a:defRPr>
-            </a:lvl3pPr>
-            <a:lvl4pPr marL="1371600" algn="l" defTabSz="914400" rtl="0" eaLnBrk="1" latinLnBrk="0" hangingPunct="1">
-              <a:defRPr sz="1800" kern="1200">
-                <a:solidFill>
-                  <a:schemeClr val="tx1"/>
-                </a:solidFill>
-                <a:latin typeface="+mn-lt"/>
-                <a:ea typeface="+mn-ea"/>
-                <a:cs typeface="+mn-cs"/>
-              </a:defRPr>
-            </a:lvl4pPr>
-            <a:lvl5pPr marL="1828800" algn="l" defTabSz="914400" rtl="0" eaLnBrk="1" latinLnBrk="0" hangingPunct="1">
-              <a:defRPr sz="1800" kern="1200">
-                <a:solidFill>
-                  <a:schemeClr val="tx1"/>
-                </a:solidFill>
-                <a:latin typeface="+mn-lt"/>
-                <a:ea typeface="+mn-ea"/>
-                <a:cs typeface="+mn-cs"/>
-              </a:defRPr>
-            </a:lvl5pPr>
-            <a:lvl6pPr marL="2286000" algn="l" defTabSz="914400" rtl="0" eaLnBrk="1" latinLnBrk="0" hangingPunct="1">
-              <a:defRPr sz="1800" kern="1200">
-                <a:solidFill>
-                  <a:schemeClr val="tx1"/>
-                </a:solidFill>
-                <a:latin typeface="+mn-lt"/>
-                <a:ea typeface="+mn-ea"/>
-                <a:cs typeface="+mn-cs"/>
-              </a:defRPr>
-            </a:lvl6pPr>
-            <a:lvl7pPr marL="2743200" algn="l" defTabSz="914400" rtl="0" eaLnBrk="1" latinLnBrk="0" hangingPunct="1">
-              <a:defRPr sz="1800" kern="1200">
-                <a:solidFill>
-                  <a:schemeClr val="tx1"/>
-                </a:solidFill>
-                <a:latin typeface="+mn-lt"/>
-                <a:ea typeface="+mn-ea"/>
-                <a:cs typeface="+mn-cs"/>
-              </a:defRPr>
-            </a:lvl7pPr>
-            <a:lvl8pPr marL="3200400" algn="l" defTabSz="914400" rtl="0" eaLnBrk="1" latinLnBrk="0" hangingPunct="1">
-              <a:defRPr sz="1800" kern="1200">
-                <a:solidFill>
-                  <a:schemeClr val="tx1"/>
-                </a:solidFill>
-                <a:latin typeface="+mn-lt"/>
-                <a:ea typeface="+mn-ea"/>
-                <a:cs typeface="+mn-cs"/>
-              </a:defRPr>
-            </a:lvl8pPr>
-            <a:lvl9pPr marL="3657600" algn="l" defTabSz="914400" rtl="0" eaLnBrk="1" latinLnBrk="0" hangingPunct="1">
-              <a:defRPr sz="1800" kern="1200">
-                <a:solidFill>
-                  <a:schemeClr val="tx1"/>
-                </a:solidFill>
-                <a:latin typeface="+mn-lt"/>
-                <a:ea typeface="+mn-ea"/>
-                <a:cs typeface="+mn-cs"/>
-              </a:defRPr>
-            </a:lvl9pPr>
-          </a:lstStyle>
-          <a:p>
-            <a:r>
-              <a:rPr lang="en-IN" b="1" dirty="0">
-                <a:solidFill>
-                  <a:srgbClr val="002060"/>
-                </a:solidFill>
-                <a:latin typeface="Verdana" panose="020B0604030504040204" pitchFamily="34" charset="0"/>
-                <a:ea typeface="Verdana" panose="020B0604030504040204" pitchFamily="34" charset="0"/>
-              </a:rPr>
-              <a:t>Light Up Virtual Conference</a:t>
-            </a:r>
-          </a:p>
-        </p:txBody>
-      </p:sp>
-      <p:pic>
-        <p:nvPicPr>
-          <p:cNvPr id="3" name="Picture 2" descr="A close up of a sign&#10;&#10;Description automatically generated">
-            <a:extLst>
-              <a:ext uri="{FF2B5EF4-FFF2-40B4-BE49-F238E27FC236}">
-                <a16:creationId xmlns:a16="http://schemas.microsoft.com/office/drawing/2014/main" id="{148E7246-D23E-4D54-A793-244783EA9AF0}"/>
-              </a:ext>
-            </a:extLst>
-          </p:cNvPr>
-          <p:cNvPicPr>
-            <a:picLocks noChangeAspect="1"/>
-          </p:cNvPicPr>
-          <p:nvPr/>
-        </p:nvPicPr>
-        <p:blipFill>
-          <a:blip r:embed="rId6">
-            <a:extLst>
-              <a:ext uri="{28A0092B-C50C-407E-A947-70E740481C1C}">
-                <a14:useLocalDpi xmlns:a14="http://schemas.microsoft.com/office/drawing/2010/main" val="0"/>
-              </a:ext>
-            </a:extLst>
-          </a:blip>
-          <a:stretch>
-            <a:fillRect/>
-          </a:stretch>
-        </p:blipFill>
-        <p:spPr>
-          <a:xfrm>
-            <a:off x="133897" y="206806"/>
-            <a:ext cx="1313168" cy="1331498"/>
-          </a:xfrm>
-          <a:prstGeom prst="rect">
-            <a:avLst/>
-          </a:prstGeom>
-        </p:spPr>
-      </p:pic>
-      <p:pic>
-        <p:nvPicPr>
-          <p:cNvPr id="5" name="Picture 4">
-            <a:extLst>
-              <a:ext uri="{FF2B5EF4-FFF2-40B4-BE49-F238E27FC236}">
-                <a16:creationId xmlns:a16="http://schemas.microsoft.com/office/drawing/2014/main" id="{689D610E-90AC-43F9-8626-5AAFFE659662}"/>
-              </a:ext>
-            </a:extLst>
-          </p:cNvPr>
-          <p:cNvPicPr>
-            <a:picLocks noChangeAspect="1"/>
-          </p:cNvPicPr>
-          <p:nvPr/>
-        </p:nvPicPr>
-        <p:blipFill>
-          <a:blip r:embed="rId7"/>
-          <a:stretch>
-            <a:fillRect/>
-          </a:stretch>
-        </p:blipFill>
-        <p:spPr>
-          <a:xfrm>
-            <a:off x="7306322" y="2645546"/>
-            <a:ext cx="4656379" cy="3610240"/>
-          </a:xfrm>
-          <a:prstGeom prst="rect">
-            <a:avLst/>
-          </a:prstGeom>
-          <a:ln>
-            <a:solidFill>
-              <a:schemeClr val="accent1"/>
-            </a:solidFill>
-          </a:ln>
-        </p:spPr>
-      </p:pic>
+        </p:txBody>
+      </p:sp>
     </p:spTree>
     <p:extLst>
       <p:ext uri="{BB962C8B-B14F-4D97-AF65-F5344CB8AC3E}">
-        <p14:creationId xmlns:p14="http://schemas.microsoft.com/office/powerpoint/2010/main" val="2966724908"/>
+        <p14:creationId xmlns:p14="http://schemas.microsoft.com/office/powerpoint/2010/main" val="3238856053"/>
       </p:ext>
     </p:extLst>
   </p:cSld>
@@ -10513,7 +10544,7 @@
                 <a:latin typeface="Verdana" panose="020B0604030504040204" pitchFamily="34" charset="0"/>
                 <a:ea typeface="Verdana" panose="020B0604030504040204" pitchFamily="34" charset="0"/>
               </a:rPr>
-              <a:t>Improvising the gRPC Service into Layers</a:t>
+              <a:t>What is gRPC ?</a:t>
             </a:r>
             <a:endParaRPr lang="en-IN" b="1" dirty="0">
               <a:latin typeface="Verdana" panose="020B0604030504040204" pitchFamily="34" charset="0"/>
@@ -10674,7 +10705,7 @@
         <p:spPr>
           <a:xfrm>
             <a:off x="80629" y="602214"/>
-            <a:ext cx="12037390" cy="4579331"/>
+            <a:ext cx="12037390" cy="5326715"/>
           </a:xfrm>
           <a:prstGeom prst="rect">
             <a:avLst/>
@@ -10687,25 +10718,157 @@
           </a:bodyPr>
           <a:lstStyle/>
           <a:p>
-            <a:r>
-              <a:rPr lang="en-IN" sz="1200" u="sng" dirty="0" err="1">
+            <a:pPr>
+              <a:lnSpc>
+                <a:spcPct val="200000"/>
+              </a:lnSpc>
+            </a:pPr>
+            <a:r>
+              <a:rPr lang="en-US" sz="1200" dirty="0">
                 <a:solidFill>
                   <a:srgbClr val="002060"/>
                 </a:solidFill>
                 <a:latin typeface="Verdana" panose="020B0604030504040204" pitchFamily="34" charset="0"/>
                 <a:ea typeface="Verdana" panose="020B0604030504040204" pitchFamily="34" charset="0"/>
               </a:rPr>
-              <a:t>College.ApplicationCore</a:t>
-            </a:r>
-            <a:r>
-              <a:rPr lang="en-IN" sz="1200" u="sng" dirty="0">
+              <a:t>                         is a modern open source high performance RPC framework that can run in any environment. It can efficiently connect services in and across data centers with pluggable support for load balancing, tracing, health checking and authentication. It is also applicable in last mile of distributed computing to connect devices, mobile applications and browsers to backend services.</a:t>
+            </a:r>
+          </a:p>
+          <a:p>
+            <a:pPr marL="628650" lvl="1" indent="-171450">
+              <a:lnSpc>
+                <a:spcPct val="200000"/>
+              </a:lnSpc>
+              <a:buFont typeface="Wingdings" panose="05000000000000000000" pitchFamily="2" charset="2"/>
+              <a:buChar char="Ø"/>
+            </a:pPr>
+            <a:r>
+              <a:rPr lang="en-IN" sz="1200" dirty="0">
+                <a:solidFill>
+                  <a:srgbClr val="0070C0"/>
+                </a:solidFill>
+                <a:latin typeface="Verdana" panose="020B0604030504040204" pitchFamily="34" charset="0"/>
+                <a:ea typeface="Verdana" panose="020B0604030504040204" pitchFamily="34" charset="0"/>
+              </a:rPr>
+              <a:t>https://docs.microsoft.com/en-us/aspnet/core/tutorials/grpc/grpc-start?view=aspnetcore-3.1&amp;tabs=visual-studio</a:t>
+            </a:r>
+            <a:endParaRPr lang="en-IN" sz="1200" dirty="0">
+              <a:solidFill>
+                <a:srgbClr val="0070C0"/>
+              </a:solidFill>
+              <a:latin typeface="Verdana" panose="020B0604030504040204" pitchFamily="34" charset="0"/>
+              <a:ea typeface="Verdana" panose="020B0604030504040204" pitchFamily="34" charset="0"/>
+              <a:hlinkClick r:id="rId2">
+                <a:extLst>
+                  <a:ext uri="{A12FA001-AC4F-418D-AE19-62706E023703}">
+                    <ahyp:hlinkClr xmlns:ahyp="http://schemas.microsoft.com/office/drawing/2018/hyperlinkcolor" val="tx"/>
+                  </a:ext>
+                </a:extLst>
+              </a:hlinkClick>
+            </a:endParaRPr>
+          </a:p>
+          <a:p>
+            <a:pPr marL="628650" lvl="1" indent="-171450">
+              <a:lnSpc>
+                <a:spcPct val="200000"/>
+              </a:lnSpc>
+              <a:buFont typeface="Wingdings" panose="05000000000000000000" pitchFamily="2" charset="2"/>
+              <a:buChar char="Ø"/>
+            </a:pPr>
+            <a:r>
+              <a:rPr lang="en-IN" sz="1200" dirty="0">
+                <a:solidFill>
+                  <a:srgbClr val="0070C0"/>
+                </a:solidFill>
+                <a:latin typeface="Verdana" panose="020B0604030504040204" pitchFamily="34" charset="0"/>
+                <a:ea typeface="Verdana" panose="020B0604030504040204" pitchFamily="34" charset="0"/>
+                <a:hlinkClick r:id="rId2">
+                  <a:extLst>
+                    <a:ext uri="{A12FA001-AC4F-418D-AE19-62706E023703}">
+                      <ahyp:hlinkClr xmlns:ahyp="http://schemas.microsoft.com/office/drawing/2018/hyperlinkcolor" val="tx"/>
+                    </a:ext>
+                  </a:extLst>
+                </a:hlinkClick>
+              </a:rPr>
+              <a:t>https://grpc.io/docs/guides/</a:t>
+            </a:r>
+            <a:r>
+              <a:rPr lang="en-IN" sz="1200" dirty="0">
+                <a:solidFill>
+                  <a:srgbClr val="0070C0"/>
+                </a:solidFill>
+                <a:latin typeface="Verdana" panose="020B0604030504040204" pitchFamily="34" charset="0"/>
+                <a:ea typeface="Verdana" panose="020B0604030504040204" pitchFamily="34" charset="0"/>
+              </a:rPr>
+              <a:t> </a:t>
+            </a:r>
+          </a:p>
+          <a:p>
+            <a:pPr marL="628650" lvl="1" indent="-171450">
+              <a:lnSpc>
+                <a:spcPct val="200000"/>
+              </a:lnSpc>
+              <a:buFont typeface="Wingdings" panose="05000000000000000000" pitchFamily="2" charset="2"/>
+              <a:buChar char="Ø"/>
+            </a:pPr>
+            <a:r>
+              <a:rPr lang="en-IN" sz="1200" dirty="0">
                 <a:solidFill>
                   <a:srgbClr val="002060"/>
                 </a:solidFill>
                 <a:latin typeface="Verdana" panose="020B0604030504040204" pitchFamily="34" charset="0"/>
                 <a:ea typeface="Verdana" panose="020B0604030504040204" pitchFamily="34" charset="0"/>
-              </a:rPr>
-              <a:t>:</a:t>
+                <a:hlinkClick r:id="rId3"/>
+              </a:rPr>
+              <a:t>https://grpc.io/docs/guides/concepts/</a:t>
+            </a:r>
+            <a:r>
+              <a:rPr lang="en-IN" sz="1200" dirty="0">
+                <a:solidFill>
+                  <a:srgbClr val="002060"/>
+                </a:solidFill>
+                <a:latin typeface="Verdana" panose="020B0604030504040204" pitchFamily="34" charset="0"/>
+                <a:ea typeface="Verdana" panose="020B0604030504040204" pitchFamily="34" charset="0"/>
+              </a:rPr>
+              <a:t> </a:t>
+            </a:r>
+            <a:endParaRPr lang="en-US" sz="1200" dirty="0">
+              <a:solidFill>
+                <a:srgbClr val="0070C0"/>
+              </a:solidFill>
+              <a:latin typeface="Verdana" panose="020B0604030504040204" pitchFamily="34" charset="0"/>
+              <a:ea typeface="Verdana" panose="020B0604030504040204" pitchFamily="34" charset="0"/>
+            </a:endParaRPr>
+          </a:p>
+          <a:p>
+            <a:pPr>
+              <a:lnSpc>
+                <a:spcPct val="150000"/>
+              </a:lnSpc>
+            </a:pPr>
+            <a:endParaRPr lang="en-US" sz="1200" u="sng" dirty="0">
+              <a:solidFill>
+                <a:srgbClr val="002060"/>
+              </a:solidFill>
+              <a:latin typeface="Verdana" panose="020B0604030504040204" pitchFamily="34" charset="0"/>
+              <a:ea typeface="Verdana" panose="020B0604030504040204" pitchFamily="34" charset="0"/>
+            </a:endParaRPr>
+          </a:p>
+          <a:p>
+            <a:pPr>
+              <a:lnSpc>
+                <a:spcPct val="150000"/>
+              </a:lnSpc>
+            </a:pPr>
+            <a:r>
+              <a:rPr lang="en-US" sz="1200" u="sng" dirty="0">
+                <a:solidFill>
+                  <a:srgbClr val="002060"/>
+                </a:solidFill>
+                <a:latin typeface="Verdana" panose="020B0604030504040204" pitchFamily="34" charset="0"/>
+                <a:ea typeface="Verdana" panose="020B0604030504040204" pitchFamily="34" charset="0"/>
+              </a:rPr>
+              <a:t>Motivation:</a:t>
             </a:r>
           </a:p>
           <a:p>
@@ -10717,14 +10880,14 @@
               <a:buChar char="Ø"/>
             </a:pPr>
             <a:r>
-              <a:rPr lang="en-IN" sz="1200" dirty="0">
+              <a:rPr lang="en-US" sz="1200" dirty="0">
                 <a:solidFill>
                   <a:srgbClr val="002060"/>
                 </a:solidFill>
                 <a:latin typeface="Verdana" panose="020B0604030504040204" pitchFamily="34" charset="0"/>
                 <a:ea typeface="Verdana" panose="020B0604030504040204" pitchFamily="34" charset="0"/>
               </a:rPr>
-              <a:t>Constants</a:t>
+              <a:t>High Performance</a:t>
             </a:r>
           </a:p>
           <a:p>
@@ -10736,14 +10899,14 @@
               <a:buChar char="Ø"/>
             </a:pPr>
             <a:r>
-              <a:rPr lang="en-IN" sz="1200" dirty="0">
+              <a:rPr lang="en-US" sz="1200" dirty="0">
                 <a:solidFill>
                   <a:srgbClr val="002060"/>
                 </a:solidFill>
                 <a:latin typeface="Verdana" panose="020B0604030504040204" pitchFamily="34" charset="0"/>
                 <a:ea typeface="Verdana" panose="020B0604030504040204" pitchFamily="34" charset="0"/>
               </a:rPr>
-              <a:t>Entities</a:t>
+              <a:t>IDL / Contract Based</a:t>
             </a:r>
           </a:p>
           <a:p>
@@ -10755,45 +10918,14 @@
               <a:buChar char="Ø"/>
             </a:pPr>
             <a:r>
-              <a:rPr lang="en-IN" sz="1200" dirty="0">
+              <a:rPr lang="en-US" sz="1200" dirty="0">
                 <a:solidFill>
                   <a:srgbClr val="002060"/>
                 </a:solidFill>
                 <a:latin typeface="Verdana" panose="020B0604030504040204" pitchFamily="34" charset="0"/>
                 <a:ea typeface="Verdana" panose="020B0604030504040204" pitchFamily="34" charset="0"/>
               </a:rPr>
-              <a:t>Interfaces</a:t>
-            </a:r>
-          </a:p>
-          <a:p>
-            <a:br>
-              <a:rPr lang="en-IN" sz="1200" dirty="0">
-                <a:solidFill>
-                  <a:srgbClr val="002060"/>
-                </a:solidFill>
-                <a:latin typeface="Verdana" panose="020B0604030504040204" pitchFamily="34" charset="0"/>
-                <a:ea typeface="Verdana" panose="020B0604030504040204" pitchFamily="34" charset="0"/>
-              </a:rPr>
-            </a:br>
-            <a:r>
-              <a:rPr lang="en-IN" sz="1200" u="sng" dirty="0" err="1">
-                <a:solidFill>
-                  <a:srgbClr val="002060"/>
-                </a:solidFill>
-                <a:latin typeface="Verdana" panose="020B0604030504040204" pitchFamily="34" charset="0"/>
-                <a:ea typeface="Verdana" panose="020B0604030504040204" pitchFamily="34" charset="0"/>
-              </a:rPr>
-              <a:t>College.GrpcServer</a:t>
-            </a:r>
-            <a:r>
-              <a:rPr lang="en-IN" sz="1200" u="sng" dirty="0">
-                <a:solidFill>
-                  <a:srgbClr val="002060"/>
-                </a:solidFill>
-                <a:latin typeface="Verdana" panose="020B0604030504040204" pitchFamily="34" charset="0"/>
-                <a:ea typeface="Verdana" panose="020B0604030504040204" pitchFamily="34" charset="0"/>
-              </a:rPr>
-              <a:t>:</a:t>
+              <a:t>Streaming (Unary, Client, Server, Bi-directional)</a:t>
             </a:r>
           </a:p>
           <a:p>
@@ -10805,14 +10937,35 @@
               <a:buChar char="Ø"/>
             </a:pPr>
             <a:r>
-              <a:rPr lang="en-IN" sz="1200" dirty="0">
+              <a:rPr lang="en-US" sz="1200" dirty="0">
                 <a:solidFill>
                   <a:srgbClr val="002060"/>
                 </a:solidFill>
                 <a:latin typeface="Verdana" panose="020B0604030504040204" pitchFamily="34" charset="0"/>
                 <a:ea typeface="Verdana" panose="020B0604030504040204" pitchFamily="34" charset="0"/>
               </a:rPr>
-              <a:t>.Proto files</a:t>
+              <a:t>Security (</a:t>
+            </a:r>
+            <a:r>
+              <a:rPr lang="en-US" sz="1200" dirty="0">
+                <a:solidFill>
+                  <a:srgbClr val="002060"/>
+                </a:solidFill>
+                <a:latin typeface="Verdana" panose="020B0604030504040204" pitchFamily="34" charset="0"/>
+                <a:ea typeface="Verdana" panose="020B0604030504040204" pitchFamily="34" charset="0"/>
+                <a:hlinkClick r:id="rId4"/>
+              </a:rPr>
+              <a:t>https://developers.google.com/web/fundamentals/performance/http2</a:t>
+            </a:r>
+            <a:r>
+              <a:rPr lang="en-US" sz="1200" dirty="0">
+                <a:solidFill>
+                  <a:srgbClr val="002060"/>
+                </a:solidFill>
+                <a:latin typeface="Verdana" panose="020B0604030504040204" pitchFamily="34" charset="0"/>
+                <a:ea typeface="Verdana" panose="020B0604030504040204" pitchFamily="34" charset="0"/>
+              </a:rPr>
+              <a:t>)</a:t>
             </a:r>
           </a:p>
           <a:p>
@@ -10824,102 +10977,14 @@
               <a:buChar char="Ø"/>
             </a:pPr>
             <a:r>
-              <a:rPr lang="en-IN" sz="1200" dirty="0">
+              <a:rPr lang="en-US" sz="1200" dirty="0">
                 <a:solidFill>
                   <a:srgbClr val="002060"/>
                 </a:solidFill>
                 <a:latin typeface="Verdana" panose="020B0604030504040204" pitchFamily="34" charset="0"/>
                 <a:ea typeface="Verdana" panose="020B0604030504040204" pitchFamily="34" charset="0"/>
               </a:rPr>
-              <a:t>gRPC Server implementations</a:t>
-            </a:r>
-          </a:p>
-          <a:p>
-            <a:pPr marL="628650" lvl="1" indent="-171450">
-              <a:lnSpc>
-                <a:spcPct val="150000"/>
-              </a:lnSpc>
-              <a:buFont typeface="Wingdings" panose="05000000000000000000" pitchFamily="2" charset="2"/>
-              <a:buChar char="Ø"/>
-            </a:pPr>
-            <a:r>
-              <a:rPr lang="en-IN" sz="1200" dirty="0">
-                <a:solidFill>
-                  <a:srgbClr val="002060"/>
-                </a:solidFill>
-                <a:latin typeface="Verdana" panose="020B0604030504040204" pitchFamily="34" charset="0"/>
-                <a:ea typeface="Verdana" panose="020B0604030504040204" pitchFamily="34" charset="0"/>
-              </a:rPr>
-              <a:t>Application Configuration </a:t>
-            </a:r>
-          </a:p>
-          <a:p>
-            <a:pPr marL="628650" lvl="1" indent="-171450">
-              <a:lnSpc>
-                <a:spcPct val="150000"/>
-              </a:lnSpc>
-              <a:buFont typeface="Wingdings" panose="05000000000000000000" pitchFamily="2" charset="2"/>
-              <a:buChar char="Ø"/>
-            </a:pPr>
-            <a:r>
-              <a:rPr lang="en-IN" sz="1200" dirty="0">
-                <a:solidFill>
-                  <a:srgbClr val="002060"/>
-                </a:solidFill>
-                <a:latin typeface="Verdana" panose="020B0604030504040204" pitchFamily="34" charset="0"/>
-                <a:ea typeface="Verdana" panose="020B0604030504040204" pitchFamily="34" charset="0"/>
-              </a:rPr>
-              <a:t>Start up and DI</a:t>
-            </a:r>
-          </a:p>
-          <a:p>
-            <a:br>
-              <a:rPr lang="en-IN" sz="1200" dirty="0">
-                <a:solidFill>
-                  <a:srgbClr val="002060"/>
-                </a:solidFill>
-                <a:latin typeface="Verdana" panose="020B0604030504040204" pitchFamily="34" charset="0"/>
-                <a:ea typeface="Verdana" panose="020B0604030504040204" pitchFamily="34" charset="0"/>
-              </a:rPr>
-            </a:br>
-            <a:r>
-              <a:rPr lang="en-IN" sz="1200" u="sng" dirty="0" err="1">
-                <a:solidFill>
-                  <a:srgbClr val="002060"/>
-                </a:solidFill>
-                <a:latin typeface="Verdana" panose="020B0604030504040204" pitchFamily="34" charset="0"/>
-                <a:ea typeface="Verdana" panose="020B0604030504040204" pitchFamily="34" charset="0"/>
-              </a:rPr>
-              <a:t>College.ServerBLL</a:t>
-            </a:r>
-            <a:r>
-              <a:rPr lang="en-IN" sz="1200" u="sng" dirty="0">
-                <a:solidFill>
-                  <a:srgbClr val="002060"/>
-                </a:solidFill>
-                <a:latin typeface="Verdana" panose="020B0604030504040204" pitchFamily="34" charset="0"/>
-                <a:ea typeface="Verdana" panose="020B0604030504040204" pitchFamily="34" charset="0"/>
-              </a:rPr>
-              <a:t>:</a:t>
-            </a:r>
-          </a:p>
-          <a:p>
-            <a:pPr marL="628650" lvl="1" indent="-171450">
-              <a:lnSpc>
-                <a:spcPct val="150000"/>
-              </a:lnSpc>
-              <a:buFont typeface="Wingdings" panose="05000000000000000000" pitchFamily="2" charset="2"/>
-              <a:buChar char="Ø"/>
-            </a:pPr>
-            <a:r>
-              <a:rPr lang="en-IN" sz="1200" dirty="0">
-                <a:solidFill>
-                  <a:srgbClr val="002060"/>
-                </a:solidFill>
-                <a:latin typeface="Verdana" panose="020B0604030504040204" pitchFamily="34" charset="0"/>
-                <a:ea typeface="Verdana" panose="020B0604030504040204" pitchFamily="34" charset="0"/>
-              </a:rPr>
-              <a:t>Any Business Logic</a:t>
+              <a:t>Available across ecosystems</a:t>
             </a:r>
           </a:p>
           <a:p>
@@ -10943,24 +11008,14 @@
               </a:lnSpc>
             </a:pPr>
             <a:r>
-              <a:rPr lang="en-IN" sz="1200" u="sng" dirty="0" err="1">
+              <a:rPr lang="en-US" sz="1200" u="sng" dirty="0">
                 <a:solidFill>
                   <a:srgbClr val="002060"/>
                 </a:solidFill>
                 <a:latin typeface="Verdana" panose="020B0604030504040204" pitchFamily="34" charset="0"/>
                 <a:ea typeface="Verdana" panose="020B0604030504040204" pitchFamily="34" charset="0"/>
               </a:rPr>
-              <a:t>College.ServerDAL</a:t>
-            </a:r>
-            <a:r>
-              <a:rPr lang="en-IN" sz="1200" u="sng" dirty="0">
-                <a:solidFill>
-                  <a:srgbClr val="002060"/>
-                </a:solidFill>
-                <a:latin typeface="Verdana" panose="020B0604030504040204" pitchFamily="34" charset="0"/>
-                <a:ea typeface="Verdana" panose="020B0604030504040204" pitchFamily="34" charset="0"/>
-              </a:rPr>
-              <a:t>:</a:t>
+              <a:t>Supported Languages:</a:t>
             </a:r>
           </a:p>
           <a:p>
@@ -10972,15 +11027,43 @@
               <a:buChar char="Ø"/>
             </a:pPr>
             <a:r>
-              <a:rPr lang="en-IN" sz="1200" dirty="0">
+              <a:rPr lang="en-US" sz="1200" dirty="0">
                 <a:solidFill>
                   <a:srgbClr val="002060"/>
                 </a:solidFill>
                 <a:latin typeface="Verdana" panose="020B0604030504040204" pitchFamily="34" charset="0"/>
                 <a:ea typeface="Verdana" panose="020B0604030504040204" pitchFamily="34" charset="0"/>
               </a:rPr>
-              <a:t>Db Context</a:t>
-            </a:r>
+              <a:t>URL: </a:t>
+            </a:r>
+            <a:r>
+              <a:rPr lang="en-US" sz="1200" dirty="0">
+                <a:solidFill>
+                  <a:srgbClr val="002060"/>
+                </a:solidFill>
+                <a:latin typeface="Verdana" panose="020B0604030504040204" pitchFamily="34" charset="0"/>
+                <a:ea typeface="Verdana" panose="020B0604030504040204" pitchFamily="34" charset="0"/>
+                <a:hlinkClick r:id="rId5"/>
+              </a:rPr>
+              <a:t>https://grpc.io/about/#officially-supported-languages-and-platforms</a:t>
+            </a:r>
+            <a:r>
+              <a:rPr lang="en-US" sz="1200" dirty="0">
+                <a:solidFill>
+                  <a:srgbClr val="002060"/>
+                </a:solidFill>
+                <a:latin typeface="Verdana" panose="020B0604030504040204" pitchFamily="34" charset="0"/>
+                <a:ea typeface="Verdana" panose="020B0604030504040204" pitchFamily="34" charset="0"/>
+              </a:rPr>
+              <a:t> </a:t>
+            </a:r>
+            <a:endParaRPr lang="en-IN" sz="1200" dirty="0">
+              <a:solidFill>
+                <a:srgbClr val="002060"/>
+              </a:solidFill>
+              <a:latin typeface="Verdana" panose="020B0604030504040204" pitchFamily="34" charset="0"/>
+              <a:ea typeface="Verdana" panose="020B0604030504040204" pitchFamily="34" charset="0"/>
+            </a:endParaRPr>
           </a:p>
           <a:p>
             <a:pPr marL="628650" lvl="1" indent="-171450">
@@ -10990,30 +11073,7 @@
               <a:buFont typeface="Wingdings" panose="05000000000000000000" pitchFamily="2" charset="2"/>
               <a:buChar char="Ø"/>
             </a:pPr>
-            <a:r>
-              <a:rPr lang="en-IN" sz="1200" dirty="0">
-                <a:solidFill>
-                  <a:srgbClr val="002060"/>
-                </a:solidFill>
-                <a:latin typeface="Verdana" panose="020B0604030504040204" pitchFamily="34" charset="0"/>
-                <a:ea typeface="Verdana" panose="020B0604030504040204" pitchFamily="34" charset="0"/>
-              </a:rPr>
-              <a:t>Data Access Layer which consumes Db Context</a:t>
-            </a:r>
-          </a:p>
-          <a:p>
-            <a:pPr>
-              <a:lnSpc>
-                <a:spcPct val="150000"/>
-              </a:lnSpc>
-            </a:pPr>
-            <a:endParaRPr lang="en-US" sz="1200" dirty="0">
-              <a:solidFill>
-                <a:srgbClr val="002060"/>
-              </a:solidFill>
-              <a:latin typeface="Verdana" panose="020B0604030504040204" pitchFamily="34" charset="0"/>
-              <a:ea typeface="Verdana" panose="020B0604030504040204" pitchFamily="34" charset="0"/>
-            </a:endParaRPr>
+            <a:endParaRPr lang="en-IN" sz="1200" dirty="0"/>
           </a:p>
         </p:txBody>
       </p:sp>
@@ -11155,10 +11215,10 @@
       </p:sp>
       <p:pic>
         <p:nvPicPr>
-          <p:cNvPr id="2" name="Picture 1">
-            <a:extLst>
-              <a:ext uri="{FF2B5EF4-FFF2-40B4-BE49-F238E27FC236}">
-                <a16:creationId xmlns:a16="http://schemas.microsoft.com/office/drawing/2014/main" id="{5C61BEF2-B9A3-48A1-ADE3-6AFE999E61B6}"/>
+          <p:cNvPr id="3" name="Picture 2" descr="A close up of a sign&#10;&#10;Description automatically generated">
+            <a:extLst>
+              <a:ext uri="{FF2B5EF4-FFF2-40B4-BE49-F238E27FC236}">
+                <a16:creationId xmlns:a16="http://schemas.microsoft.com/office/drawing/2014/main" id="{148E7246-D23E-4D54-A793-244783EA9AF0}"/>
               </a:ext>
             </a:extLst>
           </p:cNvPr>
@@ -11168,15 +11228,51 @@
           <p:nvPr/>
         </p:nvPicPr>
         <p:blipFill>
-          <a:blip r:embed="rId2"/>
+          <a:blip r:embed="rId6">
+            <a:extLst>
+              <a:ext uri="{28A0092B-C50C-407E-A947-70E740481C1C}">
+                <a14:useLocalDpi xmlns:a14="http://schemas.microsoft.com/office/drawing/2010/main" val="0"/>
+              </a:ext>
+            </a:extLst>
+          </a:blip>
           <a:stretch>
             <a:fillRect/>
           </a:stretch>
         </p:blipFill>
         <p:spPr>
           <a:xfrm>
-            <a:off x="8065366" y="621438"/>
-            <a:ext cx="3962400" cy="5606280"/>
+            <a:off x="133897" y="206806"/>
+            <a:ext cx="1313168" cy="1331498"/>
+          </a:xfrm>
+          <a:prstGeom prst="rect">
+            <a:avLst/>
+          </a:prstGeom>
+        </p:spPr>
+      </p:pic>
+      <p:pic>
+        <p:nvPicPr>
+          <p:cNvPr id="5" name="Picture 4">
+            <a:extLst>
+              <a:ext uri="{FF2B5EF4-FFF2-40B4-BE49-F238E27FC236}">
+                <a16:creationId xmlns:a16="http://schemas.microsoft.com/office/drawing/2014/main" id="{689D610E-90AC-43F9-8626-5AAFFE659662}"/>
+              </a:ext>
+            </a:extLst>
+          </p:cNvPr>
+          <p:cNvPicPr>
+            <a:picLocks noChangeAspect="1"/>
+          </p:cNvPicPr>
+          <p:nvPr/>
+        </p:nvPicPr>
+        <p:blipFill>
+          <a:blip r:embed="rId7"/>
+          <a:stretch>
+            <a:fillRect/>
+          </a:stretch>
+        </p:blipFill>
+        <p:spPr>
+          <a:xfrm>
+            <a:off x="7306322" y="2645546"/>
+            <a:ext cx="4656379" cy="3610240"/>
           </a:xfrm>
           <a:prstGeom prst="rect">
             <a:avLst/>
@@ -11191,7 +11287,7 @@
     </p:spTree>
     <p:extLst>
       <p:ext uri="{BB962C8B-B14F-4D97-AF65-F5344CB8AC3E}">
-        <p14:creationId xmlns:p14="http://schemas.microsoft.com/office/powerpoint/2010/main" val="3386103362"/>
+        <p14:creationId xmlns:p14="http://schemas.microsoft.com/office/powerpoint/2010/main" val="2966724908"/>
       </p:ext>
     </p:extLst>
   </p:cSld>
@@ -11416,6 +11512,364 @@
       </p:sp>
       <p:sp>
         <p:nvSpPr>
+          <p:cNvPr id="10" name="TextBox 9">
+            <a:extLst>
+              <a:ext uri="{FF2B5EF4-FFF2-40B4-BE49-F238E27FC236}">
+                <a16:creationId xmlns:a16="http://schemas.microsoft.com/office/drawing/2014/main" id="{01677BED-4C67-48F6-8772-07696F9A1F04}"/>
+              </a:ext>
+            </a:extLst>
+          </p:cNvPr>
+          <p:cNvSpPr txBox="1"/>
+          <p:nvPr/>
+        </p:nvSpPr>
+        <p:spPr>
+          <a:xfrm>
+            <a:off x="80629" y="602214"/>
+            <a:ext cx="12037390" cy="4579331"/>
+          </a:xfrm>
+          <a:prstGeom prst="rect">
+            <a:avLst/>
+          </a:prstGeom>
+          <a:noFill/>
+        </p:spPr>
+        <p:txBody>
+          <a:bodyPr wrap="square" rtlCol="0">
+            <a:spAutoFit/>
+          </a:bodyPr>
+          <a:lstStyle/>
+          <a:p>
+            <a:r>
+              <a:rPr lang="en-IN" sz="1200" u="sng" dirty="0" err="1">
+                <a:solidFill>
+                  <a:srgbClr val="002060"/>
+                </a:solidFill>
+                <a:latin typeface="Verdana" panose="020B0604030504040204" pitchFamily="34" charset="0"/>
+                <a:ea typeface="Verdana" panose="020B0604030504040204" pitchFamily="34" charset="0"/>
+              </a:rPr>
+              <a:t>College.ApplicationCore</a:t>
+            </a:r>
+            <a:r>
+              <a:rPr lang="en-IN" sz="1200" u="sng" dirty="0">
+                <a:solidFill>
+                  <a:srgbClr val="002060"/>
+                </a:solidFill>
+                <a:latin typeface="Verdana" panose="020B0604030504040204" pitchFamily="34" charset="0"/>
+                <a:ea typeface="Verdana" panose="020B0604030504040204" pitchFamily="34" charset="0"/>
+              </a:rPr>
+              <a:t>:</a:t>
+            </a:r>
+          </a:p>
+          <a:p>
+            <a:pPr marL="628650" lvl="1" indent="-171450">
+              <a:lnSpc>
+                <a:spcPct val="150000"/>
+              </a:lnSpc>
+              <a:buFont typeface="Wingdings" panose="05000000000000000000" pitchFamily="2" charset="2"/>
+              <a:buChar char="Ø"/>
+            </a:pPr>
+            <a:r>
+              <a:rPr lang="en-IN" sz="1200" dirty="0">
+                <a:solidFill>
+                  <a:srgbClr val="002060"/>
+                </a:solidFill>
+                <a:latin typeface="Verdana" panose="020B0604030504040204" pitchFamily="34" charset="0"/>
+                <a:ea typeface="Verdana" panose="020B0604030504040204" pitchFamily="34" charset="0"/>
+              </a:rPr>
+              <a:t>Constants</a:t>
+            </a:r>
+          </a:p>
+          <a:p>
+            <a:pPr marL="628650" lvl="1" indent="-171450">
+              <a:lnSpc>
+                <a:spcPct val="150000"/>
+              </a:lnSpc>
+              <a:buFont typeface="Wingdings" panose="05000000000000000000" pitchFamily="2" charset="2"/>
+              <a:buChar char="Ø"/>
+            </a:pPr>
+            <a:r>
+              <a:rPr lang="en-IN" sz="1200" dirty="0">
+                <a:solidFill>
+                  <a:srgbClr val="002060"/>
+                </a:solidFill>
+                <a:latin typeface="Verdana" panose="020B0604030504040204" pitchFamily="34" charset="0"/>
+                <a:ea typeface="Verdana" panose="020B0604030504040204" pitchFamily="34" charset="0"/>
+              </a:rPr>
+              <a:t>Entities</a:t>
+            </a:r>
+          </a:p>
+          <a:p>
+            <a:pPr marL="628650" lvl="1" indent="-171450">
+              <a:lnSpc>
+                <a:spcPct val="150000"/>
+              </a:lnSpc>
+              <a:buFont typeface="Wingdings" panose="05000000000000000000" pitchFamily="2" charset="2"/>
+              <a:buChar char="Ø"/>
+            </a:pPr>
+            <a:r>
+              <a:rPr lang="en-IN" sz="1200" dirty="0">
+                <a:solidFill>
+                  <a:srgbClr val="002060"/>
+                </a:solidFill>
+                <a:latin typeface="Verdana" panose="020B0604030504040204" pitchFamily="34" charset="0"/>
+                <a:ea typeface="Verdana" panose="020B0604030504040204" pitchFamily="34" charset="0"/>
+              </a:rPr>
+              <a:t>Interfaces</a:t>
+            </a:r>
+          </a:p>
+          <a:p>
+            <a:br>
+              <a:rPr lang="en-IN" sz="1200" dirty="0">
+                <a:solidFill>
+                  <a:srgbClr val="002060"/>
+                </a:solidFill>
+                <a:latin typeface="Verdana" panose="020B0604030504040204" pitchFamily="34" charset="0"/>
+                <a:ea typeface="Verdana" panose="020B0604030504040204" pitchFamily="34" charset="0"/>
+              </a:rPr>
+            </a:br>
+            <a:r>
+              <a:rPr lang="en-IN" sz="1200" u="sng" dirty="0" err="1">
+                <a:solidFill>
+                  <a:srgbClr val="002060"/>
+                </a:solidFill>
+                <a:latin typeface="Verdana" panose="020B0604030504040204" pitchFamily="34" charset="0"/>
+                <a:ea typeface="Verdana" panose="020B0604030504040204" pitchFamily="34" charset="0"/>
+              </a:rPr>
+              <a:t>College.GrpcServer</a:t>
+            </a:r>
+            <a:r>
+              <a:rPr lang="en-IN" sz="1200" u="sng" dirty="0">
+                <a:solidFill>
+                  <a:srgbClr val="002060"/>
+                </a:solidFill>
+                <a:latin typeface="Verdana" panose="020B0604030504040204" pitchFamily="34" charset="0"/>
+                <a:ea typeface="Verdana" panose="020B0604030504040204" pitchFamily="34" charset="0"/>
+              </a:rPr>
+              <a:t>:</a:t>
+            </a:r>
+          </a:p>
+          <a:p>
+            <a:pPr marL="628650" lvl="1" indent="-171450">
+              <a:lnSpc>
+                <a:spcPct val="150000"/>
+              </a:lnSpc>
+              <a:buFont typeface="Wingdings" panose="05000000000000000000" pitchFamily="2" charset="2"/>
+              <a:buChar char="Ø"/>
+            </a:pPr>
+            <a:r>
+              <a:rPr lang="en-IN" sz="1200" dirty="0">
+                <a:solidFill>
+                  <a:srgbClr val="002060"/>
+                </a:solidFill>
+                <a:latin typeface="Verdana" panose="020B0604030504040204" pitchFamily="34" charset="0"/>
+                <a:ea typeface="Verdana" panose="020B0604030504040204" pitchFamily="34" charset="0"/>
+              </a:rPr>
+              <a:t>.Proto files</a:t>
+            </a:r>
+          </a:p>
+          <a:p>
+            <a:pPr marL="628650" lvl="1" indent="-171450">
+              <a:lnSpc>
+                <a:spcPct val="150000"/>
+              </a:lnSpc>
+              <a:buFont typeface="Wingdings" panose="05000000000000000000" pitchFamily="2" charset="2"/>
+              <a:buChar char="Ø"/>
+            </a:pPr>
+            <a:r>
+              <a:rPr lang="en-IN" sz="1200" dirty="0">
+                <a:solidFill>
+                  <a:srgbClr val="002060"/>
+                </a:solidFill>
+                <a:latin typeface="Verdana" panose="020B0604030504040204" pitchFamily="34" charset="0"/>
+                <a:ea typeface="Verdana" panose="020B0604030504040204" pitchFamily="34" charset="0"/>
+              </a:rPr>
+              <a:t>gRPC Server implementations</a:t>
+            </a:r>
+          </a:p>
+          <a:p>
+            <a:pPr marL="628650" lvl="1" indent="-171450">
+              <a:lnSpc>
+                <a:spcPct val="150000"/>
+              </a:lnSpc>
+              <a:buFont typeface="Wingdings" panose="05000000000000000000" pitchFamily="2" charset="2"/>
+              <a:buChar char="Ø"/>
+            </a:pPr>
+            <a:r>
+              <a:rPr lang="en-IN" sz="1200" dirty="0">
+                <a:solidFill>
+                  <a:srgbClr val="002060"/>
+                </a:solidFill>
+                <a:latin typeface="Verdana" panose="020B0604030504040204" pitchFamily="34" charset="0"/>
+                <a:ea typeface="Verdana" panose="020B0604030504040204" pitchFamily="34" charset="0"/>
+              </a:rPr>
+              <a:t>Application Configuration </a:t>
+            </a:r>
+          </a:p>
+          <a:p>
+            <a:pPr marL="628650" lvl="1" indent="-171450">
+              <a:lnSpc>
+                <a:spcPct val="150000"/>
+              </a:lnSpc>
+              <a:buFont typeface="Wingdings" panose="05000000000000000000" pitchFamily="2" charset="2"/>
+              <a:buChar char="Ø"/>
+            </a:pPr>
+            <a:r>
+              <a:rPr lang="en-IN" sz="1200" dirty="0">
+                <a:solidFill>
+                  <a:srgbClr val="002060"/>
+                </a:solidFill>
+                <a:latin typeface="Verdana" panose="020B0604030504040204" pitchFamily="34" charset="0"/>
+                <a:ea typeface="Verdana" panose="020B0604030504040204" pitchFamily="34" charset="0"/>
+              </a:rPr>
+              <a:t>Start up and DI</a:t>
+            </a:r>
+          </a:p>
+          <a:p>
+            <a:br>
+              <a:rPr lang="en-IN" sz="1200" dirty="0">
+                <a:solidFill>
+                  <a:srgbClr val="002060"/>
+                </a:solidFill>
+                <a:latin typeface="Verdana" panose="020B0604030504040204" pitchFamily="34" charset="0"/>
+                <a:ea typeface="Verdana" panose="020B0604030504040204" pitchFamily="34" charset="0"/>
+              </a:rPr>
+            </a:br>
+            <a:r>
+              <a:rPr lang="en-IN" sz="1200" u="sng" dirty="0" err="1">
+                <a:solidFill>
+                  <a:srgbClr val="002060"/>
+                </a:solidFill>
+                <a:latin typeface="Verdana" panose="020B0604030504040204" pitchFamily="34" charset="0"/>
+                <a:ea typeface="Verdana" panose="020B0604030504040204" pitchFamily="34" charset="0"/>
+              </a:rPr>
+              <a:t>College.ServerBLL</a:t>
+            </a:r>
+            <a:r>
+              <a:rPr lang="en-IN" sz="1200" u="sng" dirty="0">
+                <a:solidFill>
+                  <a:srgbClr val="002060"/>
+                </a:solidFill>
+                <a:latin typeface="Verdana" panose="020B0604030504040204" pitchFamily="34" charset="0"/>
+                <a:ea typeface="Verdana" panose="020B0604030504040204" pitchFamily="34" charset="0"/>
+              </a:rPr>
+              <a:t>:</a:t>
+            </a:r>
+          </a:p>
+          <a:p>
+            <a:pPr marL="628650" lvl="1" indent="-171450">
+              <a:lnSpc>
+                <a:spcPct val="150000"/>
+              </a:lnSpc>
+              <a:buFont typeface="Wingdings" panose="05000000000000000000" pitchFamily="2" charset="2"/>
+              <a:buChar char="Ø"/>
+            </a:pPr>
+            <a:r>
+              <a:rPr lang="en-IN" sz="1200" dirty="0">
+                <a:solidFill>
+                  <a:srgbClr val="002060"/>
+                </a:solidFill>
+                <a:latin typeface="Verdana" panose="020B0604030504040204" pitchFamily="34" charset="0"/>
+                <a:ea typeface="Verdana" panose="020B0604030504040204" pitchFamily="34" charset="0"/>
+              </a:rPr>
+              <a:t>Any Business Logic</a:t>
+            </a:r>
+          </a:p>
+          <a:p>
+            <a:pPr>
+              <a:lnSpc>
+                <a:spcPct val="150000"/>
+              </a:lnSpc>
+            </a:pPr>
+            <a:endParaRPr lang="en-US" sz="1200" dirty="0">
+              <a:solidFill>
+                <a:srgbClr val="002060"/>
+              </a:solidFill>
+              <a:latin typeface="Verdana" panose="020B0604030504040204" pitchFamily="34" charset="0"/>
+              <a:ea typeface="Verdana" panose="020B0604030504040204" pitchFamily="34" charset="0"/>
+            </a:endParaRPr>
+          </a:p>
+          <a:p>
+            <a:pPr>
+              <a:lnSpc>
+                <a:spcPct val="150000"/>
+              </a:lnSpc>
+            </a:pPr>
+            <a:r>
+              <a:rPr lang="en-IN" sz="1200" u="sng" dirty="0" err="1">
+                <a:solidFill>
+                  <a:srgbClr val="002060"/>
+                </a:solidFill>
+                <a:latin typeface="Verdana" panose="020B0604030504040204" pitchFamily="34" charset="0"/>
+                <a:ea typeface="Verdana" panose="020B0604030504040204" pitchFamily="34" charset="0"/>
+              </a:rPr>
+              <a:t>College.ServerDAL</a:t>
+            </a:r>
+            <a:r>
+              <a:rPr lang="en-IN" sz="1200" u="sng" dirty="0">
+                <a:solidFill>
+                  <a:srgbClr val="002060"/>
+                </a:solidFill>
+                <a:latin typeface="Verdana" panose="020B0604030504040204" pitchFamily="34" charset="0"/>
+                <a:ea typeface="Verdana" panose="020B0604030504040204" pitchFamily="34" charset="0"/>
+              </a:rPr>
+              <a:t>:</a:t>
+            </a:r>
+          </a:p>
+          <a:p>
+            <a:pPr marL="628650" lvl="1" indent="-171450">
+              <a:lnSpc>
+                <a:spcPct val="150000"/>
+              </a:lnSpc>
+              <a:buFont typeface="Wingdings" panose="05000000000000000000" pitchFamily="2" charset="2"/>
+              <a:buChar char="Ø"/>
+            </a:pPr>
+            <a:r>
+              <a:rPr lang="en-IN" sz="1200" dirty="0">
+                <a:solidFill>
+                  <a:srgbClr val="002060"/>
+                </a:solidFill>
+                <a:latin typeface="Verdana" panose="020B0604030504040204" pitchFamily="34" charset="0"/>
+                <a:ea typeface="Verdana" panose="020B0604030504040204" pitchFamily="34" charset="0"/>
+              </a:rPr>
+              <a:t>Db Context</a:t>
+            </a:r>
+          </a:p>
+          <a:p>
+            <a:pPr marL="628650" lvl="1" indent="-171450">
+              <a:lnSpc>
+                <a:spcPct val="150000"/>
+              </a:lnSpc>
+              <a:buFont typeface="Wingdings" panose="05000000000000000000" pitchFamily="2" charset="2"/>
+              <a:buChar char="Ø"/>
+            </a:pPr>
+            <a:r>
+              <a:rPr lang="en-IN" sz="1200" dirty="0">
+                <a:solidFill>
+                  <a:srgbClr val="002060"/>
+                </a:solidFill>
+                <a:latin typeface="Verdana" panose="020B0604030504040204" pitchFamily="34" charset="0"/>
+                <a:ea typeface="Verdana" panose="020B0604030504040204" pitchFamily="34" charset="0"/>
+              </a:rPr>
+              <a:t>Data Access Layer which consumes Db Context</a:t>
+            </a:r>
+          </a:p>
+          <a:p>
+            <a:pPr>
+              <a:lnSpc>
+                <a:spcPct val="150000"/>
+              </a:lnSpc>
+            </a:pPr>
+            <a:endParaRPr lang="en-US" sz="1200" dirty="0">
+              <a:solidFill>
+                <a:srgbClr val="002060"/>
+              </a:solidFill>
+              <a:latin typeface="Verdana" panose="020B0604030504040204" pitchFamily="34" charset="0"/>
+              <a:ea typeface="Verdana" panose="020B0604030504040204" pitchFamily="34" charset="0"/>
+            </a:endParaRPr>
+          </a:p>
+        </p:txBody>
+      </p:sp>
+      <p:sp>
+        <p:nvSpPr>
           <p:cNvPr id="12" name="Footer Placeholder 7">
             <a:extLst>
               <a:ext uri="{FF2B5EF4-FFF2-40B4-BE49-F238E27FC236}">
@@ -11550,154 +12004,45 @@
           </a:p>
         </p:txBody>
       </p:sp>
-      <p:sp>
-        <p:nvSpPr>
-          <p:cNvPr id="11" name="Rectangle 10">
-            <a:extLst>
-              <a:ext uri="{FF2B5EF4-FFF2-40B4-BE49-F238E27FC236}">
-                <a16:creationId xmlns:a16="http://schemas.microsoft.com/office/drawing/2014/main" id="{F60D9B38-5067-4841-9B4A-CE7786A2CB4A}"/>
-              </a:ext>
-            </a:extLst>
-          </p:cNvPr>
-          <p:cNvSpPr/>
+      <p:pic>
+        <p:nvPicPr>
+          <p:cNvPr id="2" name="Picture 1">
+            <a:extLst>
+              <a:ext uri="{FF2B5EF4-FFF2-40B4-BE49-F238E27FC236}">
+                <a16:creationId xmlns:a16="http://schemas.microsoft.com/office/drawing/2014/main" id="{5C61BEF2-B9A3-48A1-ADE3-6AFE999E61B6}"/>
+              </a:ext>
+            </a:extLst>
+          </p:cNvPr>
+          <p:cNvPicPr>
+            <a:picLocks noChangeAspect="1"/>
+          </p:cNvPicPr>
           <p:nvPr/>
-        </p:nvSpPr>
-        <p:spPr>
-          <a:xfrm>
-            <a:off x="728076" y="588106"/>
-            <a:ext cx="10700365" cy="4128694"/>
+        </p:nvPicPr>
+        <p:blipFill>
+          <a:blip r:embed="rId2"/>
+          <a:stretch>
+            <a:fillRect/>
+          </a:stretch>
+        </p:blipFill>
+        <p:spPr>
+          <a:xfrm>
+            <a:off x="8065366" y="621438"/>
+            <a:ext cx="3962400" cy="5606280"/>
           </a:xfrm>
           <a:prstGeom prst="rect">
             <a:avLst/>
           </a:prstGeom>
-          <a:noFill/>
-        </p:spPr>
-        <p:txBody>
-          <a:bodyPr wrap="none" lIns="91440" tIns="45720" rIns="91440" bIns="45720">
-            <a:spAutoFit/>
-          </a:bodyPr>
-          <a:lstStyle/>
-          <a:p>
-            <a:pPr algn="ctr"/>
-            <a:r>
-              <a:rPr lang="en-US" sz="8800" b="1" cap="none" spc="0" dirty="0">
-                <a:ln w="9525">
-                  <a:solidFill>
-                    <a:schemeClr val="bg1"/>
-                  </a:solidFill>
-                  <a:prstDash val="solid"/>
-                </a:ln>
-                <a:solidFill>
-                  <a:schemeClr val="accent5"/>
-                </a:solidFill>
-                <a:effectLst>
-                  <a:outerShdw blurRad="12700" dist="38100" dir="2700000" algn="tl" rotWithShape="0">
-                    <a:schemeClr val="accent5">
-                      <a:lumMod val="60000"/>
-                      <a:lumOff val="40000"/>
-                    </a:schemeClr>
-                  </a:outerShdw>
-                </a:effectLst>
-                <a:latin typeface="Verdana" panose="020B0604030504040204" pitchFamily="34" charset="0"/>
-                <a:ea typeface="Verdana" panose="020B0604030504040204" pitchFamily="34" charset="0"/>
-              </a:rPr>
-              <a:t>Demo</a:t>
-            </a:r>
-          </a:p>
-          <a:p>
-            <a:pPr marL="1371600" indent="-1371600" algn="ctr">
-              <a:buAutoNum type="arabicPeriod"/>
-            </a:pPr>
-            <a:endParaRPr lang="en-US" sz="4000" b="1" cap="none" spc="0" dirty="0">
-              <a:ln w="9525">
-                <a:solidFill>
-                  <a:schemeClr val="bg1"/>
-                </a:solidFill>
-                <a:prstDash val="solid"/>
-              </a:ln>
-              <a:solidFill>
-                <a:schemeClr val="accent5"/>
-              </a:solidFill>
-              <a:effectLst>
-                <a:outerShdw blurRad="12700" dist="38100" dir="2700000" algn="tl" rotWithShape="0">
-                  <a:schemeClr val="accent5">
-                    <a:lumMod val="60000"/>
-                    <a:lumOff val="40000"/>
-                  </a:schemeClr>
-                </a:outerShdw>
-              </a:effectLst>
-              <a:latin typeface="Verdana" panose="020B0604030504040204" pitchFamily="34" charset="0"/>
-              <a:ea typeface="Verdana" panose="020B0604030504040204" pitchFamily="34" charset="0"/>
-            </a:endParaRPr>
-          </a:p>
-          <a:p>
-            <a:pPr algn="ctr">
-              <a:lnSpc>
-                <a:spcPct val="150000"/>
-              </a:lnSpc>
-            </a:pPr>
-            <a:r>
-              <a:rPr lang="en-US" sz="4800" b="1" dirty="0">
-                <a:ln w="9525">
-                  <a:solidFill>
-                    <a:schemeClr val="bg1"/>
-                  </a:solidFill>
-                  <a:prstDash val="solid"/>
-                </a:ln>
-                <a:solidFill>
-                  <a:schemeClr val="accent5"/>
-                </a:solidFill>
-                <a:effectLst>
-                  <a:outerShdw blurRad="12700" dist="38100" dir="2700000" algn="tl" rotWithShape="0">
-                    <a:schemeClr val="accent5">
-                      <a:lumMod val="60000"/>
-                      <a:lumOff val="40000"/>
-                    </a:schemeClr>
-                  </a:outerShdw>
-                </a:effectLst>
-                <a:latin typeface="Verdana" panose="020B0604030504040204" pitchFamily="34" charset="0"/>
-                <a:ea typeface="Verdana" panose="020B0604030504040204" pitchFamily="34" charset="0"/>
-              </a:rPr>
-              <a:t>Improvising the gRPC Service </a:t>
-            </a:r>
-          </a:p>
-          <a:p>
-            <a:pPr algn="ctr">
-              <a:lnSpc>
-                <a:spcPct val="150000"/>
-              </a:lnSpc>
-            </a:pPr>
-            <a:r>
-              <a:rPr lang="en-US" sz="4800" b="1" dirty="0">
-                <a:ln w="9525">
-                  <a:solidFill>
-                    <a:schemeClr val="bg1"/>
-                  </a:solidFill>
-                  <a:prstDash val="solid"/>
-                </a:ln>
-                <a:solidFill>
-                  <a:schemeClr val="accent5"/>
-                </a:solidFill>
-                <a:effectLst>
-                  <a:outerShdw blurRad="12700" dist="38100" dir="2700000" algn="tl" rotWithShape="0">
-                    <a:schemeClr val="accent5">
-                      <a:lumMod val="60000"/>
-                      <a:lumOff val="40000"/>
-                    </a:schemeClr>
-                  </a:outerShdw>
-                </a:effectLst>
-                <a:latin typeface="Verdana" panose="020B0604030504040204" pitchFamily="34" charset="0"/>
-                <a:ea typeface="Verdana" panose="020B0604030504040204" pitchFamily="34" charset="0"/>
-              </a:rPr>
-              <a:t>into Layers</a:t>
-            </a:r>
-          </a:p>
-        </p:txBody>
-      </p:sp>
+          <a:ln>
+            <a:solidFill>
+              <a:schemeClr val="accent1"/>
+            </a:solidFill>
+          </a:ln>
+        </p:spPr>
+      </p:pic>
     </p:spTree>
     <p:extLst>
       <p:ext uri="{BB962C8B-B14F-4D97-AF65-F5344CB8AC3E}">
-        <p14:creationId xmlns:p14="http://schemas.microsoft.com/office/powerpoint/2010/main" val="310383154"/>
+        <p14:creationId xmlns:p14="http://schemas.microsoft.com/office/powerpoint/2010/main" val="3386103362"/>
       </p:ext>
     </p:extLst>
   </p:cSld>
@@ -11774,7 +12119,7 @@
                 <a:latin typeface="Verdana" panose="020B0604030504040204" pitchFamily="34" charset="0"/>
                 <a:ea typeface="Verdana" panose="020B0604030504040204" pitchFamily="34" charset="0"/>
               </a:rPr>
-              <a:t>Adding Console Logging into gRPC Server and Client</a:t>
+              <a:t>Improvising the gRPC Service into Layers</a:t>
             </a:r>
             <a:endParaRPr lang="en-IN" b="1" dirty="0">
               <a:latin typeface="Verdana" panose="020B0604030504040204" pitchFamily="34" charset="0"/>
@@ -12056,45 +12401,154 @@
           </a:p>
         </p:txBody>
       </p:sp>
-      <p:pic>
-        <p:nvPicPr>
-          <p:cNvPr id="5" name="Picture 4">
-            <a:extLst>
-              <a:ext uri="{FF2B5EF4-FFF2-40B4-BE49-F238E27FC236}">
-                <a16:creationId xmlns:a16="http://schemas.microsoft.com/office/drawing/2014/main" id="{E9B6FBDF-56BD-42B8-9A65-A276D59DBCA4}"/>
-              </a:ext>
-            </a:extLst>
-          </p:cNvPr>
-          <p:cNvPicPr>
-            <a:picLocks noChangeAspect="1"/>
-          </p:cNvPicPr>
+      <p:sp>
+        <p:nvSpPr>
+          <p:cNvPr id="11" name="Rectangle 10">
+            <a:extLst>
+              <a:ext uri="{FF2B5EF4-FFF2-40B4-BE49-F238E27FC236}">
+                <a16:creationId xmlns:a16="http://schemas.microsoft.com/office/drawing/2014/main" id="{F60D9B38-5067-4841-9B4A-CE7786A2CB4A}"/>
+              </a:ext>
+            </a:extLst>
+          </p:cNvPr>
+          <p:cNvSpPr/>
           <p:nvPr/>
-        </p:nvPicPr>
-        <p:blipFill>
-          <a:blip r:embed="rId2"/>
-          <a:stretch>
-            <a:fillRect/>
-          </a:stretch>
-        </p:blipFill>
-        <p:spPr>
-          <a:xfrm>
-            <a:off x="133897" y="577046"/>
-            <a:ext cx="11924206" cy="5760135"/>
+        </p:nvSpPr>
+        <p:spPr>
+          <a:xfrm>
+            <a:off x="728076" y="588106"/>
+            <a:ext cx="10700365" cy="4128694"/>
           </a:xfrm>
           <a:prstGeom prst="rect">
             <a:avLst/>
           </a:prstGeom>
-          <a:ln>
-            <a:solidFill>
-              <a:schemeClr val="accent1"/>
-            </a:solidFill>
-          </a:ln>
-        </p:spPr>
-      </p:pic>
+          <a:noFill/>
+        </p:spPr>
+        <p:txBody>
+          <a:bodyPr wrap="none" lIns="91440" tIns="45720" rIns="91440" bIns="45720">
+            <a:spAutoFit/>
+          </a:bodyPr>
+          <a:lstStyle/>
+          <a:p>
+            <a:pPr algn="ctr"/>
+            <a:r>
+              <a:rPr lang="en-US" sz="8800" b="1" cap="none" spc="0" dirty="0">
+                <a:ln w="9525">
+                  <a:solidFill>
+                    <a:schemeClr val="bg1"/>
+                  </a:solidFill>
+                  <a:prstDash val="solid"/>
+                </a:ln>
+                <a:solidFill>
+                  <a:schemeClr val="accent5"/>
+                </a:solidFill>
+                <a:effectLst>
+                  <a:outerShdw blurRad="12700" dist="38100" dir="2700000" algn="tl" rotWithShape="0">
+                    <a:schemeClr val="accent5">
+                      <a:lumMod val="60000"/>
+                      <a:lumOff val="40000"/>
+                    </a:schemeClr>
+                  </a:outerShdw>
+                </a:effectLst>
+                <a:latin typeface="Verdana" panose="020B0604030504040204" pitchFamily="34" charset="0"/>
+                <a:ea typeface="Verdana" panose="020B0604030504040204" pitchFamily="34" charset="0"/>
+              </a:rPr>
+              <a:t>Demo</a:t>
+            </a:r>
+          </a:p>
+          <a:p>
+            <a:pPr marL="1371600" indent="-1371600" algn="ctr">
+              <a:buAutoNum type="arabicPeriod"/>
+            </a:pPr>
+            <a:endParaRPr lang="en-US" sz="4000" b="1" cap="none" spc="0" dirty="0">
+              <a:ln w="9525">
+                <a:solidFill>
+                  <a:schemeClr val="bg1"/>
+                </a:solidFill>
+                <a:prstDash val="solid"/>
+              </a:ln>
+              <a:solidFill>
+                <a:schemeClr val="accent5"/>
+              </a:solidFill>
+              <a:effectLst>
+                <a:outerShdw blurRad="12700" dist="38100" dir="2700000" algn="tl" rotWithShape="0">
+                  <a:schemeClr val="accent5">
+                    <a:lumMod val="60000"/>
+                    <a:lumOff val="40000"/>
+                  </a:schemeClr>
+                </a:outerShdw>
+              </a:effectLst>
+              <a:latin typeface="Verdana" panose="020B0604030504040204" pitchFamily="34" charset="0"/>
+              <a:ea typeface="Verdana" panose="020B0604030504040204" pitchFamily="34" charset="0"/>
+            </a:endParaRPr>
+          </a:p>
+          <a:p>
+            <a:pPr algn="ctr">
+              <a:lnSpc>
+                <a:spcPct val="150000"/>
+              </a:lnSpc>
+            </a:pPr>
+            <a:r>
+              <a:rPr lang="en-US" sz="4800" b="1" dirty="0">
+                <a:ln w="9525">
+                  <a:solidFill>
+                    <a:schemeClr val="bg1"/>
+                  </a:solidFill>
+                  <a:prstDash val="solid"/>
+                </a:ln>
+                <a:solidFill>
+                  <a:schemeClr val="accent5"/>
+                </a:solidFill>
+                <a:effectLst>
+                  <a:outerShdw blurRad="12700" dist="38100" dir="2700000" algn="tl" rotWithShape="0">
+                    <a:schemeClr val="accent5">
+                      <a:lumMod val="60000"/>
+                      <a:lumOff val="40000"/>
+                    </a:schemeClr>
+                  </a:outerShdw>
+                </a:effectLst>
+                <a:latin typeface="Verdana" panose="020B0604030504040204" pitchFamily="34" charset="0"/>
+                <a:ea typeface="Verdana" panose="020B0604030504040204" pitchFamily="34" charset="0"/>
+              </a:rPr>
+              <a:t>Improvising the gRPC Service </a:t>
+            </a:r>
+          </a:p>
+          <a:p>
+            <a:pPr algn="ctr">
+              <a:lnSpc>
+                <a:spcPct val="150000"/>
+              </a:lnSpc>
+            </a:pPr>
+            <a:r>
+              <a:rPr lang="en-US" sz="4800" b="1" dirty="0">
+                <a:ln w="9525">
+                  <a:solidFill>
+                    <a:schemeClr val="bg1"/>
+                  </a:solidFill>
+                  <a:prstDash val="solid"/>
+                </a:ln>
+                <a:solidFill>
+                  <a:schemeClr val="accent5"/>
+                </a:solidFill>
+                <a:effectLst>
+                  <a:outerShdw blurRad="12700" dist="38100" dir="2700000" algn="tl" rotWithShape="0">
+                    <a:schemeClr val="accent5">
+                      <a:lumMod val="60000"/>
+                      <a:lumOff val="40000"/>
+                    </a:schemeClr>
+                  </a:outerShdw>
+                </a:effectLst>
+                <a:latin typeface="Verdana" panose="020B0604030504040204" pitchFamily="34" charset="0"/>
+                <a:ea typeface="Verdana" panose="020B0604030504040204" pitchFamily="34" charset="0"/>
+              </a:rPr>
+              <a:t>into Layers</a:t>
+            </a:r>
+          </a:p>
+        </p:txBody>
+      </p:sp>
     </p:spTree>
     <p:extLst>
       <p:ext uri="{BB962C8B-B14F-4D97-AF65-F5344CB8AC3E}">
-        <p14:creationId xmlns:p14="http://schemas.microsoft.com/office/powerpoint/2010/main" val="2191997749"/>
+        <p14:creationId xmlns:p14="http://schemas.microsoft.com/office/powerpoint/2010/main" val="310383154"/>
       </p:ext>
     </p:extLst>
   </p:cSld>
@@ -12453,154 +12907,45 @@
           </a:p>
         </p:txBody>
       </p:sp>
-      <p:sp>
-        <p:nvSpPr>
-          <p:cNvPr id="11" name="Rectangle 10">
-            <a:extLst>
-              <a:ext uri="{FF2B5EF4-FFF2-40B4-BE49-F238E27FC236}">
-                <a16:creationId xmlns:a16="http://schemas.microsoft.com/office/drawing/2014/main" id="{F60D9B38-5067-4841-9B4A-CE7786A2CB4A}"/>
-              </a:ext>
-            </a:extLst>
-          </p:cNvPr>
-          <p:cNvSpPr/>
+      <p:pic>
+        <p:nvPicPr>
+          <p:cNvPr id="5" name="Picture 4">
+            <a:extLst>
+              <a:ext uri="{FF2B5EF4-FFF2-40B4-BE49-F238E27FC236}">
+                <a16:creationId xmlns:a16="http://schemas.microsoft.com/office/drawing/2014/main" id="{E9B6FBDF-56BD-42B8-9A65-A276D59DBCA4}"/>
+              </a:ext>
+            </a:extLst>
+          </p:cNvPr>
+          <p:cNvPicPr>
+            <a:picLocks noChangeAspect="1"/>
+          </p:cNvPicPr>
           <p:nvPr/>
-        </p:nvSpPr>
-        <p:spPr>
-          <a:xfrm>
-            <a:off x="942077" y="588106"/>
-            <a:ext cx="10272363" cy="4128694"/>
+        </p:nvPicPr>
+        <p:blipFill>
+          <a:blip r:embed="rId2"/>
+          <a:stretch>
+            <a:fillRect/>
+          </a:stretch>
+        </p:blipFill>
+        <p:spPr>
+          <a:xfrm>
+            <a:off x="133897" y="577046"/>
+            <a:ext cx="11924206" cy="5760135"/>
           </a:xfrm>
           <a:prstGeom prst="rect">
             <a:avLst/>
           </a:prstGeom>
-          <a:noFill/>
-        </p:spPr>
-        <p:txBody>
-          <a:bodyPr wrap="none" lIns="91440" tIns="45720" rIns="91440" bIns="45720">
-            <a:spAutoFit/>
-          </a:bodyPr>
-          <a:lstStyle/>
-          <a:p>
-            <a:pPr algn="ctr"/>
-            <a:r>
-              <a:rPr lang="en-US" sz="8800" b="1" cap="none" spc="0" dirty="0">
-                <a:ln w="9525">
-                  <a:solidFill>
-                    <a:schemeClr val="bg1"/>
-                  </a:solidFill>
-                  <a:prstDash val="solid"/>
-                </a:ln>
-                <a:solidFill>
-                  <a:schemeClr val="accent5"/>
-                </a:solidFill>
-                <a:effectLst>
-                  <a:outerShdw blurRad="12700" dist="38100" dir="2700000" algn="tl" rotWithShape="0">
-                    <a:schemeClr val="accent5">
-                      <a:lumMod val="60000"/>
-                      <a:lumOff val="40000"/>
-                    </a:schemeClr>
-                  </a:outerShdw>
-                </a:effectLst>
-                <a:latin typeface="Verdana" panose="020B0604030504040204" pitchFamily="34" charset="0"/>
-                <a:ea typeface="Verdana" panose="020B0604030504040204" pitchFamily="34" charset="0"/>
-              </a:rPr>
-              <a:t>Demo</a:t>
-            </a:r>
-          </a:p>
-          <a:p>
-            <a:pPr marL="1371600" indent="-1371600" algn="ctr">
-              <a:buAutoNum type="arabicPeriod"/>
-            </a:pPr>
-            <a:endParaRPr lang="en-US" sz="4000" b="1" cap="none" spc="0" dirty="0">
-              <a:ln w="9525">
-                <a:solidFill>
-                  <a:schemeClr val="bg1"/>
-                </a:solidFill>
-                <a:prstDash val="solid"/>
-              </a:ln>
-              <a:solidFill>
-                <a:schemeClr val="accent5"/>
-              </a:solidFill>
-              <a:effectLst>
-                <a:outerShdw blurRad="12700" dist="38100" dir="2700000" algn="tl" rotWithShape="0">
-                  <a:schemeClr val="accent5">
-                    <a:lumMod val="60000"/>
-                    <a:lumOff val="40000"/>
-                  </a:schemeClr>
-                </a:outerShdw>
-              </a:effectLst>
-              <a:latin typeface="Verdana" panose="020B0604030504040204" pitchFamily="34" charset="0"/>
-              <a:ea typeface="Verdana" panose="020B0604030504040204" pitchFamily="34" charset="0"/>
-            </a:endParaRPr>
-          </a:p>
-          <a:p>
-            <a:pPr algn="ctr">
-              <a:lnSpc>
-                <a:spcPct val="150000"/>
-              </a:lnSpc>
-            </a:pPr>
-            <a:r>
-              <a:rPr lang="en-US" sz="4800" b="1" dirty="0">
-                <a:ln w="9525">
-                  <a:solidFill>
-                    <a:schemeClr val="bg1"/>
-                  </a:solidFill>
-                  <a:prstDash val="solid"/>
-                </a:ln>
-                <a:solidFill>
-                  <a:schemeClr val="accent5"/>
-                </a:solidFill>
-                <a:effectLst>
-                  <a:outerShdw blurRad="12700" dist="38100" dir="2700000" algn="tl" rotWithShape="0">
-                    <a:schemeClr val="accent5">
-                      <a:lumMod val="60000"/>
-                      <a:lumOff val="40000"/>
-                    </a:schemeClr>
-                  </a:outerShdw>
-                </a:effectLst>
-                <a:latin typeface="Verdana" panose="020B0604030504040204" pitchFamily="34" charset="0"/>
-                <a:ea typeface="Verdana" panose="020B0604030504040204" pitchFamily="34" charset="0"/>
-              </a:rPr>
-              <a:t>Adding Console Logging into </a:t>
-            </a:r>
-          </a:p>
-          <a:p>
-            <a:pPr algn="ctr">
-              <a:lnSpc>
-                <a:spcPct val="150000"/>
-              </a:lnSpc>
-            </a:pPr>
-            <a:r>
-              <a:rPr lang="en-US" sz="4800" b="1" dirty="0">
-                <a:ln w="9525">
-                  <a:solidFill>
-                    <a:schemeClr val="bg1"/>
-                  </a:solidFill>
-                  <a:prstDash val="solid"/>
-                </a:ln>
-                <a:solidFill>
-                  <a:schemeClr val="accent5"/>
-                </a:solidFill>
-                <a:effectLst>
-                  <a:outerShdw blurRad="12700" dist="38100" dir="2700000" algn="tl" rotWithShape="0">
-                    <a:schemeClr val="accent5">
-                      <a:lumMod val="60000"/>
-                      <a:lumOff val="40000"/>
-                    </a:schemeClr>
-                  </a:outerShdw>
-                </a:effectLst>
-                <a:latin typeface="Verdana" panose="020B0604030504040204" pitchFamily="34" charset="0"/>
-                <a:ea typeface="Verdana" panose="020B0604030504040204" pitchFamily="34" charset="0"/>
-              </a:rPr>
-              <a:t>gRPC Server and Client</a:t>
-            </a:r>
-          </a:p>
-        </p:txBody>
-      </p:sp>
+          <a:ln>
+            <a:solidFill>
+              <a:schemeClr val="accent1"/>
+            </a:solidFill>
+          </a:ln>
+        </p:spPr>
+      </p:pic>
     </p:spTree>
     <p:extLst>
       <p:ext uri="{BB962C8B-B14F-4D97-AF65-F5344CB8AC3E}">
-        <p14:creationId xmlns:p14="http://schemas.microsoft.com/office/powerpoint/2010/main" val="3983832829"/>
+        <p14:creationId xmlns:p14="http://schemas.microsoft.com/office/powerpoint/2010/main" val="2191997749"/>
       </p:ext>
     </p:extLst>
   </p:cSld>
@@ -12677,7 +13022,7 @@
                 <a:latin typeface="Verdana" panose="020B0604030504040204" pitchFamily="34" charset="0"/>
                 <a:ea typeface="Verdana" panose="020B0604030504040204" pitchFamily="34" charset="0"/>
               </a:rPr>
-              <a:t>Improvising the gRPC Client</a:t>
+              <a:t>Adding Console Logging into gRPC Server and Client</a:t>
             </a:r>
             <a:endParaRPr lang="en-IN" b="1" dirty="0">
               <a:latin typeface="Verdana" panose="020B0604030504040204" pitchFamily="34" charset="0"/>
@@ -12959,80 +13304,154 @@
           </a:p>
         </p:txBody>
       </p:sp>
-      <p:pic>
-        <p:nvPicPr>
-          <p:cNvPr id="2" name="Picture 1">
-            <a:extLst>
-              <a:ext uri="{FF2B5EF4-FFF2-40B4-BE49-F238E27FC236}">
-                <a16:creationId xmlns:a16="http://schemas.microsoft.com/office/drawing/2014/main" id="{A9FCA72C-1142-4E4D-A0E5-881CCDEC44B0}"/>
-              </a:ext>
-            </a:extLst>
-          </p:cNvPr>
-          <p:cNvPicPr>
-            <a:picLocks noChangeAspect="1"/>
-          </p:cNvPicPr>
+      <p:sp>
+        <p:nvSpPr>
+          <p:cNvPr id="11" name="Rectangle 10">
+            <a:extLst>
+              <a:ext uri="{FF2B5EF4-FFF2-40B4-BE49-F238E27FC236}">
+                <a16:creationId xmlns:a16="http://schemas.microsoft.com/office/drawing/2014/main" id="{F60D9B38-5067-4841-9B4A-CE7786A2CB4A}"/>
+              </a:ext>
+            </a:extLst>
+          </p:cNvPr>
+          <p:cNvSpPr/>
           <p:nvPr/>
-        </p:nvPicPr>
-        <p:blipFill>
-          <a:blip r:embed="rId2"/>
-          <a:stretch>
-            <a:fillRect/>
-          </a:stretch>
-        </p:blipFill>
-        <p:spPr>
-          <a:xfrm>
-            <a:off x="155450" y="667282"/>
-            <a:ext cx="5277684" cy="5523436"/>
+        </p:nvSpPr>
+        <p:spPr>
+          <a:xfrm>
+            <a:off x="942077" y="588106"/>
+            <a:ext cx="10272363" cy="4128694"/>
           </a:xfrm>
           <a:prstGeom prst="rect">
             <a:avLst/>
           </a:prstGeom>
-          <a:ln>
-            <a:solidFill>
-              <a:schemeClr val="accent1"/>
-            </a:solidFill>
-          </a:ln>
-        </p:spPr>
-      </p:pic>
-      <p:pic>
-        <p:nvPicPr>
-          <p:cNvPr id="3" name="Picture 2">
-            <a:extLst>
-              <a:ext uri="{FF2B5EF4-FFF2-40B4-BE49-F238E27FC236}">
-                <a16:creationId xmlns:a16="http://schemas.microsoft.com/office/drawing/2014/main" id="{890E9694-B484-44DE-9941-E50255FF36F1}"/>
-              </a:ext>
-            </a:extLst>
-          </p:cNvPr>
-          <p:cNvPicPr>
-            <a:picLocks noChangeAspect="1"/>
-          </p:cNvPicPr>
-          <p:nvPr/>
-        </p:nvPicPr>
-        <p:blipFill>
-          <a:blip r:embed="rId3"/>
-          <a:stretch>
-            <a:fillRect/>
-          </a:stretch>
-        </p:blipFill>
-        <p:spPr>
-          <a:xfrm>
-            <a:off x="5592932" y="667282"/>
-            <a:ext cx="6466596" cy="5523436"/>
-          </a:xfrm>
-          <a:prstGeom prst="rect">
-            <a:avLst/>
-          </a:prstGeom>
-          <a:ln>
-            <a:solidFill>
-              <a:schemeClr val="accent1"/>
-            </a:solidFill>
-          </a:ln>
-        </p:spPr>
-      </p:pic>
+          <a:noFill/>
+        </p:spPr>
+        <p:txBody>
+          <a:bodyPr wrap="none" lIns="91440" tIns="45720" rIns="91440" bIns="45720">
+            <a:spAutoFit/>
+          </a:bodyPr>
+          <a:lstStyle/>
+          <a:p>
+            <a:pPr algn="ctr"/>
+            <a:r>
+              <a:rPr lang="en-US" sz="8800" b="1" cap="none" spc="0" dirty="0">
+                <a:ln w="9525">
+                  <a:solidFill>
+                    <a:schemeClr val="bg1"/>
+                  </a:solidFill>
+                  <a:prstDash val="solid"/>
+                </a:ln>
+                <a:solidFill>
+                  <a:schemeClr val="accent5"/>
+                </a:solidFill>
+                <a:effectLst>
+                  <a:outerShdw blurRad="12700" dist="38100" dir="2700000" algn="tl" rotWithShape="0">
+                    <a:schemeClr val="accent5">
+                      <a:lumMod val="60000"/>
+                      <a:lumOff val="40000"/>
+                    </a:schemeClr>
+                  </a:outerShdw>
+                </a:effectLst>
+                <a:latin typeface="Verdana" panose="020B0604030504040204" pitchFamily="34" charset="0"/>
+                <a:ea typeface="Verdana" panose="020B0604030504040204" pitchFamily="34" charset="0"/>
+              </a:rPr>
+              <a:t>Demo</a:t>
+            </a:r>
+          </a:p>
+          <a:p>
+            <a:pPr marL="1371600" indent="-1371600" algn="ctr">
+              <a:buAutoNum type="arabicPeriod"/>
+            </a:pPr>
+            <a:endParaRPr lang="en-US" sz="4000" b="1" cap="none" spc="0" dirty="0">
+              <a:ln w="9525">
+                <a:solidFill>
+                  <a:schemeClr val="bg1"/>
+                </a:solidFill>
+                <a:prstDash val="solid"/>
+              </a:ln>
+              <a:solidFill>
+                <a:schemeClr val="accent5"/>
+              </a:solidFill>
+              <a:effectLst>
+                <a:outerShdw blurRad="12700" dist="38100" dir="2700000" algn="tl" rotWithShape="0">
+                  <a:schemeClr val="accent5">
+                    <a:lumMod val="60000"/>
+                    <a:lumOff val="40000"/>
+                  </a:schemeClr>
+                </a:outerShdw>
+              </a:effectLst>
+              <a:latin typeface="Verdana" panose="020B0604030504040204" pitchFamily="34" charset="0"/>
+              <a:ea typeface="Verdana" panose="020B0604030504040204" pitchFamily="34" charset="0"/>
+            </a:endParaRPr>
+          </a:p>
+          <a:p>
+            <a:pPr algn="ctr">
+              <a:lnSpc>
+                <a:spcPct val="150000"/>
+              </a:lnSpc>
+            </a:pPr>
+            <a:r>
+              <a:rPr lang="en-US" sz="4800" b="1" dirty="0">
+                <a:ln w="9525">
+                  <a:solidFill>
+                    <a:schemeClr val="bg1"/>
+                  </a:solidFill>
+                  <a:prstDash val="solid"/>
+                </a:ln>
+                <a:solidFill>
+                  <a:schemeClr val="accent5"/>
+                </a:solidFill>
+                <a:effectLst>
+                  <a:outerShdw blurRad="12700" dist="38100" dir="2700000" algn="tl" rotWithShape="0">
+                    <a:schemeClr val="accent5">
+                      <a:lumMod val="60000"/>
+                      <a:lumOff val="40000"/>
+                    </a:schemeClr>
+                  </a:outerShdw>
+                </a:effectLst>
+                <a:latin typeface="Verdana" panose="020B0604030504040204" pitchFamily="34" charset="0"/>
+                <a:ea typeface="Verdana" panose="020B0604030504040204" pitchFamily="34" charset="0"/>
+              </a:rPr>
+              <a:t>Adding Console Logging into </a:t>
+            </a:r>
+          </a:p>
+          <a:p>
+            <a:pPr algn="ctr">
+              <a:lnSpc>
+                <a:spcPct val="150000"/>
+              </a:lnSpc>
+            </a:pPr>
+            <a:r>
+              <a:rPr lang="en-US" sz="4800" b="1" dirty="0">
+                <a:ln w="9525">
+                  <a:solidFill>
+                    <a:schemeClr val="bg1"/>
+                  </a:solidFill>
+                  <a:prstDash val="solid"/>
+                </a:ln>
+                <a:solidFill>
+                  <a:schemeClr val="accent5"/>
+                </a:solidFill>
+                <a:effectLst>
+                  <a:outerShdw blurRad="12700" dist="38100" dir="2700000" algn="tl" rotWithShape="0">
+                    <a:schemeClr val="accent5">
+                      <a:lumMod val="60000"/>
+                      <a:lumOff val="40000"/>
+                    </a:schemeClr>
+                  </a:outerShdw>
+                </a:effectLst>
+                <a:latin typeface="Verdana" panose="020B0604030504040204" pitchFamily="34" charset="0"/>
+                <a:ea typeface="Verdana" panose="020B0604030504040204" pitchFamily="34" charset="0"/>
+              </a:rPr>
+              <a:t>gRPC Server and Client</a:t>
+            </a:r>
+          </a:p>
+        </p:txBody>
+      </p:sp>
     </p:spTree>
     <p:extLst>
       <p:ext uri="{BB962C8B-B14F-4D97-AF65-F5344CB8AC3E}">
-        <p14:creationId xmlns:p14="http://schemas.microsoft.com/office/powerpoint/2010/main" val="3574250095"/>
+        <p14:creationId xmlns:p14="http://schemas.microsoft.com/office/powerpoint/2010/main" val="3983832829"/>
       </p:ext>
     </p:extLst>
   </p:cSld>
